--- a/05_SSLAB_HPC_usage/HPC-Slurm.pptx
+++ b/05_SSLAB_HPC_usage/HPC-Slurm.pptx
@@ -14,12 +14,12 @@
     <p:sldId id="345" r:id="rId5"/>
     <p:sldId id="346" r:id="rId6"/>
     <p:sldId id="355" r:id="rId7"/>
-    <p:sldId id="322" r:id="rId8"/>
-    <p:sldId id="353" r:id="rId9"/>
-    <p:sldId id="354" r:id="rId10"/>
-    <p:sldId id="349" r:id="rId11"/>
-    <p:sldId id="350" r:id="rId12"/>
-    <p:sldId id="351" r:id="rId13"/>
+    <p:sldId id="349" r:id="rId8"/>
+    <p:sldId id="350" r:id="rId9"/>
+    <p:sldId id="351" r:id="rId10"/>
+    <p:sldId id="322" r:id="rId11"/>
+    <p:sldId id="353" r:id="rId12"/>
+    <p:sldId id="354" r:id="rId13"/>
     <p:sldId id="344" r:id="rId14"/>
     <p:sldId id="320" r:id="rId15"/>
     <p:sldId id="256" r:id="rId16"/>
@@ -211,7 +211,7 @@
           <a:p>
             <a:fld id="{FDE4CBB6-8372-491A-8939-1E4B1716E0F9}" type="datetimeFigureOut">
               <a:rPr lang="zh-CN" altLang="en-US" smtClean="0"/>
-              <a:t>2019/7/21</a:t>
+              <a:t>2019/7/22</a:t>
             </a:fld>
             <a:endParaRPr lang="zh-CN" altLang="en-US"/>
           </a:p>
@@ -636,7 +636,7 @@
     </p:spTree>
     <p:extLst>
       <p:ext uri="{BB962C8B-B14F-4D97-AF65-F5344CB8AC3E}">
-        <p14:creationId xmlns:p14="http://schemas.microsoft.com/office/powerpoint/2010/main" val="1799284845"/>
+        <p14:creationId xmlns:p14="http://schemas.microsoft.com/office/powerpoint/2010/main" val="3514623192"/>
       </p:ext>
     </p:extLst>
   </p:cSld>
@@ -1140,7 +1140,7 @@
     </p:spTree>
     <p:extLst>
       <p:ext uri="{BB962C8B-B14F-4D97-AF65-F5344CB8AC3E}">
-        <p14:creationId xmlns:p14="http://schemas.microsoft.com/office/powerpoint/2010/main" val="2850212659"/>
+        <p14:creationId xmlns:p14="http://schemas.microsoft.com/office/powerpoint/2010/main" val="3092732922"/>
       </p:ext>
     </p:extLst>
   </p:cSld>
@@ -1224,7 +1224,7 @@
     </p:spTree>
     <p:extLst>
       <p:ext uri="{BB962C8B-B14F-4D97-AF65-F5344CB8AC3E}">
-        <p14:creationId xmlns:p14="http://schemas.microsoft.com/office/powerpoint/2010/main" val="3886272958"/>
+        <p14:creationId xmlns:p14="http://schemas.microsoft.com/office/powerpoint/2010/main" val="853547971"/>
       </p:ext>
     </p:extLst>
   </p:cSld>
@@ -1308,7 +1308,7 @@
     </p:spTree>
     <p:extLst>
       <p:ext uri="{BB962C8B-B14F-4D97-AF65-F5344CB8AC3E}">
-        <p14:creationId xmlns:p14="http://schemas.microsoft.com/office/powerpoint/2010/main" val="3514623192"/>
+        <p14:creationId xmlns:p14="http://schemas.microsoft.com/office/powerpoint/2010/main" val="738549729"/>
       </p:ext>
     </p:extLst>
   </p:cSld>
@@ -1392,7 +1392,7 @@
     </p:spTree>
     <p:extLst>
       <p:ext uri="{BB962C8B-B14F-4D97-AF65-F5344CB8AC3E}">
-        <p14:creationId xmlns:p14="http://schemas.microsoft.com/office/powerpoint/2010/main" val="1473617660"/>
+        <p14:creationId xmlns:p14="http://schemas.microsoft.com/office/powerpoint/2010/main" val="2850212659"/>
       </p:ext>
     </p:extLst>
   </p:cSld>
@@ -1476,7 +1476,7 @@
     </p:spTree>
     <p:extLst>
       <p:ext uri="{BB962C8B-B14F-4D97-AF65-F5344CB8AC3E}">
-        <p14:creationId xmlns:p14="http://schemas.microsoft.com/office/powerpoint/2010/main" val="4154984139"/>
+        <p14:creationId xmlns:p14="http://schemas.microsoft.com/office/powerpoint/2010/main" val="3886272958"/>
       </p:ext>
     </p:extLst>
   </p:cSld>
@@ -1665,7 +1665,7 @@
           <a:p>
             <a:fld id="{054E156D-CA2F-4EB4-867C-0BD75004D1CC}" type="datetime1">
               <a:rPr lang="zh-CN" altLang="en-US" smtClean="0"/>
-              <a:t>2019/7/21</a:t>
+              <a:t>2019/7/22</a:t>
             </a:fld>
             <a:endParaRPr lang="zh-CN" altLang="en-US"/>
           </a:p>
@@ -1829,7 +1829,7 @@
           <a:p>
             <a:fld id="{3F7A319A-FECA-4775-8F9F-E2B2DB0EB579}" type="datetime1">
               <a:rPr lang="zh-CN" altLang="en-US" smtClean="0"/>
-              <a:t>2019/7/21</a:t>
+              <a:t>2019/7/22</a:t>
             </a:fld>
             <a:endParaRPr lang="zh-CN" altLang="en-US"/>
           </a:p>
@@ -2003,7 +2003,7 @@
           <a:p>
             <a:fld id="{40256683-8DE8-4E13-8E8E-D99860965E86}" type="datetime1">
               <a:rPr lang="zh-CN" altLang="en-US" smtClean="0"/>
-              <a:t>2019/7/21</a:t>
+              <a:t>2019/7/22</a:t>
             </a:fld>
             <a:endParaRPr lang="zh-CN" altLang="en-US"/>
           </a:p>
@@ -2167,7 +2167,7 @@
           <a:p>
             <a:fld id="{23F72FD3-BD98-4BB7-8173-642E4564FFAF}" type="datetime1">
               <a:rPr lang="zh-CN" altLang="en-US" smtClean="0"/>
-              <a:t>2019/7/21</a:t>
+              <a:t>2019/7/22</a:t>
             </a:fld>
             <a:endParaRPr lang="zh-CN" altLang="en-US"/>
           </a:p>
@@ -2408,7 +2408,7 @@
           <a:p>
             <a:fld id="{1AAB1438-9EF9-4502-B935-259C2110A891}" type="datetime1">
               <a:rPr lang="zh-CN" altLang="en-US" smtClean="0"/>
-              <a:t>2019/7/21</a:t>
+              <a:t>2019/7/22</a:t>
             </a:fld>
             <a:endParaRPr lang="zh-CN" altLang="en-US"/>
           </a:p>
@@ -2689,7 +2689,7 @@
           <a:p>
             <a:fld id="{B6932E17-D809-42E2-86D4-BF461321CA60}" type="datetime1">
               <a:rPr lang="zh-CN" altLang="en-US" smtClean="0"/>
-              <a:t>2019/7/21</a:t>
+              <a:t>2019/7/22</a:t>
             </a:fld>
             <a:endParaRPr lang="zh-CN" altLang="en-US"/>
           </a:p>
@@ -3104,7 +3104,7 @@
           <a:p>
             <a:fld id="{42F2C429-1336-4FCF-8C8B-00B51BBBC805}" type="datetime1">
               <a:rPr lang="zh-CN" altLang="en-US" smtClean="0"/>
-              <a:t>2019/7/21</a:t>
+              <a:t>2019/7/22</a:t>
             </a:fld>
             <a:endParaRPr lang="zh-CN" altLang="en-US"/>
           </a:p>
@@ -3217,7 +3217,7 @@
           <a:p>
             <a:fld id="{A74AF975-48CF-4B8A-A612-CC5F30DC0D75}" type="datetime1">
               <a:rPr lang="zh-CN" altLang="en-US" smtClean="0"/>
-              <a:t>2019/7/21</a:t>
+              <a:t>2019/7/22</a:t>
             </a:fld>
             <a:endParaRPr lang="zh-CN" altLang="en-US"/>
           </a:p>
@@ -3355,7 +3355,7 @@
           <a:p>
             <a:fld id="{FE830929-3390-41F0-A253-C76809BB8AB4}" type="datetime1">
               <a:rPr lang="zh-CN" altLang="en-US" smtClean="0"/>
-              <a:t>2019/7/21</a:t>
+              <a:t>2019/7/22</a:t>
             </a:fld>
             <a:endParaRPr lang="zh-CN" altLang="en-US"/>
           </a:p>
@@ -3626,7 +3626,7 @@
           <a:p>
             <a:fld id="{EE0E6A05-1364-4729-A1AD-3F838956491D}" type="datetime1">
               <a:rPr lang="zh-CN" altLang="en-US" smtClean="0"/>
-              <a:t>2019/7/21</a:t>
+              <a:t>2019/7/22</a:t>
             </a:fld>
             <a:endParaRPr lang="zh-CN" altLang="en-US"/>
           </a:p>
@@ -3874,7 +3874,7 @@
           <a:p>
             <a:fld id="{10173451-B9F2-49F3-9A1B-6E599B6AD26A}" type="datetime1">
               <a:rPr lang="zh-CN" altLang="en-US" smtClean="0"/>
-              <a:t>2019/7/21</a:t>
+              <a:t>2019/7/22</a:t>
             </a:fld>
             <a:endParaRPr lang="zh-CN" altLang="en-US"/>
           </a:p>
@@ -4084,7 +4084,7 @@
           <a:p>
             <a:fld id="{6070D0A2-9C12-4063-97B3-BC900B5437B9}" type="datetime1">
               <a:rPr lang="zh-CN" altLang="en-US" smtClean="0"/>
-              <a:t>2019/7/21</a:t>
+              <a:t>2019/7/22</a:t>
             </a:fld>
             <a:endParaRPr lang="zh-CN" altLang="en-US"/>
           </a:p>
@@ -5000,7 +5000,7 @@
         <p:spPr>
           <a:xfrm>
             <a:off x="1826288" y="344811"/>
-            <a:ext cx="2031325" cy="830997"/>
+            <a:ext cx="2954655" cy="830997"/>
           </a:xfrm>
           <a:prstGeom prst="rect">
             <a:avLst/>
@@ -5020,7 +5020,7 @@
                 <a:latin typeface="微软雅黑" panose="020B0503020204020204" pitchFamily="34" charset="-122"/>
                 <a:ea typeface="微软雅黑" panose="020B0503020204020204" pitchFamily="34" charset="-122"/>
               </a:rPr>
-              <a:t>查看作业信息</a:t>
+              <a:t>查看队列，节点信息</a:t>
             </a:r>
           </a:p>
           <a:p>
@@ -5036,10 +5036,10 @@
       </p:sp>
       <p:sp>
         <p:nvSpPr>
-          <p:cNvPr id="11" name="内容占位符 2">
+          <p:cNvPr id="16" name="内容占位符 2">
             <a:extLst>
               <a:ext uri="{FF2B5EF4-FFF2-40B4-BE49-F238E27FC236}">
-                <a16:creationId xmlns:a16="http://schemas.microsoft.com/office/drawing/2014/main" id="{51AA7A39-4937-4A11-9A5D-19BC347E29BC}"/>
+                <a16:creationId xmlns:a16="http://schemas.microsoft.com/office/drawing/2014/main" id="{3ADD7548-5671-4E1E-AAB7-A8CA35721C6A}"/>
               </a:ext>
             </a:extLst>
           </p:cNvPr>
@@ -5050,8 +5050,8 @@
         </p:nvSpPr>
         <p:spPr>
           <a:xfrm>
-            <a:off x="578728" y="1288909"/>
-            <a:ext cx="1273642" cy="642176"/>
+            <a:off x="467545" y="1117776"/>
+            <a:ext cx="6192688" cy="943072"/>
           </a:xfrm>
           <a:prstGeom prst="rect">
             <a:avLst/>
@@ -5200,7 +5200,7 @@
             <a:pPr marL="0" indent="0">
               <a:buNone/>
             </a:pPr>
-            <a:endParaRPr lang="zh-CN" altLang="en-US" sz="2400" b="1" dirty="0">
+            <a:endParaRPr lang="zh-CN" altLang="en-US" sz="1600" dirty="0">
               <a:latin typeface="微软雅黑" panose="020B0503020204020204" pitchFamily="34" charset="-122"/>
               <a:ea typeface="微软雅黑" panose="020B0503020204020204" pitchFamily="34" charset="-122"/>
             </a:endParaRPr>
@@ -5239,10 +5239,10 @@
       </p:sp>
       <p:sp>
         <p:nvSpPr>
-          <p:cNvPr id="2" name="矩形 1">
+          <p:cNvPr id="13" name="矩形 12">
             <a:extLst>
               <a:ext uri="{FF2B5EF4-FFF2-40B4-BE49-F238E27FC236}">
-                <a16:creationId xmlns:a16="http://schemas.microsoft.com/office/drawing/2014/main" id="{370C4EBA-200B-4F4F-8797-7FC7587E8398}"/>
+                <a16:creationId xmlns:a16="http://schemas.microsoft.com/office/drawing/2014/main" id="{1B53A0E7-49C9-487F-BC4F-9049EFB0BF75}"/>
               </a:ext>
             </a:extLst>
           </p:cNvPr>
@@ -5269,7 +5269,7 @@
                 <a:latin typeface="华文细黑" panose="02010600040101010101" pitchFamily="2" charset="-122"/>
                 <a:ea typeface="华文细黑" panose="02010600040101010101" pitchFamily="2" charset="-122"/>
               </a:rPr>
-              <a:t>作业状态</a:t>
+              <a:t>显示队列</a:t>
             </a:r>
           </a:p>
           <a:p>
@@ -5288,7 +5288,7 @@
                 <a:latin typeface="华文细黑" panose="02010600040101010101" pitchFamily="2" charset="-122"/>
                 <a:ea typeface="华文细黑" panose="02010600040101010101" pitchFamily="2" charset="-122"/>
               </a:rPr>
-              <a:t>squeue</a:t>
+              <a:t>sinfo</a:t>
             </a:r>
             <a:endParaRPr lang="en-US" altLang="zh-CN" sz="2000" b="1" dirty="0">
               <a:solidFill>
@@ -5314,257 +5314,17 @@
                 <a:latin typeface="华文细黑" panose="02010600040101010101" pitchFamily="2" charset="-122"/>
                 <a:ea typeface="华文细黑" panose="02010600040101010101" pitchFamily="2" charset="-122"/>
               </a:rPr>
-              <a:t>只显示排队和运行中的作业</a:t>
-            </a:r>
-          </a:p>
-        </p:txBody>
-      </p:sp>
-      <p:sp>
-        <p:nvSpPr>
-          <p:cNvPr id="4" name="文本框 3">
+              <a:t>队列中多节点状态不同时分行显示</a:t>
+            </a:r>
+          </a:p>
+        </p:txBody>
+      </p:sp>
+      <p:pic>
+        <p:nvPicPr>
+          <p:cNvPr id="4" name="图片 3">
             <a:extLst>
               <a:ext uri="{FF2B5EF4-FFF2-40B4-BE49-F238E27FC236}">
-                <a16:creationId xmlns:a16="http://schemas.microsoft.com/office/drawing/2014/main" id="{EA6A30AB-D4DD-43D3-AD5B-3FB7E53C3722}"/>
-              </a:ext>
-            </a:extLst>
-          </p:cNvPr>
-          <p:cNvSpPr txBox="1"/>
-          <p:nvPr/>
-        </p:nvSpPr>
-        <p:spPr>
-          <a:xfrm>
-            <a:off x="602218" y="3441680"/>
-            <a:ext cx="7138134" cy="3693319"/>
-          </a:xfrm>
-          <a:prstGeom prst="rect">
-            <a:avLst/>
-          </a:prstGeom>
-          <a:noFill/>
-        </p:spPr>
-        <p:txBody>
-          <a:bodyPr wrap="square" rtlCol="0">
-            <a:spAutoFit/>
-          </a:bodyPr>
-          <a:lstStyle/>
-          <a:p>
-            <a:pPr marL="285750" indent="-285750">
-              <a:buFont typeface="Arial" panose="020B0604020202020204" pitchFamily="34" charset="0"/>
-              <a:buChar char="•"/>
-            </a:pPr>
-            <a:r>
-              <a:rPr lang="zh-CN" altLang="en-US" dirty="0">
-                <a:latin typeface="华文细黑" panose="02010600040101010101" pitchFamily="2" charset="-122"/>
-                <a:ea typeface="华文细黑" panose="02010600040101010101" pitchFamily="2" charset="-122"/>
-              </a:rPr>
-              <a:t>显示字段有</a:t>
-            </a:r>
-          </a:p>
-          <a:p>
-            <a:r>
-              <a:rPr lang="en-US" altLang="zh-CN" dirty="0">
-                <a:latin typeface="华文细黑" panose="02010600040101010101" pitchFamily="2" charset="-122"/>
-                <a:ea typeface="华文细黑" panose="02010600040101010101" pitchFamily="2" charset="-122"/>
-              </a:rPr>
-              <a:t>JOBID    </a:t>
-            </a:r>
-            <a:r>
-              <a:rPr lang="zh-CN" altLang="en-US" dirty="0">
-                <a:latin typeface="华文细黑" panose="02010600040101010101" pitchFamily="2" charset="-122"/>
-                <a:ea typeface="华文细黑" panose="02010600040101010101" pitchFamily="2" charset="-122"/>
-              </a:rPr>
-              <a:t>作业</a:t>
-            </a:r>
-            <a:r>
-              <a:rPr lang="en-US" altLang="zh-CN" dirty="0">
-                <a:latin typeface="华文细黑" panose="02010600040101010101" pitchFamily="2" charset="-122"/>
-                <a:ea typeface="华文细黑" panose="02010600040101010101" pitchFamily="2" charset="-122"/>
-              </a:rPr>
-              <a:t>ID</a:t>
-            </a:r>
-          </a:p>
-          <a:p>
-            <a:r>
-              <a:rPr lang="en-US" altLang="zh-CN" dirty="0">
-                <a:latin typeface="华文细黑" panose="02010600040101010101" pitchFamily="2" charset="-122"/>
-                <a:ea typeface="华文细黑" panose="02010600040101010101" pitchFamily="2" charset="-122"/>
-              </a:rPr>
-              <a:t>PARTITION </a:t>
-            </a:r>
-            <a:r>
-              <a:rPr lang="zh-CN" altLang="en-US" dirty="0">
-                <a:latin typeface="华文细黑" panose="02010600040101010101" pitchFamily="2" charset="-122"/>
-                <a:ea typeface="华文细黑" panose="02010600040101010101" pitchFamily="2" charset="-122"/>
-              </a:rPr>
-              <a:t>队列名称</a:t>
-            </a:r>
-          </a:p>
-          <a:p>
-            <a:r>
-              <a:rPr lang="en-US" altLang="zh-CN" dirty="0">
-                <a:latin typeface="华文细黑" panose="02010600040101010101" pitchFamily="2" charset="-122"/>
-                <a:ea typeface="华文细黑" panose="02010600040101010101" pitchFamily="2" charset="-122"/>
-              </a:rPr>
-              <a:t>NAME   </a:t>
-            </a:r>
-            <a:r>
-              <a:rPr lang="zh-CN" altLang="en-US" dirty="0">
-                <a:latin typeface="华文细黑" panose="02010600040101010101" pitchFamily="2" charset="-122"/>
-                <a:ea typeface="华文细黑" panose="02010600040101010101" pitchFamily="2" charset="-122"/>
-              </a:rPr>
-              <a:t>作业名</a:t>
-            </a:r>
-          </a:p>
-          <a:p>
-            <a:r>
-              <a:rPr lang="en-US" altLang="zh-CN" dirty="0">
-                <a:latin typeface="华文细黑" panose="02010600040101010101" pitchFamily="2" charset="-122"/>
-                <a:ea typeface="华文细黑" panose="02010600040101010101" pitchFamily="2" charset="-122"/>
-              </a:rPr>
-              <a:t>USER    </a:t>
-            </a:r>
-            <a:r>
-              <a:rPr lang="zh-CN" altLang="en-US" dirty="0">
-                <a:latin typeface="华文细黑" panose="02010600040101010101" pitchFamily="2" charset="-122"/>
-                <a:ea typeface="华文细黑" panose="02010600040101010101" pitchFamily="2" charset="-122"/>
-              </a:rPr>
-              <a:t>作业所属用户</a:t>
-            </a:r>
-          </a:p>
-          <a:p>
-            <a:r>
-              <a:rPr lang="en-US" altLang="zh-CN" dirty="0">
-                <a:latin typeface="华文细黑" panose="02010600040101010101" pitchFamily="2" charset="-122"/>
-                <a:ea typeface="华文细黑" panose="02010600040101010101" pitchFamily="2" charset="-122"/>
-              </a:rPr>
-              <a:t>ST      </a:t>
-            </a:r>
-            <a:r>
-              <a:rPr lang="zh-CN" altLang="en-US" dirty="0">
-                <a:latin typeface="华文细黑" panose="02010600040101010101" pitchFamily="2" charset="-122"/>
-                <a:ea typeface="华文细黑" panose="02010600040101010101" pitchFamily="2" charset="-122"/>
-              </a:rPr>
-              <a:t>作业状态</a:t>
-            </a:r>
-          </a:p>
-          <a:p>
-            <a:r>
-              <a:rPr lang="en-US" altLang="zh-CN" dirty="0">
-                <a:latin typeface="华文细黑" panose="02010600040101010101" pitchFamily="2" charset="-122"/>
-                <a:ea typeface="华文细黑" panose="02010600040101010101" pitchFamily="2" charset="-122"/>
-              </a:rPr>
-              <a:t>TIME    </a:t>
-            </a:r>
-            <a:r>
-              <a:rPr lang="zh-CN" altLang="en-US" dirty="0">
-                <a:latin typeface="华文细黑" panose="02010600040101010101" pitchFamily="2" charset="-122"/>
-                <a:ea typeface="华文细黑" panose="02010600040101010101" pitchFamily="2" charset="-122"/>
-              </a:rPr>
-              <a:t>作业已运行时间</a:t>
-            </a:r>
-          </a:p>
-          <a:p>
-            <a:r>
-              <a:rPr lang="en-US" altLang="zh-CN" dirty="0">
-                <a:latin typeface="华文细黑" panose="02010600040101010101" pitchFamily="2" charset="-122"/>
-                <a:ea typeface="华文细黑" panose="02010600040101010101" pitchFamily="2" charset="-122"/>
-              </a:rPr>
-              <a:t>NODES   </a:t>
-            </a:r>
-            <a:r>
-              <a:rPr lang="zh-CN" altLang="en-US" dirty="0">
-                <a:latin typeface="华文细黑" panose="02010600040101010101" pitchFamily="2" charset="-122"/>
-                <a:ea typeface="华文细黑" panose="02010600040101010101" pitchFamily="2" charset="-122"/>
-              </a:rPr>
-              <a:t>作业占用节点数</a:t>
-            </a:r>
-          </a:p>
-          <a:p>
-            <a:r>
-              <a:rPr lang="en-US" altLang="zh-CN" dirty="0">
-                <a:latin typeface="华文细黑" panose="02010600040101010101" pitchFamily="2" charset="-122"/>
-                <a:ea typeface="华文细黑" panose="02010600040101010101" pitchFamily="2" charset="-122"/>
-              </a:rPr>
-              <a:t>NODELIST</a:t>
-            </a:r>
-            <a:r>
-              <a:rPr lang="zh-CN" altLang="en-US" dirty="0">
-                <a:latin typeface="华文细黑" panose="02010600040101010101" pitchFamily="2" charset="-122"/>
-                <a:ea typeface="华文细黑" panose="02010600040101010101" pitchFamily="2" charset="-122"/>
-              </a:rPr>
-              <a:t>（</a:t>
-            </a:r>
-            <a:r>
-              <a:rPr lang="en-US" altLang="zh-CN" dirty="0">
-                <a:latin typeface="华文细黑" panose="02010600040101010101" pitchFamily="2" charset="-122"/>
-                <a:ea typeface="华文细黑" panose="02010600040101010101" pitchFamily="2" charset="-122"/>
-              </a:rPr>
-              <a:t>REASON</a:t>
-            </a:r>
-            <a:r>
-              <a:rPr lang="zh-CN" altLang="en-US" dirty="0">
-                <a:latin typeface="华文细黑" panose="02010600040101010101" pitchFamily="2" charset="-122"/>
-                <a:ea typeface="华文细黑" panose="02010600040101010101" pitchFamily="2" charset="-122"/>
-              </a:rPr>
-              <a:t>）作业运行的结点列表</a:t>
-            </a:r>
-            <a:endParaRPr lang="en-US" altLang="zh-CN" dirty="0">
-              <a:latin typeface="华文细黑" panose="02010600040101010101" pitchFamily="2" charset="-122"/>
-              <a:ea typeface="华文细黑" panose="02010600040101010101" pitchFamily="2" charset="-122"/>
-            </a:endParaRPr>
-          </a:p>
-          <a:p>
-            <a:r>
-              <a:rPr lang="zh-CN" altLang="en-US" dirty="0">
-                <a:latin typeface="华文细黑" panose="02010600040101010101" pitchFamily="2" charset="-122"/>
-                <a:ea typeface="华文细黑" panose="02010600040101010101" pitchFamily="2" charset="-122"/>
-              </a:rPr>
-              <a:t>（不运行作业的原因）</a:t>
-            </a:r>
-            <a:endParaRPr lang="en-US" altLang="zh-CN" dirty="0">
-              <a:latin typeface="华文细黑" panose="02010600040101010101" pitchFamily="2" charset="-122"/>
-              <a:ea typeface="华文细黑" panose="02010600040101010101" pitchFamily="2" charset="-122"/>
-            </a:endParaRPr>
-          </a:p>
-          <a:p>
-            <a:endParaRPr lang="en-US" altLang="zh-CN" dirty="0">
-              <a:latin typeface="华文细黑" panose="02010600040101010101" pitchFamily="2" charset="-122"/>
-              <a:ea typeface="华文细黑" panose="02010600040101010101" pitchFamily="2" charset="-122"/>
-            </a:endParaRPr>
-          </a:p>
-          <a:p>
-            <a:r>
-              <a:rPr lang="en-US" altLang="zh-CN" dirty="0" err="1">
-                <a:latin typeface="华文细黑" panose="02010600040101010101" pitchFamily="2" charset="-122"/>
-                <a:ea typeface="华文细黑" panose="02010600040101010101" pitchFamily="2" charset="-122"/>
-              </a:rPr>
-              <a:t>squeue</a:t>
-            </a:r>
-            <a:r>
-              <a:rPr lang="en-US" altLang="zh-CN" dirty="0">
-                <a:latin typeface="华文细黑" panose="02010600040101010101" pitchFamily="2" charset="-122"/>
-                <a:ea typeface="华文细黑" panose="02010600040101010101" pitchFamily="2" charset="-122"/>
-              </a:rPr>
-              <a:t> –u  username </a:t>
-            </a:r>
-            <a:r>
-              <a:rPr lang="zh-CN" altLang="en-US" dirty="0">
-                <a:latin typeface="华文细黑" panose="02010600040101010101" pitchFamily="2" charset="-122"/>
-                <a:ea typeface="华文细黑" panose="02010600040101010101" pitchFamily="2" charset="-122"/>
-              </a:rPr>
-              <a:t>显示特定用户的任务（比如自己的）</a:t>
-            </a:r>
-          </a:p>
-          <a:p>
-            <a:endParaRPr lang="zh-CN" altLang="en-US" dirty="0"/>
-          </a:p>
-        </p:txBody>
-      </p:sp>
-      <p:pic>
-        <p:nvPicPr>
-          <p:cNvPr id="6" name="图片 5">
-            <a:extLst>
-              <a:ext uri="{FF2B5EF4-FFF2-40B4-BE49-F238E27FC236}">
-                <a16:creationId xmlns:a16="http://schemas.microsoft.com/office/drawing/2014/main" id="{73DA21CB-4738-4B3A-BE4C-E30AC2258C31}"/>
+                <a16:creationId xmlns:a16="http://schemas.microsoft.com/office/drawing/2014/main" id="{2CB5D0AD-652C-4332-B297-777FC533B473}"/>
               </a:ext>
             </a:extLst>
           </p:cNvPr>
@@ -5573,486 +5333,234 @@
           </p:cNvPicPr>
           <p:nvPr/>
         </p:nvPicPr>
-        <p:blipFill rotWithShape="1">
+        <p:blipFill>
           <a:blip r:embed="rId3"/>
-          <a:srcRect l="-206" t="21770"/>
-          <a:stretch/>
+          <a:stretch>
+            <a:fillRect/>
+          </a:stretch>
         </p:blipFill>
         <p:spPr>
           <a:xfrm>
-            <a:off x="539552" y="2934705"/>
-            <a:ext cx="7962900" cy="566303"/>
+            <a:off x="914279" y="2230347"/>
+            <a:ext cx="6480720" cy="3236232"/>
           </a:xfrm>
           <a:prstGeom prst="rect">
             <a:avLst/>
           </a:prstGeom>
         </p:spPr>
       </p:pic>
-      <p:pic>
-        <p:nvPicPr>
-          <p:cNvPr id="12" name="图片 11">
+      <p:sp>
+        <p:nvSpPr>
+          <p:cNvPr id="5" name="矩形 4">
             <a:extLst>
               <a:ext uri="{FF2B5EF4-FFF2-40B4-BE49-F238E27FC236}">
-                <a16:creationId xmlns:a16="http://schemas.microsoft.com/office/drawing/2014/main" id="{9CF4F9F5-CC59-4D16-A3B9-8092E3EBD239}"/>
+                <a16:creationId xmlns:a16="http://schemas.microsoft.com/office/drawing/2014/main" id="{7840B1DE-0721-4A73-B3B5-6AF8C259F8A3}"/>
               </a:ext>
             </a:extLst>
           </p:cNvPr>
-          <p:cNvPicPr>
-            <a:picLocks noChangeAspect="1"/>
-          </p:cNvPicPr>
+          <p:cNvSpPr/>
           <p:nvPr/>
-        </p:nvPicPr>
-        <p:blipFill rotWithShape="1">
-          <a:blip r:embed="rId4"/>
-          <a:srcRect r="5088" b="20833"/>
-          <a:stretch/>
-        </p:blipFill>
+        </p:nvSpPr>
         <p:spPr>
           <a:xfrm>
-            <a:off x="555951" y="2225873"/>
-            <a:ext cx="7946501" cy="723899"/>
+            <a:off x="555950" y="5513142"/>
+            <a:ext cx="7663861" cy="1323439"/>
           </a:xfrm>
           <a:prstGeom prst="rect">
             <a:avLst/>
           </a:prstGeom>
         </p:spPr>
-      </p:pic>
-      <p:cxnSp>
-        <p:nvCxnSpPr>
-          <p:cNvPr id="17" name="直接箭头连接符 16">
-            <a:extLst>
-              <a:ext uri="{FF2B5EF4-FFF2-40B4-BE49-F238E27FC236}">
-                <a16:creationId xmlns:a16="http://schemas.microsoft.com/office/drawing/2014/main" id="{DE3F259E-A6CB-47FE-9B6A-2B72F469538F}"/>
-              </a:ext>
-            </a:extLst>
-          </p:cNvPr>
-          <p:cNvCxnSpPr>
-            <a:cxnSpLocks/>
-          </p:cNvCxnSpPr>
-          <p:nvPr/>
-        </p:nvCxnSpPr>
-        <p:spPr>
-          <a:xfrm>
-            <a:off x="2411760" y="5013176"/>
-            <a:ext cx="2952328" cy="0"/>
-          </a:xfrm>
-          <a:prstGeom prst="straightConnector1">
-            <a:avLst/>
-          </a:prstGeom>
-          <a:ln w="19050">
-            <a:solidFill>
-              <a:srgbClr val="FF0000"/>
-            </a:solidFill>
-            <a:tailEnd type="triangle"/>
-          </a:ln>
-        </p:spPr>
-        <p:style>
-          <a:lnRef idx="1">
-            <a:schemeClr val="accent1"/>
-          </a:lnRef>
-          <a:fillRef idx="0">
-            <a:schemeClr val="accent1"/>
-          </a:fillRef>
-          <a:effectRef idx="0">
-            <a:schemeClr val="accent1"/>
-          </a:effectRef>
-          <a:fontRef idx="minor">
-            <a:schemeClr val="tx1"/>
-          </a:fontRef>
-        </p:style>
-      </p:cxnSp>
-      <p:sp>
-        <p:nvSpPr>
-          <p:cNvPr id="18" name="文本框 17">
-            <a:extLst>
-              <a:ext uri="{FF2B5EF4-FFF2-40B4-BE49-F238E27FC236}">
-                <a16:creationId xmlns:a16="http://schemas.microsoft.com/office/drawing/2014/main" id="{C8E3A1E6-074C-4345-BC4C-2BC6C9326952}"/>
-              </a:ext>
-            </a:extLst>
-          </p:cNvPr>
-          <p:cNvSpPr txBox="1"/>
-          <p:nvPr/>
-        </p:nvSpPr>
-        <p:spPr>
-          <a:xfrm>
-            <a:off x="650736" y="4869160"/>
-            <a:ext cx="1617008" cy="288032"/>
-          </a:xfrm>
-          <a:prstGeom prst="rect">
-            <a:avLst/>
-          </a:prstGeom>
-          <a:noFill/>
-          <a:ln w="19050">
-            <a:solidFill>
-              <a:srgbClr val="FF0000"/>
-            </a:solidFill>
-          </a:ln>
-        </p:spPr>
-        <p:txBody>
-          <a:bodyPr wrap="square" rtlCol="0">
+        <p:txBody>
+          <a:bodyPr wrap="square">
             <a:spAutoFit/>
           </a:bodyPr>
           <a:lstStyle/>
           <a:p>
-            <a:endParaRPr lang="zh-CN" altLang="en-US" dirty="0"/>
-          </a:p>
-        </p:txBody>
-      </p:sp>
-      <p:sp>
-        <p:nvSpPr>
-          <p:cNvPr id="20" name="文本框 19">
-            <a:extLst>
-              <a:ext uri="{FF2B5EF4-FFF2-40B4-BE49-F238E27FC236}">
-                <a16:creationId xmlns:a16="http://schemas.microsoft.com/office/drawing/2014/main" id="{BB39A814-8F4B-43FA-BCD8-D894786E0AFA}"/>
-              </a:ext>
-            </a:extLst>
-          </p:cNvPr>
-          <p:cNvSpPr txBox="1"/>
-          <p:nvPr/>
-        </p:nvSpPr>
-        <p:spPr>
-          <a:xfrm>
-            <a:off x="5409659" y="3528295"/>
-            <a:ext cx="3321549" cy="2800767"/>
-          </a:xfrm>
-          <a:prstGeom prst="rect">
-            <a:avLst/>
-          </a:prstGeom>
-          <a:noFill/>
-          <a:ln w="19050">
-            <a:solidFill>
-              <a:srgbClr val="FF0000"/>
-            </a:solidFill>
-          </a:ln>
-        </p:spPr>
-        <p:txBody>
-          <a:bodyPr wrap="square" rtlCol="0">
-            <a:spAutoFit/>
-          </a:bodyPr>
-          <a:lstStyle/>
-          <a:p>
             <a:r>
               <a:rPr lang="en-US" altLang="zh-CN" sz="1600" dirty="0">
-                <a:latin typeface="Times New Roman" panose="02020603050405020304" pitchFamily="18" charset="0"/>
-                <a:ea typeface="华文细黑" panose="02010600040101010101" pitchFamily="2" charset="-122"/>
-                <a:cs typeface="Times New Roman" panose="02020603050405020304" pitchFamily="18" charset="0"/>
-              </a:rPr>
-              <a:t>– PD</a:t>
+                <a:latin typeface="华文细黑" panose="02010600040101010101" pitchFamily="2" charset="-122"/>
+                <a:ea typeface="华文细黑" panose="02010600040101010101" pitchFamily="2" charset="-122"/>
+              </a:rPr>
+              <a:t>• STATE</a:t>
             </a:r>
             <a:r>
               <a:rPr lang="zh-CN" altLang="en-US" sz="1600" dirty="0">
-                <a:latin typeface="Times New Roman" panose="02020603050405020304" pitchFamily="18" charset="0"/>
-                <a:ea typeface="华文细黑" panose="02010600040101010101" pitchFamily="2" charset="-122"/>
-                <a:cs typeface="Times New Roman" panose="02020603050405020304" pitchFamily="18" charset="0"/>
-              </a:rPr>
-              <a:t>：排队中，</a:t>
-            </a:r>
+                <a:latin typeface="华文细黑" panose="02010600040101010101" pitchFamily="2" charset="-122"/>
+                <a:ea typeface="华文细黑" panose="02010600040101010101" pitchFamily="2" charset="-122"/>
+              </a:rPr>
+              <a:t>：节点状态，可能的状态包括： </a:t>
+            </a:r>
+            <a:endParaRPr lang="en-US" altLang="zh-CN" sz="1600" dirty="0">
+              <a:latin typeface="华文细黑" panose="02010600040101010101" pitchFamily="2" charset="-122"/>
+              <a:ea typeface="华文细黑" panose="02010600040101010101" pitchFamily="2" charset="-122"/>
+            </a:endParaRPr>
+          </a:p>
+          <a:p>
             <a:r>
               <a:rPr lang="en-US" altLang="zh-CN" sz="1600" dirty="0">
-                <a:latin typeface="Times New Roman" panose="02020603050405020304" pitchFamily="18" charset="0"/>
-                <a:ea typeface="华文细黑" panose="02010600040101010101" pitchFamily="2" charset="-122"/>
-                <a:cs typeface="Times New Roman" panose="02020603050405020304" pitchFamily="18" charset="0"/>
-              </a:rPr>
-              <a:t>PENDING</a:t>
-            </a:r>
-          </a:p>
-          <a:p>
+                <a:latin typeface="华文细黑" panose="02010600040101010101" pitchFamily="2" charset="-122"/>
+                <a:ea typeface="华文细黑" panose="02010600040101010101" pitchFamily="2" charset="-122"/>
+              </a:rPr>
+              <a:t>– allocated</a:t>
+            </a:r>
+            <a:r>
+              <a:rPr lang="zh-CN" altLang="en-US" sz="1600" dirty="0">
+                <a:latin typeface="华文细黑" panose="02010600040101010101" pitchFamily="2" charset="-122"/>
+                <a:ea typeface="华文细黑" panose="02010600040101010101" pitchFamily="2" charset="-122"/>
+              </a:rPr>
+              <a:t>、</a:t>
+            </a:r>
+            <a:r>
+              <a:rPr lang="en-US" altLang="zh-CN" sz="1600" dirty="0" err="1">
+                <a:latin typeface="华文细黑" panose="02010600040101010101" pitchFamily="2" charset="-122"/>
+                <a:ea typeface="华文细黑" panose="02010600040101010101" pitchFamily="2" charset="-122"/>
+              </a:rPr>
+              <a:t>alloc</a:t>
+            </a:r>
+            <a:r>
+              <a:rPr lang="zh-CN" altLang="en-US" sz="1600" dirty="0">
+                <a:latin typeface="华文细黑" panose="02010600040101010101" pitchFamily="2" charset="-122"/>
+                <a:ea typeface="华文细黑" panose="02010600040101010101" pitchFamily="2" charset="-122"/>
+              </a:rPr>
+              <a:t>：已分配                            </a:t>
+            </a:r>
             <a:r>
               <a:rPr lang="en-US" altLang="zh-CN" sz="1600" dirty="0">
-                <a:latin typeface="Times New Roman" panose="02020603050405020304" pitchFamily="18" charset="0"/>
-                <a:ea typeface="华文细黑" panose="02010600040101010101" pitchFamily="2" charset="-122"/>
-                <a:cs typeface="Times New Roman" panose="02020603050405020304" pitchFamily="18" charset="0"/>
-              </a:rPr>
-              <a:t>– R</a:t>
+                <a:latin typeface="华文细黑" panose="02010600040101010101" pitchFamily="2" charset="-122"/>
+                <a:ea typeface="华文细黑" panose="02010600040101010101" pitchFamily="2" charset="-122"/>
+              </a:rPr>
+              <a:t>– down</a:t>
             </a:r>
             <a:r>
               <a:rPr lang="zh-CN" altLang="en-US" sz="1600" dirty="0">
-                <a:latin typeface="Times New Roman" panose="02020603050405020304" pitchFamily="18" charset="0"/>
-                <a:ea typeface="华文细黑" panose="02010600040101010101" pitchFamily="2" charset="-122"/>
-                <a:cs typeface="Times New Roman" panose="02020603050405020304" pitchFamily="18" charset="0"/>
-              </a:rPr>
-              <a:t>：运行中，</a:t>
-            </a:r>
+                <a:latin typeface="华文细黑" panose="02010600040101010101" pitchFamily="2" charset="-122"/>
+                <a:ea typeface="华文细黑" panose="02010600040101010101" pitchFamily="2" charset="-122"/>
+              </a:rPr>
+              <a:t>：宕机                                          </a:t>
+            </a:r>
+            <a:endParaRPr lang="en-US" altLang="zh-CN" sz="1600" dirty="0">
+              <a:latin typeface="华文细黑" panose="02010600040101010101" pitchFamily="2" charset="-122"/>
+              <a:ea typeface="华文细黑" panose="02010600040101010101" pitchFamily="2" charset="-122"/>
+            </a:endParaRPr>
+          </a:p>
+          <a:p>
             <a:r>
               <a:rPr lang="en-US" altLang="zh-CN" sz="1600" dirty="0">
-                <a:latin typeface="Times New Roman" panose="02020603050405020304" pitchFamily="18" charset="0"/>
-                <a:ea typeface="华文细黑" panose="02010600040101010101" pitchFamily="2" charset="-122"/>
-                <a:cs typeface="Times New Roman" panose="02020603050405020304" pitchFamily="18" charset="0"/>
-              </a:rPr>
-              <a:t>RUNNING</a:t>
+                <a:latin typeface="华文细黑" panose="02010600040101010101" pitchFamily="2" charset="-122"/>
+                <a:ea typeface="华文细黑" panose="02010600040101010101" pitchFamily="2" charset="-122"/>
+              </a:rPr>
+              <a:t>– idle</a:t>
             </a:r>
             <a:r>
               <a:rPr lang="zh-CN" altLang="en-US" sz="1600" dirty="0">
-                <a:latin typeface="Times New Roman" panose="02020603050405020304" pitchFamily="18" charset="0"/>
-                <a:ea typeface="华文细黑" panose="02010600040101010101" pitchFamily="2" charset="-122"/>
-                <a:cs typeface="Times New Roman" panose="02020603050405020304" pitchFamily="18" charset="0"/>
-              </a:rPr>
-              <a:t> </a:t>
+                <a:latin typeface="华文细黑" panose="02010600040101010101" pitchFamily="2" charset="-122"/>
+                <a:ea typeface="华文细黑" panose="02010600040101010101" pitchFamily="2" charset="-122"/>
+              </a:rPr>
+              <a:t>：空闲，可以接收新作业                          </a:t>
+            </a:r>
+            <a:r>
+              <a:rPr lang="en-US" altLang="zh-CN" sz="1600" dirty="0">
+                <a:latin typeface="华文细黑" panose="02010600040101010101" pitchFamily="2" charset="-122"/>
+                <a:ea typeface="华文细黑" panose="02010600040101010101" pitchFamily="2" charset="-122"/>
+              </a:rPr>
+              <a:t>– drained</a:t>
+            </a:r>
+            <a:r>
+              <a:rPr lang="zh-CN" altLang="en-US" sz="1600" dirty="0">
+                <a:latin typeface="华文细黑" panose="02010600040101010101" pitchFamily="2" charset="-122"/>
+                <a:ea typeface="华文细黑" panose="02010600040101010101" pitchFamily="2" charset="-122"/>
+              </a:rPr>
+              <a:t>、</a:t>
+            </a:r>
+            <a:r>
+              <a:rPr lang="en-US" altLang="zh-CN" sz="1600" dirty="0">
+                <a:latin typeface="华文细黑" panose="02010600040101010101" pitchFamily="2" charset="-122"/>
+                <a:ea typeface="华文细黑" panose="02010600040101010101" pitchFamily="2" charset="-122"/>
+              </a:rPr>
+              <a:t>drain</a:t>
+            </a:r>
+            <a:r>
+              <a:rPr lang="zh-CN" altLang="en-US" sz="1600" dirty="0">
+                <a:latin typeface="华文细黑" panose="02010600040101010101" pitchFamily="2" charset="-122"/>
+                <a:ea typeface="华文细黑" panose="02010600040101010101" pitchFamily="2" charset="-122"/>
+              </a:rPr>
+              <a:t>：已失去活力 </a:t>
             </a:r>
             <a:endParaRPr lang="en-US" altLang="zh-CN" sz="1600" dirty="0">
-              <a:latin typeface="Times New Roman" panose="02020603050405020304" pitchFamily="18" charset="0"/>
+              <a:latin typeface="华文细黑" panose="02010600040101010101" pitchFamily="2" charset="-122"/>
               <a:ea typeface="华文细黑" panose="02010600040101010101" pitchFamily="2" charset="-122"/>
-              <a:cs typeface="Times New Roman" panose="02020603050405020304" pitchFamily="18" charset="0"/>
             </a:endParaRPr>
           </a:p>
           <a:p>
             <a:r>
               <a:rPr lang="en-US" altLang="zh-CN" sz="1600" dirty="0">
-                <a:latin typeface="Times New Roman" panose="02020603050405020304" pitchFamily="18" charset="0"/>
-                <a:ea typeface="华文细黑" panose="02010600040101010101" pitchFamily="2" charset="-122"/>
-                <a:cs typeface="Times New Roman" panose="02020603050405020304" pitchFamily="18" charset="0"/>
-              </a:rPr>
-              <a:t>– CA</a:t>
+                <a:latin typeface="华文细黑" panose="02010600040101010101" pitchFamily="2" charset="-122"/>
+                <a:ea typeface="华文细黑" panose="02010600040101010101" pitchFamily="2" charset="-122"/>
+              </a:rPr>
+              <a:t>– mixed</a:t>
             </a:r>
             <a:r>
               <a:rPr lang="zh-CN" altLang="en-US" sz="1600" dirty="0">
-                <a:latin typeface="Times New Roman" panose="02020603050405020304" pitchFamily="18" charset="0"/>
-                <a:ea typeface="华文细黑" panose="02010600040101010101" pitchFamily="2" charset="-122"/>
-                <a:cs typeface="Times New Roman" panose="02020603050405020304" pitchFamily="18" charset="0"/>
-              </a:rPr>
-              <a:t>：已取消，</a:t>
+                <a:latin typeface="华文细黑" panose="02010600040101010101" pitchFamily="2" charset="-122"/>
+                <a:ea typeface="华文细黑" panose="02010600040101010101" pitchFamily="2" charset="-122"/>
+              </a:rPr>
+              <a:t>：混合，节点在运行作业，但有些空闲</a:t>
             </a:r>
             <a:r>
               <a:rPr lang="en-US" altLang="zh-CN" sz="1600" dirty="0">
-                <a:latin typeface="Times New Roman" panose="02020603050405020304" pitchFamily="18" charset="0"/>
-                <a:ea typeface="华文细黑" panose="02010600040101010101" pitchFamily="2" charset="-122"/>
-                <a:cs typeface="Times New Roman" panose="02020603050405020304" pitchFamily="18" charset="0"/>
-              </a:rPr>
-              <a:t>CANCELLED</a:t>
-            </a:r>
+                <a:latin typeface="华文细黑" panose="02010600040101010101" pitchFamily="2" charset="-122"/>
+                <a:ea typeface="华文细黑" panose="02010600040101010101" pitchFamily="2" charset="-122"/>
+              </a:rPr>
+              <a:t>CPU</a:t>
+            </a:r>
+            <a:r>
+              <a:rPr lang="zh-CN" altLang="en-US" sz="1600" dirty="0">
+                <a:latin typeface="华文细黑" panose="02010600040101010101" pitchFamily="2" charset="-122"/>
+                <a:ea typeface="华文细黑" panose="02010600040101010101" pitchFamily="2" charset="-122"/>
+              </a:rPr>
+              <a:t>核，可接受新作业。 </a:t>
+            </a:r>
+            <a:endParaRPr lang="en-US" altLang="zh-CN" sz="1600" dirty="0">
+              <a:latin typeface="华文细黑" panose="02010600040101010101" pitchFamily="2" charset="-122"/>
+              <a:ea typeface="华文细黑" panose="02010600040101010101" pitchFamily="2" charset="-122"/>
+            </a:endParaRPr>
           </a:p>
           <a:p>
             <a:r>
               <a:rPr lang="en-US" altLang="zh-CN" sz="1600" dirty="0">
-                <a:latin typeface="Times New Roman" panose="02020603050405020304" pitchFamily="18" charset="0"/>
-                <a:ea typeface="华文细黑" panose="02010600040101010101" pitchFamily="2" charset="-122"/>
-                <a:cs typeface="Times New Roman" panose="02020603050405020304" pitchFamily="18" charset="0"/>
-              </a:rPr>
-              <a:t>– CF</a:t>
+                <a:latin typeface="华文细黑" panose="02010600040101010101" pitchFamily="2" charset="-122"/>
+                <a:ea typeface="华文细黑" panose="02010600040101010101" pitchFamily="2" charset="-122"/>
+              </a:rPr>
+              <a:t>– reserved</a:t>
             </a:r>
             <a:r>
               <a:rPr lang="zh-CN" altLang="en-US" sz="1600" dirty="0">
-                <a:latin typeface="Times New Roman" panose="02020603050405020304" pitchFamily="18" charset="0"/>
-                <a:ea typeface="华文细黑" panose="02010600040101010101" pitchFamily="2" charset="-122"/>
-                <a:cs typeface="Times New Roman" panose="02020603050405020304" pitchFamily="18" charset="0"/>
-              </a:rPr>
-              <a:t>：配置中，</a:t>
-            </a:r>
-            <a:r>
-              <a:rPr lang="en-US" altLang="zh-CN" sz="1600" dirty="0">
-                <a:latin typeface="Times New Roman" panose="02020603050405020304" pitchFamily="18" charset="0"/>
-                <a:ea typeface="华文细黑" panose="02010600040101010101" pitchFamily="2" charset="-122"/>
-                <a:cs typeface="Times New Roman" panose="02020603050405020304" pitchFamily="18" charset="0"/>
-              </a:rPr>
-              <a:t>CONFIGURING</a:t>
-            </a:r>
-          </a:p>
-          <a:p>
-            <a:r>
-              <a:rPr lang="en-US" altLang="zh-CN" sz="1600" dirty="0">
-                <a:latin typeface="Times New Roman" panose="02020603050405020304" pitchFamily="18" charset="0"/>
-                <a:ea typeface="华文细黑" panose="02010600040101010101" pitchFamily="2" charset="-122"/>
-                <a:cs typeface="Times New Roman" panose="02020603050405020304" pitchFamily="18" charset="0"/>
-              </a:rPr>
-              <a:t>– CG</a:t>
+                <a:latin typeface="华文细黑" panose="02010600040101010101" pitchFamily="2" charset="-122"/>
+                <a:ea typeface="华文细黑" panose="02010600040101010101" pitchFamily="2" charset="-122"/>
+              </a:rPr>
+              <a:t>、</a:t>
+            </a:r>
+            <a:r>
+              <a:rPr lang="en-US" altLang="zh-CN" sz="1600" dirty="0" err="1">
+                <a:latin typeface="华文细黑" panose="02010600040101010101" pitchFamily="2" charset="-122"/>
+                <a:ea typeface="华文细黑" panose="02010600040101010101" pitchFamily="2" charset="-122"/>
+              </a:rPr>
+              <a:t>resv</a:t>
             </a:r>
             <a:r>
               <a:rPr lang="zh-CN" altLang="en-US" sz="1600" dirty="0">
-                <a:latin typeface="Times New Roman" panose="02020603050405020304" pitchFamily="18" charset="0"/>
-                <a:ea typeface="华文细黑" panose="02010600040101010101" pitchFamily="2" charset="-122"/>
-                <a:cs typeface="Times New Roman" panose="02020603050405020304" pitchFamily="18" charset="0"/>
-              </a:rPr>
-              <a:t>：完成中，</a:t>
-            </a:r>
-            <a:r>
-              <a:rPr lang="en-US" altLang="zh-CN" sz="1600" dirty="0">
-                <a:latin typeface="Times New Roman" panose="02020603050405020304" pitchFamily="18" charset="0"/>
-                <a:ea typeface="华文细黑" panose="02010600040101010101" pitchFamily="2" charset="-122"/>
-                <a:cs typeface="Times New Roman" panose="02020603050405020304" pitchFamily="18" charset="0"/>
-              </a:rPr>
-              <a:t>COMPLETING</a:t>
-            </a:r>
-          </a:p>
-          <a:p>
-            <a:r>
-              <a:rPr lang="en-US" altLang="zh-CN" sz="1600" dirty="0">
-                <a:latin typeface="Times New Roman" panose="02020603050405020304" pitchFamily="18" charset="0"/>
-                <a:ea typeface="华文细黑" panose="02010600040101010101" pitchFamily="2" charset="-122"/>
-                <a:cs typeface="Times New Roman" panose="02020603050405020304" pitchFamily="18" charset="0"/>
-              </a:rPr>
-              <a:t>– CD</a:t>
-            </a:r>
-            <a:r>
-              <a:rPr lang="zh-CN" altLang="en-US" sz="1600" dirty="0">
-                <a:latin typeface="Times New Roman" panose="02020603050405020304" pitchFamily="18" charset="0"/>
-                <a:ea typeface="华文细黑" panose="02010600040101010101" pitchFamily="2" charset="-122"/>
-                <a:cs typeface="Times New Roman" panose="02020603050405020304" pitchFamily="18" charset="0"/>
-              </a:rPr>
-              <a:t>：已完成，</a:t>
-            </a:r>
-            <a:r>
-              <a:rPr lang="en-US" altLang="zh-CN" sz="1600" dirty="0">
-                <a:latin typeface="Times New Roman" panose="02020603050405020304" pitchFamily="18" charset="0"/>
-                <a:ea typeface="华文细黑" panose="02010600040101010101" pitchFamily="2" charset="-122"/>
-                <a:cs typeface="Times New Roman" panose="02020603050405020304" pitchFamily="18" charset="0"/>
-              </a:rPr>
-              <a:t>COMPLETED</a:t>
-            </a:r>
-            <a:r>
-              <a:rPr lang="zh-CN" altLang="en-US" sz="1600" dirty="0">
-                <a:latin typeface="Times New Roman" panose="02020603050405020304" pitchFamily="18" charset="0"/>
-                <a:ea typeface="华文细黑" panose="02010600040101010101" pitchFamily="2" charset="-122"/>
-                <a:cs typeface="Times New Roman" panose="02020603050405020304" pitchFamily="18" charset="0"/>
-              </a:rPr>
-              <a:t> </a:t>
-            </a:r>
-            <a:endParaRPr lang="en-US" altLang="zh-CN" sz="1600" dirty="0">
-              <a:latin typeface="Times New Roman" panose="02020603050405020304" pitchFamily="18" charset="0"/>
-              <a:ea typeface="华文细黑" panose="02010600040101010101" pitchFamily="2" charset="-122"/>
-              <a:cs typeface="Times New Roman" panose="02020603050405020304" pitchFamily="18" charset="0"/>
-            </a:endParaRPr>
-          </a:p>
-          <a:p>
-            <a:r>
-              <a:rPr lang="en-US" altLang="zh-CN" sz="1600" dirty="0">
-                <a:latin typeface="Times New Roman" panose="02020603050405020304" pitchFamily="18" charset="0"/>
-                <a:ea typeface="华文细黑" panose="02010600040101010101" pitchFamily="2" charset="-122"/>
-                <a:cs typeface="Times New Roman" panose="02020603050405020304" pitchFamily="18" charset="0"/>
-              </a:rPr>
-              <a:t>– F</a:t>
-            </a:r>
-            <a:r>
-              <a:rPr lang="zh-CN" altLang="en-US" sz="1600" dirty="0">
-                <a:latin typeface="Times New Roman" panose="02020603050405020304" pitchFamily="18" charset="0"/>
-                <a:ea typeface="华文细黑" panose="02010600040101010101" pitchFamily="2" charset="-122"/>
-                <a:cs typeface="Times New Roman" panose="02020603050405020304" pitchFamily="18" charset="0"/>
-              </a:rPr>
-              <a:t>：已失败，</a:t>
-            </a:r>
-            <a:r>
-              <a:rPr lang="en-US" altLang="zh-CN" sz="1600" dirty="0">
-                <a:latin typeface="Times New Roman" panose="02020603050405020304" pitchFamily="18" charset="0"/>
-                <a:ea typeface="华文细黑" panose="02010600040101010101" pitchFamily="2" charset="-122"/>
-                <a:cs typeface="Times New Roman" panose="02020603050405020304" pitchFamily="18" charset="0"/>
-              </a:rPr>
-              <a:t>FAILED</a:t>
-            </a:r>
-            <a:r>
-              <a:rPr lang="zh-CN" altLang="en-US" sz="1600" dirty="0">
-                <a:latin typeface="Times New Roman" panose="02020603050405020304" pitchFamily="18" charset="0"/>
-                <a:ea typeface="华文细黑" panose="02010600040101010101" pitchFamily="2" charset="-122"/>
-                <a:cs typeface="Times New Roman" panose="02020603050405020304" pitchFamily="18" charset="0"/>
-              </a:rPr>
-              <a:t> </a:t>
-            </a:r>
-            <a:endParaRPr lang="en-US" altLang="zh-CN" sz="1600" dirty="0">
-              <a:latin typeface="Times New Roman" panose="02020603050405020304" pitchFamily="18" charset="0"/>
-              <a:ea typeface="华文细黑" panose="02010600040101010101" pitchFamily="2" charset="-122"/>
-              <a:cs typeface="Times New Roman" panose="02020603050405020304" pitchFamily="18" charset="0"/>
-            </a:endParaRPr>
-          </a:p>
-          <a:p>
-            <a:r>
-              <a:rPr lang="en-US" altLang="zh-CN" sz="1600" dirty="0">
-                <a:latin typeface="Times New Roman" panose="02020603050405020304" pitchFamily="18" charset="0"/>
-                <a:ea typeface="华文细黑" panose="02010600040101010101" pitchFamily="2" charset="-122"/>
-                <a:cs typeface="Times New Roman" panose="02020603050405020304" pitchFamily="18" charset="0"/>
-              </a:rPr>
-              <a:t>– TO</a:t>
-            </a:r>
-            <a:r>
-              <a:rPr lang="zh-CN" altLang="en-US" sz="1600" dirty="0">
-                <a:latin typeface="Times New Roman" panose="02020603050405020304" pitchFamily="18" charset="0"/>
-                <a:ea typeface="华文细黑" panose="02010600040101010101" pitchFamily="2" charset="-122"/>
-                <a:cs typeface="Times New Roman" panose="02020603050405020304" pitchFamily="18" charset="0"/>
-              </a:rPr>
-              <a:t>：超时，</a:t>
-            </a:r>
-            <a:r>
-              <a:rPr lang="en-US" altLang="zh-CN" sz="1600" dirty="0">
-                <a:latin typeface="Times New Roman" panose="02020603050405020304" pitchFamily="18" charset="0"/>
-                <a:ea typeface="华文细黑" panose="02010600040101010101" pitchFamily="2" charset="-122"/>
-                <a:cs typeface="Times New Roman" panose="02020603050405020304" pitchFamily="18" charset="0"/>
-              </a:rPr>
-              <a:t>TIMEOUT</a:t>
-            </a:r>
-          </a:p>
-          <a:p>
-            <a:r>
-              <a:rPr lang="en-US" altLang="zh-CN" sz="1600" dirty="0">
-                <a:latin typeface="Times New Roman" panose="02020603050405020304" pitchFamily="18" charset="0"/>
-                <a:ea typeface="华文细黑" panose="02010600040101010101" pitchFamily="2" charset="-122"/>
-                <a:cs typeface="Times New Roman" panose="02020603050405020304" pitchFamily="18" charset="0"/>
-              </a:rPr>
-              <a:t>– NF</a:t>
-            </a:r>
-            <a:r>
-              <a:rPr lang="zh-CN" altLang="en-US" sz="1600" dirty="0">
-                <a:latin typeface="Times New Roman" panose="02020603050405020304" pitchFamily="18" charset="0"/>
-                <a:ea typeface="华文细黑" panose="02010600040101010101" pitchFamily="2" charset="-122"/>
-                <a:cs typeface="Times New Roman" panose="02020603050405020304" pitchFamily="18" charset="0"/>
-              </a:rPr>
-              <a:t>：节点失效，</a:t>
-            </a:r>
-            <a:r>
-              <a:rPr lang="en-US" altLang="zh-CN" sz="1600" dirty="0">
-                <a:latin typeface="Times New Roman" panose="02020603050405020304" pitchFamily="18" charset="0"/>
-                <a:ea typeface="华文细黑" panose="02010600040101010101" pitchFamily="2" charset="-122"/>
-                <a:cs typeface="Times New Roman" panose="02020603050405020304" pitchFamily="18" charset="0"/>
-              </a:rPr>
-              <a:t>NODE FAILURE</a:t>
-            </a:r>
-            <a:r>
-              <a:rPr lang="zh-CN" altLang="en-US" sz="1600" dirty="0">
-                <a:latin typeface="Times New Roman" panose="02020603050405020304" pitchFamily="18" charset="0"/>
-                <a:ea typeface="华文细黑" panose="02010600040101010101" pitchFamily="2" charset="-122"/>
-                <a:cs typeface="Times New Roman" panose="02020603050405020304" pitchFamily="18" charset="0"/>
-              </a:rPr>
-              <a:t> </a:t>
-            </a:r>
-            <a:endParaRPr lang="en-US" altLang="zh-CN" sz="1600" dirty="0">
-              <a:latin typeface="Times New Roman" panose="02020603050405020304" pitchFamily="18" charset="0"/>
-              <a:ea typeface="华文细黑" panose="02010600040101010101" pitchFamily="2" charset="-122"/>
-              <a:cs typeface="Times New Roman" panose="02020603050405020304" pitchFamily="18" charset="0"/>
-            </a:endParaRPr>
-          </a:p>
-          <a:p>
-            <a:r>
-              <a:rPr lang="en-US" altLang="zh-CN" sz="1600" dirty="0">
-                <a:latin typeface="Times New Roman" panose="02020603050405020304" pitchFamily="18" charset="0"/>
-                <a:ea typeface="华文细黑" panose="02010600040101010101" pitchFamily="2" charset="-122"/>
-                <a:cs typeface="Times New Roman" panose="02020603050405020304" pitchFamily="18" charset="0"/>
-              </a:rPr>
-              <a:t>– SE</a:t>
-            </a:r>
-            <a:r>
-              <a:rPr lang="zh-CN" altLang="en-US" sz="1600" dirty="0">
-                <a:latin typeface="Times New Roman" panose="02020603050405020304" pitchFamily="18" charset="0"/>
-                <a:ea typeface="华文细黑" panose="02010600040101010101" pitchFamily="2" charset="-122"/>
-                <a:cs typeface="Times New Roman" panose="02020603050405020304" pitchFamily="18" charset="0"/>
-              </a:rPr>
-              <a:t>：特殊退出状态，</a:t>
-            </a:r>
-            <a:r>
-              <a:rPr lang="en-US" altLang="zh-CN" sz="1600" dirty="0">
-                <a:latin typeface="Times New Roman" panose="02020603050405020304" pitchFamily="18" charset="0"/>
-                <a:ea typeface="华文细黑" panose="02010600040101010101" pitchFamily="2" charset="-122"/>
-                <a:cs typeface="Times New Roman" panose="02020603050405020304" pitchFamily="18" charset="0"/>
-              </a:rPr>
-              <a:t>SPECIAL EXIT STATE</a:t>
-            </a:r>
-            <a:endParaRPr lang="zh-CN" altLang="en-US" sz="1600" dirty="0">
-              <a:latin typeface="Times New Roman" panose="02020603050405020304" pitchFamily="18" charset="0"/>
-              <a:ea typeface="华文细黑" panose="02010600040101010101" pitchFamily="2" charset="-122"/>
-              <a:cs typeface="Times New Roman" panose="02020603050405020304" pitchFamily="18" charset="0"/>
-            </a:endParaRPr>
+                <a:latin typeface="华文细黑" panose="02010600040101010101" pitchFamily="2" charset="-122"/>
+                <a:ea typeface="华文细黑" panose="02010600040101010101" pitchFamily="2" charset="-122"/>
+              </a:rPr>
+              <a:t>：预留。</a:t>
+            </a:r>
           </a:p>
         </p:txBody>
       </p:sp>
     </p:spTree>
     <p:extLst>
       <p:ext uri="{BB962C8B-B14F-4D97-AF65-F5344CB8AC3E}">
-        <p14:creationId xmlns:p14="http://schemas.microsoft.com/office/powerpoint/2010/main" val="4244891784"/>
+        <p14:creationId xmlns:p14="http://schemas.microsoft.com/office/powerpoint/2010/main" val="3740979773"/>
       </p:ext>
     </p:extLst>
   </p:cSld>
@@ -6214,7 +5722,7 @@
         <p:spPr>
           <a:xfrm>
             <a:off x="1826288" y="344811"/>
-            <a:ext cx="2031325" cy="830997"/>
+            <a:ext cx="2954655" cy="830997"/>
           </a:xfrm>
           <a:prstGeom prst="rect">
             <a:avLst/>
@@ -6234,7 +5742,7 @@
                 <a:latin typeface="微软雅黑" panose="020B0503020204020204" pitchFamily="34" charset="-122"/>
                 <a:ea typeface="微软雅黑" panose="020B0503020204020204" pitchFamily="34" charset="-122"/>
               </a:rPr>
-              <a:t>查看作业信息</a:t>
+              <a:t>查看队列，节点信息</a:t>
             </a:r>
           </a:p>
           <a:p>
@@ -6250,10 +5758,10 @@
       </p:sp>
       <p:sp>
         <p:nvSpPr>
-          <p:cNvPr id="11" name="内容占位符 2">
+          <p:cNvPr id="16" name="内容占位符 2">
             <a:extLst>
               <a:ext uri="{FF2B5EF4-FFF2-40B4-BE49-F238E27FC236}">
-                <a16:creationId xmlns:a16="http://schemas.microsoft.com/office/drawing/2014/main" id="{51AA7A39-4937-4A11-9A5D-19BC347E29BC}"/>
+                <a16:creationId xmlns:a16="http://schemas.microsoft.com/office/drawing/2014/main" id="{3ADD7548-5671-4E1E-AAB7-A8CA35721C6A}"/>
               </a:ext>
             </a:extLst>
           </p:cNvPr>
@@ -6264,8 +5772,8 @@
         </p:nvSpPr>
         <p:spPr>
           <a:xfrm>
-            <a:off x="578728" y="1288909"/>
-            <a:ext cx="1273642" cy="642176"/>
+            <a:off x="467545" y="1117776"/>
+            <a:ext cx="6192688" cy="943072"/>
           </a:xfrm>
           <a:prstGeom prst="rect">
             <a:avLst/>
@@ -6414,7 +5922,7 @@
             <a:pPr marL="0" indent="0">
               <a:buNone/>
             </a:pPr>
-            <a:endParaRPr lang="zh-CN" altLang="en-US" sz="2400" b="1" dirty="0">
+            <a:endParaRPr lang="zh-CN" altLang="en-US" sz="1600" dirty="0">
               <a:latin typeface="微软雅黑" panose="020B0503020204020204" pitchFamily="34" charset="-122"/>
               <a:ea typeface="微软雅黑" panose="020B0503020204020204" pitchFamily="34" charset="-122"/>
             </a:endParaRPr>
@@ -6423,40 +5931,10 @@
       </p:sp>
       <p:sp>
         <p:nvSpPr>
-          <p:cNvPr id="3" name="灯片编号占位符 2">
+          <p:cNvPr id="13" name="矩形 12">
             <a:extLst>
               <a:ext uri="{FF2B5EF4-FFF2-40B4-BE49-F238E27FC236}">
-                <a16:creationId xmlns:a16="http://schemas.microsoft.com/office/drawing/2014/main" id="{EFF62842-4BEC-463D-B518-7616E9CA91A8}"/>
-              </a:ext>
-            </a:extLst>
-          </p:cNvPr>
-          <p:cNvSpPr>
-            <a:spLocks noGrp="1"/>
-          </p:cNvSpPr>
-          <p:nvPr>
-            <p:ph type="sldNum" sz="quarter" idx="12"/>
-          </p:nvPr>
-        </p:nvSpPr>
-        <p:spPr/>
-        <p:txBody>
-          <a:bodyPr/>
-          <a:lstStyle/>
-          <a:p>
-            <a:fld id="{6A5AA6DB-FE8F-44FC-AB8C-B3ACDBB5B927}" type="slidenum">
-              <a:rPr lang="zh-CN" altLang="en-US" smtClean="0"/>
-              <a:pPr/>
-              <a:t>11</a:t>
-            </a:fld>
-            <a:endParaRPr lang="zh-CN" altLang="en-US"/>
-          </a:p>
-        </p:txBody>
-      </p:sp>
-      <p:sp>
-        <p:nvSpPr>
-          <p:cNvPr id="2" name="矩形 1">
-            <a:extLst>
-              <a:ext uri="{FF2B5EF4-FFF2-40B4-BE49-F238E27FC236}">
-                <a16:creationId xmlns:a16="http://schemas.microsoft.com/office/drawing/2014/main" id="{370C4EBA-200B-4F4F-8797-7FC7587E8398}"/>
+                <a16:creationId xmlns:a16="http://schemas.microsoft.com/office/drawing/2014/main" id="{1B53A0E7-49C9-487F-BC4F-9049EFB0BF75}"/>
               </a:ext>
             </a:extLst>
           </p:cNvPr>
@@ -6466,14 +5944,14 @@
         <p:spPr>
           <a:xfrm>
             <a:off x="555950" y="948277"/>
-            <a:ext cx="6968378" cy="707886"/>
+            <a:ext cx="4572000" cy="707886"/>
           </a:xfrm>
           <a:prstGeom prst="rect">
             <a:avLst/>
           </a:prstGeom>
         </p:spPr>
         <p:txBody>
-          <a:bodyPr wrap="square">
+          <a:bodyPr>
             <a:spAutoFit/>
           </a:bodyPr>
           <a:lstStyle/>
@@ -6483,8 +5961,23 @@
                 <a:latin typeface="华文细黑" panose="02010600040101010101" pitchFamily="2" charset="-122"/>
                 <a:ea typeface="华文细黑" panose="02010600040101010101" pitchFamily="2" charset="-122"/>
               </a:rPr>
-              <a:t>实时作业详细信息</a:t>
-            </a:r>
+              <a:t>查看账户关联用户及</a:t>
+            </a:r>
+            <a:r>
+              <a:rPr lang="en-US" altLang="zh-CN" sz="2000" b="1" dirty="0">
+                <a:latin typeface="华文细黑" panose="02010600040101010101" pitchFamily="2" charset="-122"/>
+                <a:ea typeface="华文细黑" panose="02010600040101010101" pitchFamily="2" charset="-122"/>
+              </a:rPr>
+              <a:t>QOS</a:t>
+            </a:r>
+            <a:r>
+              <a:rPr lang="zh-CN" altLang="en-US" sz="2000" b="1" dirty="0">
+                <a:latin typeface="华文细黑" panose="02010600040101010101" pitchFamily="2" charset="-122"/>
+                <a:ea typeface="华文细黑" panose="02010600040101010101" pitchFamily="2" charset="-122"/>
+              </a:rPr>
+              <a:t>限制</a:t>
+            </a:r>
+            <a:endParaRPr lang="en-US" altLang="zh-CN" sz="2000" b="1" dirty="0"/>
           </a:p>
           <a:p>
             <a:r>
@@ -6492,7 +5985,7 @@
                 <a:latin typeface="华文细黑" panose="02010600040101010101" pitchFamily="2" charset="-122"/>
                 <a:ea typeface="华文细黑" panose="02010600040101010101" pitchFamily="2" charset="-122"/>
               </a:rPr>
-              <a:t>命令  </a:t>
+              <a:t>命令 </a:t>
             </a:r>
             <a:r>
               <a:rPr lang="en-US" altLang="zh-CN" sz="2000" b="1" dirty="0" err="1">
@@ -6502,7 +5995,7 @@
                 <a:latin typeface="华文细黑" panose="02010600040101010101" pitchFamily="2" charset="-122"/>
                 <a:ea typeface="华文细黑" panose="02010600040101010101" pitchFamily="2" charset="-122"/>
               </a:rPr>
-              <a:t>scontrol</a:t>
+              <a:t>sacctmgr</a:t>
             </a:r>
             <a:r>
               <a:rPr lang="en-US" altLang="zh-CN" sz="2000" b="1" dirty="0">
@@ -6512,17 +6005,34 @@
                 <a:latin typeface="华文细黑" panose="02010600040101010101" pitchFamily="2" charset="-122"/>
                 <a:ea typeface="华文细黑" panose="02010600040101010101" pitchFamily="2" charset="-122"/>
               </a:rPr>
-              <a:t> show job </a:t>
-            </a:r>
+              <a:t> list </a:t>
+            </a:r>
+            <a:r>
+              <a:rPr lang="en-US" altLang="zh-CN" sz="2000" b="1" dirty="0" err="1">
+                <a:solidFill>
+                  <a:srgbClr val="FF0000"/>
+                </a:solidFill>
+                <a:latin typeface="华文细黑" panose="02010600040101010101" pitchFamily="2" charset="-122"/>
+                <a:ea typeface="华文细黑" panose="02010600040101010101" pitchFamily="2" charset="-122"/>
+              </a:rPr>
+              <a:t>assoc</a:t>
+            </a:r>
+            <a:endParaRPr lang="en-US" altLang="zh-CN" sz="2000" b="1" dirty="0">
+              <a:solidFill>
+                <a:srgbClr val="FF0000"/>
+              </a:solidFill>
+              <a:latin typeface="华文细黑" panose="02010600040101010101" pitchFamily="2" charset="-122"/>
+              <a:ea typeface="华文细黑" panose="02010600040101010101" pitchFamily="2" charset="-122"/>
+            </a:endParaRPr>
           </a:p>
         </p:txBody>
       </p:sp>
       <p:pic>
         <p:nvPicPr>
-          <p:cNvPr id="5" name="图片 4">
+          <p:cNvPr id="2" name="图片 1">
             <a:extLst>
               <a:ext uri="{FF2B5EF4-FFF2-40B4-BE49-F238E27FC236}">
-                <a16:creationId xmlns:a16="http://schemas.microsoft.com/office/drawing/2014/main" id="{73CC53A3-B76F-44FD-8EBD-F1EB7CAEDFF0}"/>
+                <a16:creationId xmlns:a16="http://schemas.microsoft.com/office/drawing/2014/main" id="{35232D59-EC51-43D3-8422-BB64FBC23F20}"/>
               </a:ext>
             </a:extLst>
           </p:cNvPr>
@@ -6539,18 +6049,171 @@
         </p:blipFill>
         <p:spPr>
           <a:xfrm>
-            <a:off x="1073845" y="1677594"/>
-            <a:ext cx="6447433" cy="4854943"/>
+            <a:off x="0" y="2187307"/>
+            <a:ext cx="9144000" cy="3545633"/>
           </a:xfrm>
           <a:prstGeom prst="rect">
             <a:avLst/>
           </a:prstGeom>
         </p:spPr>
       </p:pic>
+      <p:sp>
+        <p:nvSpPr>
+          <p:cNvPr id="12" name="文本框 11">
+            <a:extLst>
+              <a:ext uri="{FF2B5EF4-FFF2-40B4-BE49-F238E27FC236}">
+                <a16:creationId xmlns:a16="http://schemas.microsoft.com/office/drawing/2014/main" id="{A73DEF02-EEF1-41A7-B545-B979C50B2D4A}"/>
+              </a:ext>
+            </a:extLst>
+          </p:cNvPr>
+          <p:cNvSpPr txBox="1"/>
+          <p:nvPr/>
+        </p:nvSpPr>
+        <p:spPr>
+          <a:xfrm>
+            <a:off x="4644008" y="5769272"/>
+            <a:ext cx="1224136" cy="338554"/>
+          </a:xfrm>
+          <a:prstGeom prst="rect">
+            <a:avLst/>
+          </a:prstGeom>
+          <a:noFill/>
+        </p:spPr>
+        <p:txBody>
+          <a:bodyPr wrap="square" rtlCol="0">
+            <a:spAutoFit/>
+          </a:bodyPr>
+          <a:lstStyle/>
+          <a:p>
+            <a:r>
+              <a:rPr lang="zh-CN" altLang="en-US" sz="1600" dirty="0">
+                <a:solidFill>
+                  <a:srgbClr val="FF0000"/>
+                </a:solidFill>
+                <a:latin typeface="华文细黑" panose="02010600040101010101" pitchFamily="2" charset="-122"/>
+                <a:ea typeface="华文细黑" panose="02010600040101010101" pitchFamily="2" charset="-122"/>
+              </a:rPr>
+              <a:t>时间限制</a:t>
+            </a:r>
+          </a:p>
+        </p:txBody>
+      </p:sp>
+      <p:sp>
+        <p:nvSpPr>
+          <p:cNvPr id="14" name="文本框 13">
+            <a:extLst>
+              <a:ext uri="{FF2B5EF4-FFF2-40B4-BE49-F238E27FC236}">
+                <a16:creationId xmlns:a16="http://schemas.microsoft.com/office/drawing/2014/main" id="{C6C3D901-92BA-46B4-8526-19E7070ECD94}"/>
+              </a:ext>
+            </a:extLst>
+          </p:cNvPr>
+          <p:cNvSpPr txBox="1"/>
+          <p:nvPr/>
+        </p:nvSpPr>
+        <p:spPr>
+          <a:xfrm>
+            <a:off x="6372200" y="5740446"/>
+            <a:ext cx="1763216" cy="338554"/>
+          </a:xfrm>
+          <a:prstGeom prst="rect">
+            <a:avLst/>
+          </a:prstGeom>
+          <a:noFill/>
+        </p:spPr>
+        <p:txBody>
+          <a:bodyPr wrap="square" rtlCol="0">
+            <a:spAutoFit/>
+          </a:bodyPr>
+          <a:lstStyle/>
+          <a:p>
+            <a:r>
+              <a:rPr lang="zh-CN" altLang="en-US" sz="1600" dirty="0">
+                <a:solidFill>
+                  <a:srgbClr val="FF0000"/>
+                </a:solidFill>
+                <a:latin typeface="华文细黑" panose="02010600040101010101" pitchFamily="2" charset="-122"/>
+                <a:ea typeface="华文细黑" panose="02010600040101010101" pitchFamily="2" charset="-122"/>
+              </a:rPr>
+              <a:t>最大运行任务数</a:t>
+            </a:r>
+          </a:p>
+        </p:txBody>
+      </p:sp>
+      <p:sp>
+        <p:nvSpPr>
+          <p:cNvPr id="15" name="文本框 14">
+            <a:extLst>
+              <a:ext uri="{FF2B5EF4-FFF2-40B4-BE49-F238E27FC236}">
+                <a16:creationId xmlns:a16="http://schemas.microsoft.com/office/drawing/2014/main" id="{8FEA9614-2D1F-48ED-9FA5-151DA9C88D4B}"/>
+              </a:ext>
+            </a:extLst>
+          </p:cNvPr>
+          <p:cNvSpPr txBox="1"/>
+          <p:nvPr/>
+        </p:nvSpPr>
+        <p:spPr>
+          <a:xfrm>
+            <a:off x="107504" y="5769272"/>
+            <a:ext cx="1224136" cy="338554"/>
+          </a:xfrm>
+          <a:prstGeom prst="rect">
+            <a:avLst/>
+          </a:prstGeom>
+          <a:noFill/>
+        </p:spPr>
+        <p:txBody>
+          <a:bodyPr wrap="square" rtlCol="0">
+            <a:spAutoFit/>
+          </a:bodyPr>
+          <a:lstStyle/>
+          <a:p>
+            <a:r>
+              <a:rPr lang="zh-CN" altLang="en-US" sz="1600" dirty="0">
+                <a:solidFill>
+                  <a:srgbClr val="FF0000"/>
+                </a:solidFill>
+                <a:latin typeface="华文细黑" panose="02010600040101010101" pitchFamily="2" charset="-122"/>
+                <a:ea typeface="华文细黑" panose="02010600040101010101" pitchFamily="2" charset="-122"/>
+              </a:rPr>
+              <a:t>优先级</a:t>
+            </a:r>
+          </a:p>
+        </p:txBody>
+      </p:sp>
+      <p:sp>
+        <p:nvSpPr>
+          <p:cNvPr id="6" name="灯片编号占位符 5">
+            <a:extLst>
+              <a:ext uri="{FF2B5EF4-FFF2-40B4-BE49-F238E27FC236}">
+                <a16:creationId xmlns:a16="http://schemas.microsoft.com/office/drawing/2014/main" id="{D05A9567-8EE5-4886-AA9E-D6EE023C9906}"/>
+              </a:ext>
+            </a:extLst>
+          </p:cNvPr>
+          <p:cNvSpPr>
+            <a:spLocks noGrp="1"/>
+          </p:cNvSpPr>
+          <p:nvPr>
+            <p:ph type="sldNum" sz="quarter" idx="12"/>
+          </p:nvPr>
+        </p:nvSpPr>
+        <p:spPr/>
+        <p:txBody>
+          <a:bodyPr/>
+          <a:lstStyle/>
+          <a:p>
+            <a:fld id="{6A5AA6DB-FE8F-44FC-AB8C-B3ACDBB5B927}" type="slidenum">
+              <a:rPr lang="zh-CN" altLang="en-US" smtClean="0"/>
+              <a:pPr/>
+              <a:t>11</a:t>
+            </a:fld>
+            <a:endParaRPr lang="zh-CN" altLang="en-US"/>
+          </a:p>
+        </p:txBody>
+      </p:sp>
     </p:spTree>
     <p:extLst>
       <p:ext uri="{BB962C8B-B14F-4D97-AF65-F5344CB8AC3E}">
-        <p14:creationId xmlns:p14="http://schemas.microsoft.com/office/powerpoint/2010/main" val="811054532"/>
+        <p14:creationId xmlns:p14="http://schemas.microsoft.com/office/powerpoint/2010/main" val="1144680012"/>
       </p:ext>
     </p:extLst>
   </p:cSld>
@@ -6712,7 +6375,7 @@
         <p:spPr>
           <a:xfrm>
             <a:off x="1826288" y="344811"/>
-            <a:ext cx="2031325" cy="830997"/>
+            <a:ext cx="2954655" cy="830997"/>
           </a:xfrm>
           <a:prstGeom prst="rect">
             <a:avLst/>
@@ -6732,7 +6395,7 @@
                 <a:latin typeface="微软雅黑" panose="020B0503020204020204" pitchFamily="34" charset="-122"/>
                 <a:ea typeface="微软雅黑" panose="020B0503020204020204" pitchFamily="34" charset="-122"/>
               </a:rPr>
-              <a:t>查看作业信息</a:t>
+              <a:t>查看队列，节点信息</a:t>
             </a:r>
           </a:p>
           <a:p>
@@ -6748,213 +6411,10 @@
       </p:sp>
       <p:sp>
         <p:nvSpPr>
-          <p:cNvPr id="11" name="内容占位符 2">
+          <p:cNvPr id="13" name="矩形 12">
             <a:extLst>
               <a:ext uri="{FF2B5EF4-FFF2-40B4-BE49-F238E27FC236}">
-                <a16:creationId xmlns:a16="http://schemas.microsoft.com/office/drawing/2014/main" id="{51AA7A39-4937-4A11-9A5D-19BC347E29BC}"/>
-              </a:ext>
-            </a:extLst>
-          </p:cNvPr>
-          <p:cNvSpPr txBox="1">
-            <a:spLocks/>
-          </p:cNvSpPr>
-          <p:nvPr/>
-        </p:nvSpPr>
-        <p:spPr>
-          <a:xfrm>
-            <a:off x="578728" y="1288909"/>
-            <a:ext cx="1273642" cy="642176"/>
-          </a:xfrm>
-          <a:prstGeom prst="rect">
-            <a:avLst/>
-          </a:prstGeom>
-        </p:spPr>
-        <p:txBody>
-          <a:bodyPr/>
-          <a:lstStyle>
-            <a:lvl1pPr marL="342900" indent="-342900" algn="l" defTabSz="914400" rtl="0" eaLnBrk="1" latinLnBrk="0" hangingPunct="1">
-              <a:spcBef>
-                <a:spcPct val="20000"/>
-              </a:spcBef>
-              <a:buFont typeface="Arial" pitchFamily="34" charset="0"/>
-              <a:buChar char="•"/>
-              <a:defRPr sz="3200" kern="1200">
-                <a:solidFill>
-                  <a:schemeClr val="tx1"/>
-                </a:solidFill>
-                <a:latin typeface="+mn-lt"/>
-                <a:ea typeface="+mn-ea"/>
-                <a:cs typeface="+mn-cs"/>
-              </a:defRPr>
-            </a:lvl1pPr>
-            <a:lvl2pPr marL="742950" indent="-285750" algn="l" defTabSz="914400" rtl="0" eaLnBrk="1" latinLnBrk="0" hangingPunct="1">
-              <a:spcBef>
-                <a:spcPct val="20000"/>
-              </a:spcBef>
-              <a:buFont typeface="Arial" pitchFamily="34" charset="0"/>
-              <a:buChar char="–"/>
-              <a:defRPr sz="2800" kern="1200">
-                <a:solidFill>
-                  <a:schemeClr val="tx1"/>
-                </a:solidFill>
-                <a:latin typeface="+mn-lt"/>
-                <a:ea typeface="+mn-ea"/>
-                <a:cs typeface="+mn-cs"/>
-              </a:defRPr>
-            </a:lvl2pPr>
-            <a:lvl3pPr marL="1143000" indent="-228600" algn="l" defTabSz="914400" rtl="0" eaLnBrk="1" latinLnBrk="0" hangingPunct="1">
-              <a:spcBef>
-                <a:spcPct val="20000"/>
-              </a:spcBef>
-              <a:buFont typeface="Arial" pitchFamily="34" charset="0"/>
-              <a:buChar char="•"/>
-              <a:defRPr sz="2400" kern="1200">
-                <a:solidFill>
-                  <a:schemeClr val="tx1"/>
-                </a:solidFill>
-                <a:latin typeface="+mn-lt"/>
-                <a:ea typeface="+mn-ea"/>
-                <a:cs typeface="+mn-cs"/>
-              </a:defRPr>
-            </a:lvl3pPr>
-            <a:lvl4pPr marL="1600200" indent="-228600" algn="l" defTabSz="914400" rtl="0" eaLnBrk="1" latinLnBrk="0" hangingPunct="1">
-              <a:spcBef>
-                <a:spcPct val="20000"/>
-              </a:spcBef>
-              <a:buFont typeface="Arial" pitchFamily="34" charset="0"/>
-              <a:buChar char="–"/>
-              <a:defRPr sz="2000" kern="1200">
-                <a:solidFill>
-                  <a:schemeClr val="tx1"/>
-                </a:solidFill>
-                <a:latin typeface="+mn-lt"/>
-                <a:ea typeface="+mn-ea"/>
-                <a:cs typeface="+mn-cs"/>
-              </a:defRPr>
-            </a:lvl4pPr>
-            <a:lvl5pPr marL="2057400" indent="-228600" algn="l" defTabSz="914400" rtl="0" eaLnBrk="1" latinLnBrk="0" hangingPunct="1">
-              <a:spcBef>
-                <a:spcPct val="20000"/>
-              </a:spcBef>
-              <a:buFont typeface="Arial" pitchFamily="34" charset="0"/>
-              <a:buChar char="»"/>
-              <a:defRPr sz="2000" kern="1200">
-                <a:solidFill>
-                  <a:schemeClr val="tx1"/>
-                </a:solidFill>
-                <a:latin typeface="+mn-lt"/>
-                <a:ea typeface="+mn-ea"/>
-                <a:cs typeface="+mn-cs"/>
-              </a:defRPr>
-            </a:lvl5pPr>
-            <a:lvl6pPr marL="2514600" indent="-228600" algn="l" defTabSz="914400" rtl="0" eaLnBrk="1" latinLnBrk="0" hangingPunct="1">
-              <a:spcBef>
-                <a:spcPct val="20000"/>
-              </a:spcBef>
-              <a:buFont typeface="Arial" pitchFamily="34" charset="0"/>
-              <a:buChar char="•"/>
-              <a:defRPr sz="2000" kern="1200">
-                <a:solidFill>
-                  <a:schemeClr val="tx1"/>
-                </a:solidFill>
-                <a:latin typeface="+mn-lt"/>
-                <a:ea typeface="+mn-ea"/>
-                <a:cs typeface="+mn-cs"/>
-              </a:defRPr>
-            </a:lvl6pPr>
-            <a:lvl7pPr marL="2971800" indent="-228600" algn="l" defTabSz="914400" rtl="0" eaLnBrk="1" latinLnBrk="0" hangingPunct="1">
-              <a:spcBef>
-                <a:spcPct val="20000"/>
-              </a:spcBef>
-              <a:buFont typeface="Arial" pitchFamily="34" charset="0"/>
-              <a:buChar char="•"/>
-              <a:defRPr sz="2000" kern="1200">
-                <a:solidFill>
-                  <a:schemeClr val="tx1"/>
-                </a:solidFill>
-                <a:latin typeface="+mn-lt"/>
-                <a:ea typeface="+mn-ea"/>
-                <a:cs typeface="+mn-cs"/>
-              </a:defRPr>
-            </a:lvl7pPr>
-            <a:lvl8pPr marL="3429000" indent="-228600" algn="l" defTabSz="914400" rtl="0" eaLnBrk="1" latinLnBrk="0" hangingPunct="1">
-              <a:spcBef>
-                <a:spcPct val="20000"/>
-              </a:spcBef>
-              <a:buFont typeface="Arial" pitchFamily="34" charset="0"/>
-              <a:buChar char="•"/>
-              <a:defRPr sz="2000" kern="1200">
-                <a:solidFill>
-                  <a:schemeClr val="tx1"/>
-                </a:solidFill>
-                <a:latin typeface="+mn-lt"/>
-                <a:ea typeface="+mn-ea"/>
-                <a:cs typeface="+mn-cs"/>
-              </a:defRPr>
-            </a:lvl8pPr>
-            <a:lvl9pPr marL="3886200" indent="-228600" algn="l" defTabSz="914400" rtl="0" eaLnBrk="1" latinLnBrk="0" hangingPunct="1">
-              <a:spcBef>
-                <a:spcPct val="20000"/>
-              </a:spcBef>
-              <a:buFont typeface="Arial" pitchFamily="34" charset="0"/>
-              <a:buChar char="•"/>
-              <a:defRPr sz="2000" kern="1200">
-                <a:solidFill>
-                  <a:schemeClr val="tx1"/>
-                </a:solidFill>
-                <a:latin typeface="+mn-lt"/>
-                <a:ea typeface="+mn-ea"/>
-                <a:cs typeface="+mn-cs"/>
-              </a:defRPr>
-            </a:lvl9pPr>
-          </a:lstStyle>
-          <a:p>
-            <a:pPr marL="0" indent="0">
-              <a:buNone/>
-            </a:pPr>
-            <a:endParaRPr lang="zh-CN" altLang="en-US" sz="2400" b="1" dirty="0">
-              <a:latin typeface="微软雅黑" panose="020B0503020204020204" pitchFamily="34" charset="-122"/>
-              <a:ea typeface="微软雅黑" panose="020B0503020204020204" pitchFamily="34" charset="-122"/>
-            </a:endParaRPr>
-          </a:p>
-        </p:txBody>
-      </p:sp>
-      <p:sp>
-        <p:nvSpPr>
-          <p:cNvPr id="3" name="灯片编号占位符 2">
-            <a:extLst>
-              <a:ext uri="{FF2B5EF4-FFF2-40B4-BE49-F238E27FC236}">
-                <a16:creationId xmlns:a16="http://schemas.microsoft.com/office/drawing/2014/main" id="{EFF62842-4BEC-463D-B518-7616E9CA91A8}"/>
-              </a:ext>
-            </a:extLst>
-          </p:cNvPr>
-          <p:cNvSpPr>
-            <a:spLocks noGrp="1"/>
-          </p:cNvSpPr>
-          <p:nvPr>
-            <p:ph type="sldNum" sz="quarter" idx="12"/>
-          </p:nvPr>
-        </p:nvSpPr>
-        <p:spPr/>
-        <p:txBody>
-          <a:bodyPr/>
-          <a:lstStyle/>
-          <a:p>
-            <a:fld id="{6A5AA6DB-FE8F-44FC-AB8C-B3ACDBB5B927}" type="slidenum">
-              <a:rPr lang="zh-CN" altLang="en-US" smtClean="0"/>
-              <a:pPr/>
-              <a:t>12</a:t>
-            </a:fld>
-            <a:endParaRPr lang="zh-CN" altLang="en-US"/>
-          </a:p>
-        </p:txBody>
-      </p:sp>
-      <p:sp>
-        <p:nvSpPr>
-          <p:cNvPr id="2" name="矩形 1">
-            <a:extLst>
-              <a:ext uri="{FF2B5EF4-FFF2-40B4-BE49-F238E27FC236}">
-                <a16:creationId xmlns:a16="http://schemas.microsoft.com/office/drawing/2014/main" id="{370C4EBA-200B-4F4F-8797-7FC7587E8398}"/>
+                <a16:creationId xmlns:a16="http://schemas.microsoft.com/office/drawing/2014/main" id="{1B53A0E7-49C9-487F-BC4F-9049EFB0BF75}"/>
               </a:ext>
             </a:extLst>
           </p:cNvPr>
@@ -6963,8 +6423,8 @@
         </p:nvSpPr>
         <p:spPr>
           <a:xfrm>
-            <a:off x="651622" y="1179819"/>
-            <a:ext cx="6968378" cy="400110"/>
+            <a:off x="555950" y="948277"/>
+            <a:ext cx="7040386" cy="1292662"/>
           </a:xfrm>
           <a:prstGeom prst="rect">
             <a:avLst/>
@@ -6981,96 +6441,81 @@
                 <a:latin typeface="华文细黑" panose="02010600040101010101" pitchFamily="2" charset="-122"/>
                 <a:ea typeface="华文细黑" panose="02010600040101010101" pitchFamily="2" charset="-122"/>
               </a:rPr>
-              <a:t>小技巧</a:t>
+              <a:t>查看详细节点信息</a:t>
             </a:r>
             <a:endParaRPr lang="en-US" altLang="zh-CN" sz="2000" b="1" dirty="0">
               <a:latin typeface="华文细黑" panose="02010600040101010101" pitchFamily="2" charset="-122"/>
               <a:ea typeface="华文细黑" panose="02010600040101010101" pitchFamily="2" charset="-122"/>
             </a:endParaRPr>
           </a:p>
-        </p:txBody>
-      </p:sp>
-      <p:sp>
-        <p:nvSpPr>
-          <p:cNvPr id="12" name="矩形 11">
-            <a:extLst>
-              <a:ext uri="{FF2B5EF4-FFF2-40B4-BE49-F238E27FC236}">
-                <a16:creationId xmlns:a16="http://schemas.microsoft.com/office/drawing/2014/main" id="{A190F483-21BD-4680-89E8-063C8C8F0F3E}"/>
-              </a:ext>
-            </a:extLst>
-          </p:cNvPr>
-          <p:cNvSpPr/>
-          <p:nvPr/>
-        </p:nvSpPr>
-        <p:spPr>
-          <a:xfrm>
-            <a:off x="651622" y="1680832"/>
-            <a:ext cx="6656682" cy="707886"/>
-          </a:xfrm>
-          <a:prstGeom prst="rect">
-            <a:avLst/>
-          </a:prstGeom>
-        </p:spPr>
-        <p:txBody>
-          <a:bodyPr wrap="square">
-            <a:spAutoFit/>
-          </a:bodyPr>
-          <a:lstStyle/>
-          <a:p>
-            <a:pPr marL="342900" indent="-342900">
+          <a:p>
+            <a:r>
+              <a:rPr lang="zh-CN" altLang="en-US" sz="2000" dirty="0">
+                <a:latin typeface="华文细黑" panose="02010600040101010101" pitchFamily="2" charset="-122"/>
+                <a:ea typeface="华文细黑" panose="02010600040101010101" pitchFamily="2" charset="-122"/>
+              </a:rPr>
+              <a:t>命令 </a:t>
+            </a:r>
+            <a:r>
+              <a:rPr lang="en-US" altLang="zh-CN" sz="2000" b="1" dirty="0" err="1">
+                <a:solidFill>
+                  <a:srgbClr val="FF0000"/>
+                </a:solidFill>
+                <a:latin typeface="华文细黑" panose="02010600040101010101" pitchFamily="2" charset="-122"/>
+                <a:ea typeface="华文细黑" panose="02010600040101010101" pitchFamily="2" charset="-122"/>
+              </a:rPr>
+              <a:t>scontrol</a:t>
+            </a:r>
+            <a:r>
+              <a:rPr lang="en-US" altLang="zh-CN" sz="2000" b="1" dirty="0">
+                <a:solidFill>
+                  <a:srgbClr val="FF0000"/>
+                </a:solidFill>
+                <a:latin typeface="华文细黑" panose="02010600040101010101" pitchFamily="2" charset="-122"/>
+                <a:ea typeface="华文细黑" panose="02010600040101010101" pitchFamily="2" charset="-122"/>
+              </a:rPr>
+              <a:t> show node</a:t>
+            </a:r>
+          </a:p>
+          <a:p>
+            <a:endParaRPr lang="en-US" altLang="zh-CN" sz="2000" b="1" dirty="0">
+              <a:solidFill>
+                <a:srgbClr val="FF0000"/>
+              </a:solidFill>
+              <a:latin typeface="华文细黑" panose="02010600040101010101" pitchFamily="2" charset="-122"/>
+              <a:ea typeface="华文细黑" panose="02010600040101010101" pitchFamily="2" charset="-122"/>
+            </a:endParaRPr>
+          </a:p>
+          <a:p>
+            <a:pPr marL="285750" indent="-285750">
               <a:buFont typeface="Arial" panose="020B0604020202020204" pitchFamily="34" charset="0"/>
               <a:buChar char="•"/>
             </a:pPr>
             <a:r>
-              <a:rPr lang="zh-CN" altLang="en-US" sz="2000" dirty="0">
+              <a:rPr lang="en-US" altLang="zh-CN" dirty="0" err="1">
                 <a:latin typeface="华文细黑" panose="02010600040101010101" pitchFamily="2" charset="-122"/>
                 <a:ea typeface="华文细黑" panose="02010600040101010101" pitchFamily="2" charset="-122"/>
               </a:rPr>
-              <a:t>将以下命令写入 </a:t>
-            </a:r>
-            <a:r>
-              <a:rPr lang="en-US" altLang="zh-CN" sz="2000" dirty="0">
+              <a:t>scontrol</a:t>
+            </a:r>
+            <a:r>
+              <a:rPr lang="en-US" altLang="zh-CN" dirty="0">
                 <a:latin typeface="华文细黑" panose="02010600040101010101" pitchFamily="2" charset="-122"/>
                 <a:ea typeface="华文细黑" panose="02010600040101010101" pitchFamily="2" charset="-122"/>
               </a:rPr>
-              <a:t>.</a:t>
-            </a:r>
-            <a:r>
-              <a:rPr lang="en-US" altLang="zh-CN" sz="2000" dirty="0" err="1">
+              <a:t> show node NODENAME</a:t>
+            </a:r>
+            <a:r>
+              <a:rPr lang="zh-CN" altLang="en-US" dirty="0">
                 <a:latin typeface="华文细黑" panose="02010600040101010101" pitchFamily="2" charset="-122"/>
                 <a:ea typeface="华文细黑" panose="02010600040101010101" pitchFamily="2" charset="-122"/>
               </a:rPr>
-              <a:t>bashrc</a:t>
-            </a:r>
-            <a:r>
-              <a:rPr lang="zh-CN" altLang="en-US" sz="2000" dirty="0">
-                <a:latin typeface="华文细黑" panose="02010600040101010101" pitchFamily="2" charset="-122"/>
-                <a:ea typeface="华文细黑" panose="02010600040101010101" pitchFamily="2" charset="-122"/>
-              </a:rPr>
-              <a:t>文件，然后 </a:t>
-            </a:r>
-            <a:r>
-              <a:rPr lang="en-US" altLang="zh-CN" sz="2000" dirty="0">
-                <a:latin typeface="华文细黑" panose="02010600040101010101" pitchFamily="2" charset="-122"/>
-                <a:ea typeface="华文细黑" panose="02010600040101010101" pitchFamily="2" charset="-122"/>
-              </a:rPr>
-              <a:t>source .</a:t>
-            </a:r>
-            <a:r>
-              <a:rPr lang="en-US" altLang="zh-CN" sz="2000" dirty="0" err="1">
-                <a:latin typeface="华文细黑" panose="02010600040101010101" pitchFamily="2" charset="-122"/>
-                <a:ea typeface="华文细黑" panose="02010600040101010101" pitchFamily="2" charset="-122"/>
-              </a:rPr>
-              <a:t>bashrc</a:t>
-            </a:r>
-            <a:r>
-              <a:rPr lang="zh-CN" altLang="en-US" sz="2000" dirty="0">
-                <a:latin typeface="华文细黑" panose="02010600040101010101" pitchFamily="2" charset="-122"/>
-                <a:ea typeface="华文细黑" panose="02010600040101010101" pitchFamily="2" charset="-122"/>
-              </a:rPr>
-              <a:t>可使命令简化，其他类似。</a:t>
-            </a:r>
-            <a:endParaRPr lang="en-US" altLang="zh-CN" sz="2000" dirty="0">
+              <a:t>显示指定节点信息</a:t>
+            </a:r>
+            <a:endParaRPr lang="en-US" altLang="zh-CN" b="1" dirty="0">
+              <a:solidFill>
+                <a:srgbClr val="FF0000"/>
+              </a:solidFill>
               <a:latin typeface="华文细黑" panose="02010600040101010101" pitchFamily="2" charset="-122"/>
               <a:ea typeface="华文细黑" panose="02010600040101010101" pitchFamily="2" charset="-122"/>
             </a:endParaRPr>
@@ -7079,10 +6524,10 @@
       </p:sp>
       <p:pic>
         <p:nvPicPr>
-          <p:cNvPr id="4" name="图片 3">
+          <p:cNvPr id="3" name="图片 2">
             <a:extLst>
               <a:ext uri="{FF2B5EF4-FFF2-40B4-BE49-F238E27FC236}">
-                <a16:creationId xmlns:a16="http://schemas.microsoft.com/office/drawing/2014/main" id="{9CA2EB3E-27FF-441C-871F-D8F5C871BDD2}"/>
+                <a16:creationId xmlns:a16="http://schemas.microsoft.com/office/drawing/2014/main" id="{9D8A6CCE-03B6-4A8E-A3DA-1A64D03A73C6}"/>
               </a:ext>
             </a:extLst>
           </p:cNvPr>
@@ -7099,65 +6544,204 @@
         </p:blipFill>
         <p:spPr>
           <a:xfrm>
-            <a:off x="1215549" y="2638828"/>
-            <a:ext cx="5337651" cy="1093780"/>
+            <a:off x="0" y="2368887"/>
+            <a:ext cx="6048375" cy="2943225"/>
           </a:xfrm>
           <a:prstGeom prst="rect">
             <a:avLst/>
           </a:prstGeom>
+          <a:effectLst>
+            <a:glow rad="139700">
+              <a:schemeClr val="accent2">
+                <a:satMod val="175000"/>
+                <a:alpha val="40000"/>
+              </a:schemeClr>
+            </a:glow>
+          </a:effectLst>
         </p:spPr>
       </p:pic>
       <p:sp>
         <p:nvSpPr>
-          <p:cNvPr id="13" name="矩形 12">
+          <p:cNvPr id="4" name="文本框 3">
             <a:extLst>
               <a:ext uri="{FF2B5EF4-FFF2-40B4-BE49-F238E27FC236}">
-                <a16:creationId xmlns:a16="http://schemas.microsoft.com/office/drawing/2014/main" id="{2DFB229D-26E1-4802-9715-6A4E94124D0B}"/>
+                <a16:creationId xmlns:a16="http://schemas.microsoft.com/office/drawing/2014/main" id="{F80DC29E-481E-4CD0-AA3F-609CC6204A76}"/>
               </a:ext>
             </a:extLst>
           </p:cNvPr>
-          <p:cNvSpPr/>
+          <p:cNvSpPr txBox="1"/>
           <p:nvPr/>
         </p:nvSpPr>
         <p:spPr>
           <a:xfrm>
-            <a:off x="683568" y="4200884"/>
-            <a:ext cx="6656682" cy="400110"/>
+            <a:off x="1115870" y="2655250"/>
+            <a:ext cx="864096" cy="369332"/>
           </a:xfrm>
           <a:prstGeom prst="rect">
             <a:avLst/>
           </a:prstGeom>
+          <a:noFill/>
+          <a:ln w="19050">
+            <a:solidFill>
+              <a:srgbClr val="FF0000"/>
+            </a:solidFill>
+          </a:ln>
         </p:spPr>
         <p:txBody>
-          <a:bodyPr wrap="square">
+          <a:bodyPr wrap="square" rtlCol="0">
             <a:spAutoFit/>
           </a:bodyPr>
           <a:lstStyle/>
           <a:p>
-            <a:pPr marL="342900" indent="-342900">
-              <a:buFont typeface="Arial" panose="020B0604020202020204" pitchFamily="34" charset="0"/>
-              <a:buChar char="•"/>
-            </a:pPr>
-            <a:r>
-              <a:rPr lang="zh-CN" altLang="en-US" sz="2000" dirty="0">
+            <a:endParaRPr lang="zh-CN" altLang="en-US" dirty="0"/>
+          </a:p>
+        </p:txBody>
+      </p:sp>
+      <p:sp>
+        <p:nvSpPr>
+          <p:cNvPr id="18" name="文本框 17">
+            <a:extLst>
+              <a:ext uri="{FF2B5EF4-FFF2-40B4-BE49-F238E27FC236}">
+                <a16:creationId xmlns:a16="http://schemas.microsoft.com/office/drawing/2014/main" id="{747F784B-3153-4C88-8B77-5BEB35D8478F}"/>
+              </a:ext>
+            </a:extLst>
+          </p:cNvPr>
+          <p:cNvSpPr txBox="1"/>
+          <p:nvPr/>
+        </p:nvSpPr>
+        <p:spPr>
+          <a:xfrm>
+            <a:off x="1556093" y="4354654"/>
+            <a:ext cx="993117" cy="369332"/>
+          </a:xfrm>
+          <a:prstGeom prst="rect">
+            <a:avLst/>
+          </a:prstGeom>
+          <a:noFill/>
+          <a:ln w="19050">
+            <a:solidFill>
+              <a:srgbClr val="FF0000"/>
+            </a:solidFill>
+          </a:ln>
+        </p:spPr>
+        <p:txBody>
+          <a:bodyPr wrap="square" rtlCol="0">
+            <a:spAutoFit/>
+          </a:bodyPr>
+          <a:lstStyle/>
+          <a:p>
+            <a:endParaRPr lang="zh-CN" altLang="en-US" dirty="0"/>
+          </a:p>
+        </p:txBody>
+      </p:sp>
+      <p:sp>
+        <p:nvSpPr>
+          <p:cNvPr id="20" name="文本框 19">
+            <a:extLst>
+              <a:ext uri="{FF2B5EF4-FFF2-40B4-BE49-F238E27FC236}">
+                <a16:creationId xmlns:a16="http://schemas.microsoft.com/office/drawing/2014/main" id="{31466DA7-053F-4208-A613-2E7A37505E6D}"/>
+              </a:ext>
+            </a:extLst>
+          </p:cNvPr>
+          <p:cNvSpPr txBox="1"/>
+          <p:nvPr/>
+        </p:nvSpPr>
+        <p:spPr>
+          <a:xfrm>
+            <a:off x="2929376" y="2700457"/>
+            <a:ext cx="864096" cy="338554"/>
+          </a:xfrm>
+          <a:prstGeom prst="rect">
+            <a:avLst/>
+          </a:prstGeom>
+          <a:noFill/>
+        </p:spPr>
+        <p:txBody>
+          <a:bodyPr wrap="square" rtlCol="0">
+            <a:spAutoFit/>
+          </a:bodyPr>
+          <a:lstStyle/>
+          <a:p>
+            <a:r>
+              <a:rPr lang="en-US" altLang="zh-CN" sz="1600" dirty="0">
+                <a:solidFill>
+                  <a:srgbClr val="FF0000"/>
+                </a:solidFill>
                 <a:latin typeface="华文细黑" panose="02010600040101010101" pitchFamily="2" charset="-122"/>
                 <a:ea typeface="华文细黑" panose="02010600040101010101" pitchFamily="2" charset="-122"/>
               </a:rPr>
-              <a:t>效果</a:t>
-            </a:r>
-            <a:endParaRPr lang="en-US" altLang="zh-CN" sz="2000" dirty="0">
-              <a:latin typeface="华文细黑" panose="02010600040101010101" pitchFamily="2" charset="-122"/>
-              <a:ea typeface="华文细黑" panose="02010600040101010101" pitchFamily="2" charset="-122"/>
-            </a:endParaRPr>
+              <a:t>36</a:t>
+            </a:r>
+            <a:r>
+              <a:rPr lang="zh-CN" altLang="en-US" sz="1600" dirty="0">
+                <a:solidFill>
+                  <a:srgbClr val="FF0000"/>
+                </a:solidFill>
+                <a:latin typeface="华文细黑" panose="02010600040101010101" pitchFamily="2" charset="-122"/>
+                <a:ea typeface="华文细黑" panose="02010600040101010101" pitchFamily="2" charset="-122"/>
+              </a:rPr>
+              <a:t>个核</a:t>
+            </a:r>
+          </a:p>
+        </p:txBody>
+      </p:sp>
+      <p:sp>
+        <p:nvSpPr>
+          <p:cNvPr id="21" name="文本框 20">
+            <a:extLst>
+              <a:ext uri="{FF2B5EF4-FFF2-40B4-BE49-F238E27FC236}">
+                <a16:creationId xmlns:a16="http://schemas.microsoft.com/office/drawing/2014/main" id="{73AFBF19-31C0-4B14-A3D0-BED31CCA6472}"/>
+              </a:ext>
+            </a:extLst>
+          </p:cNvPr>
+          <p:cNvSpPr txBox="1"/>
+          <p:nvPr/>
+        </p:nvSpPr>
+        <p:spPr>
+          <a:xfrm>
+            <a:off x="2749356" y="4539320"/>
+            <a:ext cx="1224136" cy="338554"/>
+          </a:xfrm>
+          <a:prstGeom prst="rect">
+            <a:avLst/>
+          </a:prstGeom>
+          <a:noFill/>
+        </p:spPr>
+        <p:txBody>
+          <a:bodyPr wrap="square" rtlCol="0">
+            <a:spAutoFit/>
+          </a:bodyPr>
+          <a:lstStyle/>
+          <a:p>
+            <a:r>
+              <a:rPr lang="en-US" altLang="zh-CN" sz="1600" dirty="0">
+                <a:solidFill>
+                  <a:srgbClr val="FF0000"/>
+                </a:solidFill>
+                <a:latin typeface="华文细黑" panose="02010600040101010101" pitchFamily="2" charset="-122"/>
+                <a:ea typeface="华文细黑" panose="02010600040101010101" pitchFamily="2" charset="-122"/>
+              </a:rPr>
+              <a:t>192G </a:t>
+            </a:r>
+            <a:r>
+              <a:rPr lang="zh-CN" altLang="en-US" sz="1600" dirty="0">
+                <a:solidFill>
+                  <a:srgbClr val="FF0000"/>
+                </a:solidFill>
+                <a:latin typeface="华文细黑" panose="02010600040101010101" pitchFamily="2" charset="-122"/>
+                <a:ea typeface="华文细黑" panose="02010600040101010101" pitchFamily="2" charset="-122"/>
+              </a:rPr>
+              <a:t>内存</a:t>
+            </a:r>
           </a:p>
         </p:txBody>
       </p:sp>
       <p:pic>
         <p:nvPicPr>
-          <p:cNvPr id="5" name="图片 4">
+          <p:cNvPr id="6" name="图片 5">
             <a:extLst>
               <a:ext uri="{FF2B5EF4-FFF2-40B4-BE49-F238E27FC236}">
-                <a16:creationId xmlns:a16="http://schemas.microsoft.com/office/drawing/2014/main" id="{15044345-FA47-423F-AFAB-CB03AA9F9F8D}"/>
+                <a16:creationId xmlns:a16="http://schemas.microsoft.com/office/drawing/2014/main" id="{4F741D5C-AC8B-4F9B-9A80-A90FDF6E8C07}"/>
               </a:ext>
             </a:extLst>
           </p:cNvPr>
@@ -7168,23 +6752,444 @@
         </p:nvPicPr>
         <p:blipFill rotWithShape="1">
           <a:blip r:embed="rId4"/>
-          <a:srcRect t="5606"/>
+          <a:srcRect r="16476"/>
           <a:stretch/>
         </p:blipFill>
         <p:spPr>
           <a:xfrm>
-            <a:off x="0" y="4926915"/>
-            <a:ext cx="9144000" cy="762897"/>
+            <a:off x="4211495" y="2859229"/>
+            <a:ext cx="4932505" cy="2990850"/>
+          </a:xfrm>
+          <a:prstGeom prst="rect">
+            <a:avLst/>
+          </a:prstGeom>
+          <a:ln>
+            <a:noFill/>
+          </a:ln>
+          <a:effectLst>
+            <a:glow rad="177800">
+              <a:srgbClr val="0070C0">
+                <a:alpha val="40000"/>
+              </a:srgbClr>
+            </a:glow>
+          </a:effectLst>
+        </p:spPr>
+      </p:pic>
+      <p:sp>
+        <p:nvSpPr>
+          <p:cNvPr id="22" name="文本框 21">
+            <a:extLst>
+              <a:ext uri="{FF2B5EF4-FFF2-40B4-BE49-F238E27FC236}">
+                <a16:creationId xmlns:a16="http://schemas.microsoft.com/office/drawing/2014/main" id="{8565CD5D-9E85-44B0-9362-3B18D27A7447}"/>
+              </a:ext>
+            </a:extLst>
+          </p:cNvPr>
+          <p:cNvSpPr txBox="1"/>
+          <p:nvPr/>
+        </p:nvSpPr>
+        <p:spPr>
+          <a:xfrm>
+            <a:off x="7194692" y="3090446"/>
+            <a:ext cx="1224136" cy="338554"/>
+          </a:xfrm>
+          <a:prstGeom prst="rect">
+            <a:avLst/>
+          </a:prstGeom>
+          <a:noFill/>
+        </p:spPr>
+        <p:txBody>
+          <a:bodyPr wrap="square" rtlCol="0">
+            <a:spAutoFit/>
+          </a:bodyPr>
+          <a:lstStyle/>
+          <a:p>
+            <a:r>
+              <a:rPr lang="en-US" altLang="zh-CN" sz="1600" dirty="0">
+                <a:solidFill>
+                  <a:srgbClr val="FF0000"/>
+                </a:solidFill>
+                <a:latin typeface="华文细黑" panose="02010600040101010101" pitchFamily="2" charset="-122"/>
+                <a:ea typeface="华文细黑" panose="02010600040101010101" pitchFamily="2" charset="-122"/>
+              </a:rPr>
+              <a:t>72</a:t>
+            </a:r>
+            <a:r>
+              <a:rPr lang="zh-CN" altLang="en-US" sz="1600" dirty="0">
+                <a:solidFill>
+                  <a:srgbClr val="FF0000"/>
+                </a:solidFill>
+                <a:latin typeface="华文细黑" panose="02010600040101010101" pitchFamily="2" charset="-122"/>
+                <a:ea typeface="华文细黑" panose="02010600040101010101" pitchFamily="2" charset="-122"/>
+              </a:rPr>
+              <a:t>个核</a:t>
+            </a:r>
+          </a:p>
+        </p:txBody>
+      </p:sp>
+      <p:sp>
+        <p:nvSpPr>
+          <p:cNvPr id="23" name="文本框 22">
+            <a:extLst>
+              <a:ext uri="{FF2B5EF4-FFF2-40B4-BE49-F238E27FC236}">
+                <a16:creationId xmlns:a16="http://schemas.microsoft.com/office/drawing/2014/main" id="{74BF9799-272D-41C7-9757-87CFE4558559}"/>
+              </a:ext>
+            </a:extLst>
+          </p:cNvPr>
+          <p:cNvSpPr txBox="1"/>
+          <p:nvPr/>
+        </p:nvSpPr>
+        <p:spPr>
+          <a:xfrm>
+            <a:off x="7473079" y="4780453"/>
+            <a:ext cx="1224136" cy="338554"/>
+          </a:xfrm>
+          <a:prstGeom prst="rect">
+            <a:avLst/>
+          </a:prstGeom>
+          <a:noFill/>
+        </p:spPr>
+        <p:txBody>
+          <a:bodyPr wrap="square" rtlCol="0">
+            <a:spAutoFit/>
+          </a:bodyPr>
+          <a:lstStyle/>
+          <a:p>
+            <a:r>
+              <a:rPr lang="en-US" altLang="zh-CN" sz="1600" dirty="0">
+                <a:solidFill>
+                  <a:srgbClr val="FF0000"/>
+                </a:solidFill>
+                <a:latin typeface="华文细黑" panose="02010600040101010101" pitchFamily="2" charset="-122"/>
+                <a:ea typeface="华文细黑" panose="02010600040101010101" pitchFamily="2" charset="-122"/>
+              </a:rPr>
+              <a:t>1T</a:t>
+            </a:r>
+            <a:r>
+              <a:rPr lang="zh-CN" altLang="en-US" sz="1600" dirty="0">
+                <a:solidFill>
+                  <a:srgbClr val="FF0000"/>
+                </a:solidFill>
+                <a:latin typeface="华文细黑" panose="02010600040101010101" pitchFamily="2" charset="-122"/>
+                <a:ea typeface="华文细黑" panose="02010600040101010101" pitchFamily="2" charset="-122"/>
+              </a:rPr>
+              <a:t>内存</a:t>
+            </a:r>
+          </a:p>
+        </p:txBody>
+      </p:sp>
+      <p:sp>
+        <p:nvSpPr>
+          <p:cNvPr id="24" name="文本框 23">
+            <a:extLst>
+              <a:ext uri="{FF2B5EF4-FFF2-40B4-BE49-F238E27FC236}">
+                <a16:creationId xmlns:a16="http://schemas.microsoft.com/office/drawing/2014/main" id="{0A880BEC-6450-4BB5-A510-AB2254D30A9C}"/>
+              </a:ext>
+            </a:extLst>
+          </p:cNvPr>
+          <p:cNvSpPr txBox="1"/>
+          <p:nvPr/>
+        </p:nvSpPr>
+        <p:spPr>
+          <a:xfrm>
+            <a:off x="5325389" y="3084147"/>
+            <a:ext cx="864096" cy="369332"/>
+          </a:xfrm>
+          <a:prstGeom prst="rect">
+            <a:avLst/>
+          </a:prstGeom>
+          <a:noFill/>
+          <a:ln w="19050">
+            <a:solidFill>
+              <a:srgbClr val="FF0000"/>
+            </a:solidFill>
+          </a:ln>
+        </p:spPr>
+        <p:txBody>
+          <a:bodyPr wrap="square" rtlCol="0">
+            <a:spAutoFit/>
+          </a:bodyPr>
+          <a:lstStyle/>
+          <a:p>
+            <a:endParaRPr lang="zh-CN" altLang="en-US" dirty="0"/>
+          </a:p>
+        </p:txBody>
+      </p:sp>
+      <p:sp>
+        <p:nvSpPr>
+          <p:cNvPr id="25" name="文本框 24">
+            <a:extLst>
+              <a:ext uri="{FF2B5EF4-FFF2-40B4-BE49-F238E27FC236}">
+                <a16:creationId xmlns:a16="http://schemas.microsoft.com/office/drawing/2014/main" id="{C5C3F802-03E1-428E-8098-3F3CDFE9294A}"/>
+              </a:ext>
+            </a:extLst>
+          </p:cNvPr>
+          <p:cNvSpPr txBox="1"/>
+          <p:nvPr/>
+        </p:nvSpPr>
+        <p:spPr>
+          <a:xfrm>
+            <a:off x="5813651" y="4780453"/>
+            <a:ext cx="864096" cy="369332"/>
+          </a:xfrm>
+          <a:prstGeom prst="rect">
+            <a:avLst/>
+          </a:prstGeom>
+          <a:noFill/>
+          <a:ln w="19050">
+            <a:solidFill>
+              <a:srgbClr val="FF0000"/>
+            </a:solidFill>
+          </a:ln>
+        </p:spPr>
+        <p:txBody>
+          <a:bodyPr wrap="square" rtlCol="0">
+            <a:spAutoFit/>
+          </a:bodyPr>
+          <a:lstStyle/>
+          <a:p>
+            <a:endParaRPr lang="zh-CN" altLang="en-US" dirty="0"/>
+          </a:p>
+        </p:txBody>
+      </p:sp>
+      <p:sp>
+        <p:nvSpPr>
+          <p:cNvPr id="27" name="内容占位符 2">
+            <a:extLst>
+              <a:ext uri="{FF2B5EF4-FFF2-40B4-BE49-F238E27FC236}">
+                <a16:creationId xmlns:a16="http://schemas.microsoft.com/office/drawing/2014/main" id="{F33EDE7F-9396-4750-B8E9-2074E36BBE21}"/>
+              </a:ext>
+            </a:extLst>
+          </p:cNvPr>
+          <p:cNvSpPr txBox="1">
+            <a:spLocks/>
+          </p:cNvSpPr>
+          <p:nvPr/>
+        </p:nvSpPr>
+        <p:spPr>
+          <a:xfrm>
+            <a:off x="539552" y="6104845"/>
+            <a:ext cx="8064895" cy="727048"/>
           </a:xfrm>
           <a:prstGeom prst="rect">
             <a:avLst/>
           </a:prstGeom>
         </p:spPr>
-      </p:pic>
+        <p:txBody>
+          <a:bodyPr/>
+          <a:lstStyle>
+            <a:lvl1pPr marL="342900" indent="-342900" algn="l" defTabSz="914400" rtl="0" eaLnBrk="1" latinLnBrk="0" hangingPunct="1">
+              <a:spcBef>
+                <a:spcPct val="20000"/>
+              </a:spcBef>
+              <a:buFont typeface="Arial" pitchFamily="34" charset="0"/>
+              <a:buChar char="•"/>
+              <a:defRPr sz="3200" kern="1200">
+                <a:solidFill>
+                  <a:schemeClr val="tx1"/>
+                </a:solidFill>
+                <a:latin typeface="+mn-lt"/>
+                <a:ea typeface="+mn-ea"/>
+                <a:cs typeface="+mn-cs"/>
+              </a:defRPr>
+            </a:lvl1pPr>
+            <a:lvl2pPr marL="742950" indent="-285750" algn="l" defTabSz="914400" rtl="0" eaLnBrk="1" latinLnBrk="0" hangingPunct="1">
+              <a:spcBef>
+                <a:spcPct val="20000"/>
+              </a:spcBef>
+              <a:buFont typeface="Arial" pitchFamily="34" charset="0"/>
+              <a:buChar char="–"/>
+              <a:defRPr sz="2800" kern="1200">
+                <a:solidFill>
+                  <a:schemeClr val="tx1"/>
+                </a:solidFill>
+                <a:latin typeface="+mn-lt"/>
+                <a:ea typeface="+mn-ea"/>
+                <a:cs typeface="+mn-cs"/>
+              </a:defRPr>
+            </a:lvl2pPr>
+            <a:lvl3pPr marL="1143000" indent="-228600" algn="l" defTabSz="914400" rtl="0" eaLnBrk="1" latinLnBrk="0" hangingPunct="1">
+              <a:spcBef>
+                <a:spcPct val="20000"/>
+              </a:spcBef>
+              <a:buFont typeface="Arial" pitchFamily="34" charset="0"/>
+              <a:buChar char="•"/>
+              <a:defRPr sz="2400" kern="1200">
+                <a:solidFill>
+                  <a:schemeClr val="tx1"/>
+                </a:solidFill>
+                <a:latin typeface="+mn-lt"/>
+                <a:ea typeface="+mn-ea"/>
+                <a:cs typeface="+mn-cs"/>
+              </a:defRPr>
+            </a:lvl3pPr>
+            <a:lvl4pPr marL="1600200" indent="-228600" algn="l" defTabSz="914400" rtl="0" eaLnBrk="1" latinLnBrk="0" hangingPunct="1">
+              <a:spcBef>
+                <a:spcPct val="20000"/>
+              </a:spcBef>
+              <a:buFont typeface="Arial" pitchFamily="34" charset="0"/>
+              <a:buChar char="–"/>
+              <a:defRPr sz="2000" kern="1200">
+                <a:solidFill>
+                  <a:schemeClr val="tx1"/>
+                </a:solidFill>
+                <a:latin typeface="+mn-lt"/>
+                <a:ea typeface="+mn-ea"/>
+                <a:cs typeface="+mn-cs"/>
+              </a:defRPr>
+            </a:lvl4pPr>
+            <a:lvl5pPr marL="2057400" indent="-228600" algn="l" defTabSz="914400" rtl="0" eaLnBrk="1" latinLnBrk="0" hangingPunct="1">
+              <a:spcBef>
+                <a:spcPct val="20000"/>
+              </a:spcBef>
+              <a:buFont typeface="Arial" pitchFamily="34" charset="0"/>
+              <a:buChar char="»"/>
+              <a:defRPr sz="2000" kern="1200">
+                <a:solidFill>
+                  <a:schemeClr val="tx1"/>
+                </a:solidFill>
+                <a:latin typeface="+mn-lt"/>
+                <a:ea typeface="+mn-ea"/>
+                <a:cs typeface="+mn-cs"/>
+              </a:defRPr>
+            </a:lvl5pPr>
+            <a:lvl6pPr marL="2514600" indent="-228600" algn="l" defTabSz="914400" rtl="0" eaLnBrk="1" latinLnBrk="0" hangingPunct="1">
+              <a:spcBef>
+                <a:spcPct val="20000"/>
+              </a:spcBef>
+              <a:buFont typeface="Arial" pitchFamily="34" charset="0"/>
+              <a:buChar char="•"/>
+              <a:defRPr sz="2000" kern="1200">
+                <a:solidFill>
+                  <a:schemeClr val="tx1"/>
+                </a:solidFill>
+                <a:latin typeface="+mn-lt"/>
+                <a:ea typeface="+mn-ea"/>
+                <a:cs typeface="+mn-cs"/>
+              </a:defRPr>
+            </a:lvl6pPr>
+            <a:lvl7pPr marL="2971800" indent="-228600" algn="l" defTabSz="914400" rtl="0" eaLnBrk="1" latinLnBrk="0" hangingPunct="1">
+              <a:spcBef>
+                <a:spcPct val="20000"/>
+              </a:spcBef>
+              <a:buFont typeface="Arial" pitchFamily="34" charset="0"/>
+              <a:buChar char="•"/>
+              <a:defRPr sz="2000" kern="1200">
+                <a:solidFill>
+                  <a:schemeClr val="tx1"/>
+                </a:solidFill>
+                <a:latin typeface="+mn-lt"/>
+                <a:ea typeface="+mn-ea"/>
+                <a:cs typeface="+mn-cs"/>
+              </a:defRPr>
+            </a:lvl7pPr>
+            <a:lvl8pPr marL="3429000" indent="-228600" algn="l" defTabSz="914400" rtl="0" eaLnBrk="1" latinLnBrk="0" hangingPunct="1">
+              <a:spcBef>
+                <a:spcPct val="20000"/>
+              </a:spcBef>
+              <a:buFont typeface="Arial" pitchFamily="34" charset="0"/>
+              <a:buChar char="•"/>
+              <a:defRPr sz="2000" kern="1200">
+                <a:solidFill>
+                  <a:schemeClr val="tx1"/>
+                </a:solidFill>
+                <a:latin typeface="+mn-lt"/>
+                <a:ea typeface="+mn-ea"/>
+                <a:cs typeface="+mn-cs"/>
+              </a:defRPr>
+            </a:lvl8pPr>
+            <a:lvl9pPr marL="3886200" indent="-228600" algn="l" defTabSz="914400" rtl="0" eaLnBrk="1" latinLnBrk="0" hangingPunct="1">
+              <a:spcBef>
+                <a:spcPct val="20000"/>
+              </a:spcBef>
+              <a:buFont typeface="Arial" pitchFamily="34" charset="0"/>
+              <a:buChar char="•"/>
+              <a:defRPr sz="2000" kern="1200">
+                <a:solidFill>
+                  <a:schemeClr val="tx1"/>
+                </a:solidFill>
+                <a:latin typeface="+mn-lt"/>
+                <a:ea typeface="+mn-ea"/>
+                <a:cs typeface="+mn-cs"/>
+              </a:defRPr>
+            </a:lvl9pPr>
+          </a:lstStyle>
+          <a:p>
+            <a:r>
+              <a:rPr lang="zh-CN" altLang="en-US" sz="1800" dirty="0">
+                <a:latin typeface="华文细黑" panose="02010600040101010101" pitchFamily="2" charset="-122"/>
+                <a:ea typeface="华文细黑" panose="02010600040101010101" pitchFamily="2" charset="-122"/>
+              </a:rPr>
+              <a:t>了解计算节点详细信息可以指导脚本相关参数的填写，如 </a:t>
+            </a:r>
+            <a:r>
+              <a:rPr lang="en-US" altLang="zh-CN" sz="1800" dirty="0">
+                <a:latin typeface="Times New Roman" panose="02020603050405020304" pitchFamily="18" charset="0"/>
+                <a:ea typeface="华文细黑" panose="02010600040101010101" pitchFamily="2" charset="-122"/>
+                <a:cs typeface="Times New Roman" panose="02020603050405020304" pitchFamily="18" charset="0"/>
+              </a:rPr>
+              <a:t>--</a:t>
+            </a:r>
+            <a:r>
+              <a:rPr lang="en-US" altLang="zh-CN" sz="1800" dirty="0" err="1">
+                <a:latin typeface="Times New Roman" panose="02020603050405020304" pitchFamily="18" charset="0"/>
+                <a:cs typeface="Times New Roman" panose="02020603050405020304" pitchFamily="18" charset="0"/>
+              </a:rPr>
+              <a:t>ntasks</a:t>
+            </a:r>
+            <a:r>
+              <a:rPr lang="en-US" altLang="zh-CN" sz="1800" dirty="0">
+                <a:latin typeface="Times New Roman" panose="02020603050405020304" pitchFamily="18" charset="0"/>
+                <a:cs typeface="Times New Roman" panose="02020603050405020304" pitchFamily="18" charset="0"/>
+              </a:rPr>
+              <a:t>-per-node</a:t>
+            </a:r>
+          </a:p>
+          <a:p>
+            <a:r>
+              <a:rPr lang="zh-CN" altLang="en-US" sz="1800" dirty="0">
+                <a:latin typeface="Times New Roman" panose="02020603050405020304" pitchFamily="18" charset="0"/>
+                <a:ea typeface="华文细黑" panose="02010600040101010101" pitchFamily="2" charset="-122"/>
+                <a:cs typeface="Times New Roman" panose="02020603050405020304" pitchFamily="18" charset="0"/>
+              </a:rPr>
+              <a:t>选择适合的节点提交任务</a:t>
+            </a:r>
+          </a:p>
+        </p:txBody>
+      </p:sp>
+      <p:sp>
+        <p:nvSpPr>
+          <p:cNvPr id="11" name="灯片编号占位符 10">
+            <a:extLst>
+              <a:ext uri="{FF2B5EF4-FFF2-40B4-BE49-F238E27FC236}">
+                <a16:creationId xmlns:a16="http://schemas.microsoft.com/office/drawing/2014/main" id="{74AD3CA1-2912-4F27-B4F6-8C13A110392A}"/>
+              </a:ext>
+            </a:extLst>
+          </p:cNvPr>
+          <p:cNvSpPr>
+            <a:spLocks noGrp="1"/>
+          </p:cNvSpPr>
+          <p:nvPr>
+            <p:ph type="sldNum" sz="quarter" idx="12"/>
+          </p:nvPr>
+        </p:nvSpPr>
+        <p:spPr/>
+        <p:txBody>
+          <a:bodyPr/>
+          <a:lstStyle/>
+          <a:p>
+            <a:fld id="{6A5AA6DB-FE8F-44FC-AB8C-B3ACDBB5B927}" type="slidenum">
+              <a:rPr lang="zh-CN" altLang="en-US" smtClean="0"/>
+              <a:pPr/>
+              <a:t>12</a:t>
+            </a:fld>
+            <a:endParaRPr lang="zh-CN" altLang="en-US"/>
+          </a:p>
+        </p:txBody>
+      </p:sp>
     </p:spTree>
     <p:extLst>
       <p:ext uri="{BB962C8B-B14F-4D97-AF65-F5344CB8AC3E}">
-        <p14:creationId xmlns:p14="http://schemas.microsoft.com/office/powerpoint/2010/main" val="342596456"/>
+        <p14:creationId xmlns:p14="http://schemas.microsoft.com/office/powerpoint/2010/main" val="2032619620"/>
       </p:ext>
     </p:extLst>
   </p:cSld>
@@ -9666,7 +9671,7 @@
         </p:nvSpPr>
         <p:spPr>
           <a:xfrm>
-            <a:off x="2404082" y="3707951"/>
+            <a:off x="2481644" y="4588642"/>
             <a:ext cx="2954655" cy="461665"/>
           </a:xfrm>
           <a:prstGeom prst="rect">
@@ -10158,7 +10163,7 @@
         </p:nvSpPr>
         <p:spPr>
           <a:xfrm>
-            <a:off x="2438240" y="5573917"/>
+            <a:off x="2515192" y="5575375"/>
             <a:ext cx="1415772" cy="461665"/>
           </a:xfrm>
           <a:prstGeom prst="rect">
@@ -10384,7 +10389,7 @@
         </p:nvSpPr>
         <p:spPr>
           <a:xfrm>
-            <a:off x="2404082" y="4618778"/>
+            <a:off x="2438240" y="3652539"/>
             <a:ext cx="2031325" cy="461665"/>
           </a:xfrm>
           <a:prstGeom prst="rect">
@@ -12118,7 +12123,7 @@
         </p:blipFill>
         <p:spPr>
           <a:xfrm>
-            <a:off x="834579" y="3451258"/>
+            <a:off x="880999" y="3019647"/>
             <a:ext cx="7212932" cy="761442"/>
           </a:xfrm>
           <a:prstGeom prst="rect">
@@ -12126,6 +12131,154 @@
           </a:prstGeom>
         </p:spPr>
       </p:pic>
+      <p:sp>
+        <p:nvSpPr>
+          <p:cNvPr id="4" name="文本框 3">
+            <a:extLst>
+              <a:ext uri="{FF2B5EF4-FFF2-40B4-BE49-F238E27FC236}">
+                <a16:creationId xmlns:a16="http://schemas.microsoft.com/office/drawing/2014/main" id="{A68EEBEC-0E49-4DE6-930E-C755C53DE02E}"/>
+              </a:ext>
+            </a:extLst>
+          </p:cNvPr>
+          <p:cNvSpPr txBox="1"/>
+          <p:nvPr/>
+        </p:nvSpPr>
+        <p:spPr>
+          <a:xfrm>
+            <a:off x="812040" y="4340823"/>
+            <a:ext cx="7375830" cy="1477328"/>
+          </a:xfrm>
+          <a:prstGeom prst="rect">
+            <a:avLst/>
+          </a:prstGeom>
+          <a:noFill/>
+        </p:spPr>
+        <p:txBody>
+          <a:bodyPr wrap="square" rtlCol="0">
+            <a:spAutoFit/>
+          </a:bodyPr>
+          <a:lstStyle/>
+          <a:p>
+            <a:endParaRPr lang="en-US" altLang="zh-CN" dirty="0">
+              <a:latin typeface="Times New Roman" panose="02020603050405020304" pitchFamily="18" charset="0"/>
+              <a:cs typeface="Times New Roman" panose="02020603050405020304" pitchFamily="18" charset="0"/>
+            </a:endParaRPr>
+          </a:p>
+          <a:p>
+            <a:pPr marL="342900" indent="-342900">
+              <a:buAutoNum type="arabicPeriod"/>
+            </a:pPr>
+            <a:r>
+              <a:rPr lang="en-US" altLang="zh-CN" dirty="0" err="1">
+                <a:latin typeface="Times New Roman" panose="02020603050405020304" pitchFamily="18" charset="0"/>
+                <a:cs typeface="Times New Roman" panose="02020603050405020304" pitchFamily="18" charset="0"/>
+              </a:rPr>
+              <a:t>gitclone</a:t>
+            </a:r>
+            <a:r>
+              <a:rPr lang="en-US" altLang="zh-CN" dirty="0">
+                <a:latin typeface="Times New Roman" panose="02020603050405020304" pitchFamily="18" charset="0"/>
+                <a:cs typeface="Times New Roman" panose="02020603050405020304" pitchFamily="18" charset="0"/>
+              </a:rPr>
+              <a:t>  </a:t>
+            </a:r>
+            <a:r>
+              <a:rPr lang="en-US" altLang="zh-CN" dirty="0">
+                <a:latin typeface="Times New Roman" panose="02020603050405020304" pitchFamily="18" charset="0"/>
+                <a:cs typeface="Times New Roman" panose="02020603050405020304" pitchFamily="18" charset="0"/>
+                <a:hlinkClick r:id="rId4"/>
+              </a:rPr>
+              <a:t>https://github.com/SSlakeLabTiangong/2019_workshop.git</a:t>
+            </a:r>
+            <a:endParaRPr lang="en-US" altLang="zh-CN" dirty="0">
+              <a:latin typeface="Times New Roman" panose="02020603050405020304" pitchFamily="18" charset="0"/>
+              <a:cs typeface="Times New Roman" panose="02020603050405020304" pitchFamily="18" charset="0"/>
+            </a:endParaRPr>
+          </a:p>
+          <a:p>
+            <a:pPr marL="342900" indent="-342900">
+              <a:buAutoNum type="arabicPeriod"/>
+            </a:pPr>
+            <a:endParaRPr lang="en-US" altLang="zh-CN" dirty="0">
+              <a:latin typeface="Times New Roman" panose="02020603050405020304" pitchFamily="18" charset="0"/>
+              <a:cs typeface="Times New Roman" panose="02020603050405020304" pitchFamily="18" charset="0"/>
+            </a:endParaRPr>
+          </a:p>
+          <a:p>
+            <a:pPr marL="342900" indent="-342900">
+              <a:buAutoNum type="arabicPeriod"/>
+            </a:pPr>
+            <a:r>
+              <a:rPr lang="en-US" altLang="zh-CN" dirty="0">
+                <a:latin typeface="Times New Roman" panose="02020603050405020304" pitchFamily="18" charset="0"/>
+                <a:cs typeface="Times New Roman" panose="02020603050405020304" pitchFamily="18" charset="0"/>
+              </a:rPr>
+              <a:t>cd   2019_workshop/05_SSLAB_HPC_usage/si-128/</a:t>
+            </a:r>
+          </a:p>
+          <a:p>
+            <a:pPr marL="342900" indent="-342900">
+              <a:buAutoNum type="arabicPeriod"/>
+            </a:pPr>
+            <a:endParaRPr lang="en-US" altLang="zh-CN" dirty="0">
+              <a:latin typeface="Times New Roman" panose="02020603050405020304" pitchFamily="18" charset="0"/>
+              <a:cs typeface="Times New Roman" panose="02020603050405020304" pitchFamily="18" charset="0"/>
+            </a:endParaRPr>
+          </a:p>
+        </p:txBody>
+      </p:sp>
+      <p:sp>
+        <p:nvSpPr>
+          <p:cNvPr id="11" name="文本框 10">
+            <a:extLst>
+              <a:ext uri="{FF2B5EF4-FFF2-40B4-BE49-F238E27FC236}">
+                <a16:creationId xmlns:a16="http://schemas.microsoft.com/office/drawing/2014/main" id="{F23D2A97-30A6-487C-8A3B-A8BBB2025CC6}"/>
+              </a:ext>
+            </a:extLst>
+          </p:cNvPr>
+          <p:cNvSpPr txBox="1"/>
+          <p:nvPr/>
+        </p:nvSpPr>
+        <p:spPr>
+          <a:xfrm>
+            <a:off x="526924" y="3781089"/>
+            <a:ext cx="6781380" cy="646331"/>
+          </a:xfrm>
+          <a:prstGeom prst="rect">
+            <a:avLst/>
+          </a:prstGeom>
+          <a:noFill/>
+        </p:spPr>
+        <p:txBody>
+          <a:bodyPr wrap="square" rtlCol="0">
+            <a:spAutoFit/>
+          </a:bodyPr>
+          <a:lstStyle/>
+          <a:p>
+            <a:endParaRPr lang="zh-CN" altLang="en-US" dirty="0">
+              <a:latin typeface="华文细黑" panose="02010600040101010101" pitchFamily="2" charset="-122"/>
+              <a:ea typeface="华文细黑" panose="02010600040101010101" pitchFamily="2" charset="-122"/>
+            </a:endParaRPr>
+          </a:p>
+          <a:p>
+            <a:pPr marL="285750" indent="-285750">
+              <a:buFont typeface="Arial" panose="020B0604020202020204" pitchFamily="34" charset="0"/>
+              <a:buChar char="•"/>
+            </a:pPr>
+            <a:r>
+              <a:rPr lang="zh-CN" altLang="en-US" dirty="0">
+                <a:latin typeface="华文细黑" panose="02010600040101010101" pitchFamily="2" charset="-122"/>
+                <a:ea typeface="华文细黑" panose="02010600040101010101" pitchFamily="2" charset="-122"/>
+              </a:rPr>
+              <a:t>在我演示的同时，大家也可进行操作</a:t>
+            </a:r>
+            <a:endParaRPr lang="en-US" altLang="zh-CN" dirty="0">
+              <a:latin typeface="华文细黑" panose="02010600040101010101" pitchFamily="2" charset="-122"/>
+              <a:ea typeface="华文细黑" panose="02010600040101010101" pitchFamily="2" charset="-122"/>
+            </a:endParaRPr>
+          </a:p>
+        </p:txBody>
+      </p:sp>
     </p:spTree>
     <p:extLst>
       <p:ext uri="{BB962C8B-B14F-4D97-AF65-F5344CB8AC3E}">
@@ -12758,8 +12911,8 @@
         </p:nvSpPr>
         <p:spPr>
           <a:xfrm>
-            <a:off x="492347" y="5904488"/>
-            <a:ext cx="4464496" cy="369332"/>
+            <a:off x="492346" y="5904488"/>
+            <a:ext cx="8040094" cy="646331"/>
           </a:xfrm>
           <a:prstGeom prst="rect">
             <a:avLst/>
@@ -12778,7 +12931,7 @@
             </a:pPr>
             <a:r>
               <a:rPr lang="zh-CN" altLang="en-US" dirty="0"/>
-              <a:t>其它可能用到的参数：</a:t>
+              <a:t>注意：节点数并不是提交的越多，算得越快。节点间过度并行通信可能会导致运行速度变慢！</a:t>
             </a:r>
           </a:p>
         </p:txBody>
@@ -12948,7 +13101,7 @@
         <p:spPr>
           <a:xfrm>
             <a:off x="1826288" y="344811"/>
-            <a:ext cx="2954655" cy="830997"/>
+            <a:ext cx="2031325" cy="830997"/>
           </a:xfrm>
           <a:prstGeom prst="rect">
             <a:avLst/>
@@ -12968,7 +13121,7 @@
                 <a:latin typeface="微软雅黑" panose="020B0503020204020204" pitchFamily="34" charset="-122"/>
                 <a:ea typeface="微软雅黑" panose="020B0503020204020204" pitchFamily="34" charset="-122"/>
               </a:rPr>
-              <a:t>查看队列，节点信息</a:t>
+              <a:t>查看作业信息</a:t>
             </a:r>
           </a:p>
           <a:p>
@@ -12984,10 +13137,10 @@
       </p:sp>
       <p:sp>
         <p:nvSpPr>
-          <p:cNvPr id="16" name="内容占位符 2">
+          <p:cNvPr id="11" name="内容占位符 2">
             <a:extLst>
               <a:ext uri="{FF2B5EF4-FFF2-40B4-BE49-F238E27FC236}">
-                <a16:creationId xmlns:a16="http://schemas.microsoft.com/office/drawing/2014/main" id="{3ADD7548-5671-4E1E-AAB7-A8CA35721C6A}"/>
+                <a16:creationId xmlns:a16="http://schemas.microsoft.com/office/drawing/2014/main" id="{51AA7A39-4937-4A11-9A5D-19BC347E29BC}"/>
               </a:ext>
             </a:extLst>
           </p:cNvPr>
@@ -12998,8 +13151,8 @@
         </p:nvSpPr>
         <p:spPr>
           <a:xfrm>
-            <a:off x="467545" y="1117776"/>
-            <a:ext cx="6192688" cy="943072"/>
+            <a:off x="578728" y="1288909"/>
+            <a:ext cx="1273642" cy="642176"/>
           </a:xfrm>
           <a:prstGeom prst="rect">
             <a:avLst/>
@@ -13148,7 +13301,7 @@
             <a:pPr marL="0" indent="0">
               <a:buNone/>
             </a:pPr>
-            <a:endParaRPr lang="zh-CN" altLang="en-US" sz="1600" dirty="0">
+            <a:endParaRPr lang="zh-CN" altLang="en-US" sz="2400" b="1" dirty="0">
               <a:latin typeface="微软雅黑" panose="020B0503020204020204" pitchFamily="34" charset="-122"/>
               <a:ea typeface="微软雅黑" panose="020B0503020204020204" pitchFamily="34" charset="-122"/>
             </a:endParaRPr>
@@ -13187,10 +13340,10 @@
       </p:sp>
       <p:sp>
         <p:nvSpPr>
-          <p:cNvPr id="13" name="矩形 12">
+          <p:cNvPr id="2" name="矩形 1">
             <a:extLst>
               <a:ext uri="{FF2B5EF4-FFF2-40B4-BE49-F238E27FC236}">
-                <a16:creationId xmlns:a16="http://schemas.microsoft.com/office/drawing/2014/main" id="{1B53A0E7-49C9-487F-BC4F-9049EFB0BF75}"/>
+                <a16:creationId xmlns:a16="http://schemas.microsoft.com/office/drawing/2014/main" id="{370C4EBA-200B-4F4F-8797-7FC7587E8398}"/>
               </a:ext>
             </a:extLst>
           </p:cNvPr>
@@ -13217,7 +13370,7 @@
                 <a:latin typeface="华文细黑" panose="02010600040101010101" pitchFamily="2" charset="-122"/>
                 <a:ea typeface="华文细黑" panose="02010600040101010101" pitchFamily="2" charset="-122"/>
               </a:rPr>
-              <a:t>显示队列</a:t>
+              <a:t>作业状态</a:t>
             </a:r>
           </a:p>
           <a:p>
@@ -13236,7 +13389,7 @@
                 <a:latin typeface="华文细黑" panose="02010600040101010101" pitchFamily="2" charset="-122"/>
                 <a:ea typeface="华文细黑" panose="02010600040101010101" pitchFamily="2" charset="-122"/>
               </a:rPr>
-              <a:t>sinfo</a:t>
+              <a:t>squeue</a:t>
             </a:r>
             <a:endParaRPr lang="en-US" altLang="zh-CN" sz="2000" b="1" dirty="0">
               <a:solidFill>
@@ -13262,17 +13415,257 @@
                 <a:latin typeface="华文细黑" panose="02010600040101010101" pitchFamily="2" charset="-122"/>
                 <a:ea typeface="华文细黑" panose="02010600040101010101" pitchFamily="2" charset="-122"/>
               </a:rPr>
-              <a:t>队列中多节点状态不同时分行显示</a:t>
-            </a:r>
+              <a:t>只显示排队和运行中的作业</a:t>
+            </a:r>
+          </a:p>
+        </p:txBody>
+      </p:sp>
+      <p:sp>
+        <p:nvSpPr>
+          <p:cNvPr id="4" name="文本框 3">
+            <a:extLst>
+              <a:ext uri="{FF2B5EF4-FFF2-40B4-BE49-F238E27FC236}">
+                <a16:creationId xmlns:a16="http://schemas.microsoft.com/office/drawing/2014/main" id="{EA6A30AB-D4DD-43D3-AD5B-3FB7E53C3722}"/>
+              </a:ext>
+            </a:extLst>
+          </p:cNvPr>
+          <p:cNvSpPr txBox="1"/>
+          <p:nvPr/>
+        </p:nvSpPr>
+        <p:spPr>
+          <a:xfrm>
+            <a:off x="602218" y="3441680"/>
+            <a:ext cx="7138134" cy="3693319"/>
+          </a:xfrm>
+          <a:prstGeom prst="rect">
+            <a:avLst/>
+          </a:prstGeom>
+          <a:noFill/>
+        </p:spPr>
+        <p:txBody>
+          <a:bodyPr wrap="square" rtlCol="0">
+            <a:spAutoFit/>
+          </a:bodyPr>
+          <a:lstStyle/>
+          <a:p>
+            <a:pPr marL="285750" indent="-285750">
+              <a:buFont typeface="Arial" panose="020B0604020202020204" pitchFamily="34" charset="0"/>
+              <a:buChar char="•"/>
+            </a:pPr>
+            <a:r>
+              <a:rPr lang="zh-CN" altLang="en-US" dirty="0">
+                <a:latin typeface="华文细黑" panose="02010600040101010101" pitchFamily="2" charset="-122"/>
+                <a:ea typeface="华文细黑" panose="02010600040101010101" pitchFamily="2" charset="-122"/>
+              </a:rPr>
+              <a:t>显示字段有</a:t>
+            </a:r>
+          </a:p>
+          <a:p>
+            <a:r>
+              <a:rPr lang="en-US" altLang="zh-CN" dirty="0">
+                <a:latin typeface="华文细黑" panose="02010600040101010101" pitchFamily="2" charset="-122"/>
+                <a:ea typeface="华文细黑" panose="02010600040101010101" pitchFamily="2" charset="-122"/>
+              </a:rPr>
+              <a:t>JOBID    </a:t>
+            </a:r>
+            <a:r>
+              <a:rPr lang="zh-CN" altLang="en-US" dirty="0">
+                <a:latin typeface="华文细黑" panose="02010600040101010101" pitchFamily="2" charset="-122"/>
+                <a:ea typeface="华文细黑" panose="02010600040101010101" pitchFamily="2" charset="-122"/>
+              </a:rPr>
+              <a:t>作业</a:t>
+            </a:r>
+            <a:r>
+              <a:rPr lang="en-US" altLang="zh-CN" dirty="0">
+                <a:latin typeface="华文细黑" panose="02010600040101010101" pitchFamily="2" charset="-122"/>
+                <a:ea typeface="华文细黑" panose="02010600040101010101" pitchFamily="2" charset="-122"/>
+              </a:rPr>
+              <a:t>ID</a:t>
+            </a:r>
+          </a:p>
+          <a:p>
+            <a:r>
+              <a:rPr lang="en-US" altLang="zh-CN" dirty="0">
+                <a:latin typeface="华文细黑" panose="02010600040101010101" pitchFamily="2" charset="-122"/>
+                <a:ea typeface="华文细黑" panose="02010600040101010101" pitchFamily="2" charset="-122"/>
+              </a:rPr>
+              <a:t>PARTITION </a:t>
+            </a:r>
+            <a:r>
+              <a:rPr lang="zh-CN" altLang="en-US" dirty="0">
+                <a:latin typeface="华文细黑" panose="02010600040101010101" pitchFamily="2" charset="-122"/>
+                <a:ea typeface="华文细黑" panose="02010600040101010101" pitchFamily="2" charset="-122"/>
+              </a:rPr>
+              <a:t>队列名称</a:t>
+            </a:r>
+          </a:p>
+          <a:p>
+            <a:r>
+              <a:rPr lang="en-US" altLang="zh-CN" dirty="0">
+                <a:latin typeface="华文细黑" panose="02010600040101010101" pitchFamily="2" charset="-122"/>
+                <a:ea typeface="华文细黑" panose="02010600040101010101" pitchFamily="2" charset="-122"/>
+              </a:rPr>
+              <a:t>NAME   </a:t>
+            </a:r>
+            <a:r>
+              <a:rPr lang="zh-CN" altLang="en-US" dirty="0">
+                <a:latin typeface="华文细黑" panose="02010600040101010101" pitchFamily="2" charset="-122"/>
+                <a:ea typeface="华文细黑" panose="02010600040101010101" pitchFamily="2" charset="-122"/>
+              </a:rPr>
+              <a:t>作业名</a:t>
+            </a:r>
+          </a:p>
+          <a:p>
+            <a:r>
+              <a:rPr lang="en-US" altLang="zh-CN" dirty="0">
+                <a:latin typeface="华文细黑" panose="02010600040101010101" pitchFamily="2" charset="-122"/>
+                <a:ea typeface="华文细黑" panose="02010600040101010101" pitchFamily="2" charset="-122"/>
+              </a:rPr>
+              <a:t>USER    </a:t>
+            </a:r>
+            <a:r>
+              <a:rPr lang="zh-CN" altLang="en-US" dirty="0">
+                <a:latin typeface="华文细黑" panose="02010600040101010101" pitchFamily="2" charset="-122"/>
+                <a:ea typeface="华文细黑" panose="02010600040101010101" pitchFamily="2" charset="-122"/>
+              </a:rPr>
+              <a:t>作业所属用户</a:t>
+            </a:r>
+          </a:p>
+          <a:p>
+            <a:r>
+              <a:rPr lang="en-US" altLang="zh-CN" dirty="0">
+                <a:latin typeface="华文细黑" panose="02010600040101010101" pitchFamily="2" charset="-122"/>
+                <a:ea typeface="华文细黑" panose="02010600040101010101" pitchFamily="2" charset="-122"/>
+              </a:rPr>
+              <a:t>ST      </a:t>
+            </a:r>
+            <a:r>
+              <a:rPr lang="zh-CN" altLang="en-US" dirty="0">
+                <a:latin typeface="华文细黑" panose="02010600040101010101" pitchFamily="2" charset="-122"/>
+                <a:ea typeface="华文细黑" panose="02010600040101010101" pitchFamily="2" charset="-122"/>
+              </a:rPr>
+              <a:t>作业状态</a:t>
+            </a:r>
+          </a:p>
+          <a:p>
+            <a:r>
+              <a:rPr lang="en-US" altLang="zh-CN" dirty="0">
+                <a:latin typeface="华文细黑" panose="02010600040101010101" pitchFamily="2" charset="-122"/>
+                <a:ea typeface="华文细黑" panose="02010600040101010101" pitchFamily="2" charset="-122"/>
+              </a:rPr>
+              <a:t>TIME    </a:t>
+            </a:r>
+            <a:r>
+              <a:rPr lang="zh-CN" altLang="en-US" dirty="0">
+                <a:latin typeface="华文细黑" panose="02010600040101010101" pitchFamily="2" charset="-122"/>
+                <a:ea typeface="华文细黑" panose="02010600040101010101" pitchFamily="2" charset="-122"/>
+              </a:rPr>
+              <a:t>作业已运行时间</a:t>
+            </a:r>
+          </a:p>
+          <a:p>
+            <a:r>
+              <a:rPr lang="en-US" altLang="zh-CN" dirty="0">
+                <a:latin typeface="华文细黑" panose="02010600040101010101" pitchFamily="2" charset="-122"/>
+                <a:ea typeface="华文细黑" panose="02010600040101010101" pitchFamily="2" charset="-122"/>
+              </a:rPr>
+              <a:t>NODES   </a:t>
+            </a:r>
+            <a:r>
+              <a:rPr lang="zh-CN" altLang="en-US" dirty="0">
+                <a:latin typeface="华文细黑" panose="02010600040101010101" pitchFamily="2" charset="-122"/>
+                <a:ea typeface="华文细黑" panose="02010600040101010101" pitchFamily="2" charset="-122"/>
+              </a:rPr>
+              <a:t>作业占用节点数</a:t>
+            </a:r>
+          </a:p>
+          <a:p>
+            <a:r>
+              <a:rPr lang="en-US" altLang="zh-CN" dirty="0">
+                <a:latin typeface="华文细黑" panose="02010600040101010101" pitchFamily="2" charset="-122"/>
+                <a:ea typeface="华文细黑" panose="02010600040101010101" pitchFamily="2" charset="-122"/>
+              </a:rPr>
+              <a:t>NODELIST</a:t>
+            </a:r>
+            <a:r>
+              <a:rPr lang="zh-CN" altLang="en-US" dirty="0">
+                <a:latin typeface="华文细黑" panose="02010600040101010101" pitchFamily="2" charset="-122"/>
+                <a:ea typeface="华文细黑" panose="02010600040101010101" pitchFamily="2" charset="-122"/>
+              </a:rPr>
+              <a:t>（</a:t>
+            </a:r>
+            <a:r>
+              <a:rPr lang="en-US" altLang="zh-CN" dirty="0">
+                <a:latin typeface="华文细黑" panose="02010600040101010101" pitchFamily="2" charset="-122"/>
+                <a:ea typeface="华文细黑" panose="02010600040101010101" pitchFamily="2" charset="-122"/>
+              </a:rPr>
+              <a:t>REASON</a:t>
+            </a:r>
+            <a:r>
+              <a:rPr lang="zh-CN" altLang="en-US" dirty="0">
+                <a:latin typeface="华文细黑" panose="02010600040101010101" pitchFamily="2" charset="-122"/>
+                <a:ea typeface="华文细黑" panose="02010600040101010101" pitchFamily="2" charset="-122"/>
+              </a:rPr>
+              <a:t>）作业运行的结点列表</a:t>
+            </a:r>
+            <a:endParaRPr lang="en-US" altLang="zh-CN" dirty="0">
+              <a:latin typeface="华文细黑" panose="02010600040101010101" pitchFamily="2" charset="-122"/>
+              <a:ea typeface="华文细黑" panose="02010600040101010101" pitchFamily="2" charset="-122"/>
+            </a:endParaRPr>
+          </a:p>
+          <a:p>
+            <a:r>
+              <a:rPr lang="zh-CN" altLang="en-US" dirty="0">
+                <a:latin typeface="华文细黑" panose="02010600040101010101" pitchFamily="2" charset="-122"/>
+                <a:ea typeface="华文细黑" panose="02010600040101010101" pitchFamily="2" charset="-122"/>
+              </a:rPr>
+              <a:t>（不运行作业的原因）</a:t>
+            </a:r>
+            <a:endParaRPr lang="en-US" altLang="zh-CN" dirty="0">
+              <a:latin typeface="华文细黑" panose="02010600040101010101" pitchFamily="2" charset="-122"/>
+              <a:ea typeface="华文细黑" panose="02010600040101010101" pitchFamily="2" charset="-122"/>
+            </a:endParaRPr>
+          </a:p>
+          <a:p>
+            <a:endParaRPr lang="en-US" altLang="zh-CN" dirty="0">
+              <a:latin typeface="华文细黑" panose="02010600040101010101" pitchFamily="2" charset="-122"/>
+              <a:ea typeface="华文细黑" panose="02010600040101010101" pitchFamily="2" charset="-122"/>
+            </a:endParaRPr>
+          </a:p>
+          <a:p>
+            <a:r>
+              <a:rPr lang="en-US" altLang="zh-CN" dirty="0" err="1">
+                <a:latin typeface="华文细黑" panose="02010600040101010101" pitchFamily="2" charset="-122"/>
+                <a:ea typeface="华文细黑" panose="02010600040101010101" pitchFamily="2" charset="-122"/>
+              </a:rPr>
+              <a:t>squeue</a:t>
+            </a:r>
+            <a:r>
+              <a:rPr lang="en-US" altLang="zh-CN" dirty="0">
+                <a:latin typeface="华文细黑" panose="02010600040101010101" pitchFamily="2" charset="-122"/>
+                <a:ea typeface="华文细黑" panose="02010600040101010101" pitchFamily="2" charset="-122"/>
+              </a:rPr>
+              <a:t> –u  username </a:t>
+            </a:r>
+            <a:r>
+              <a:rPr lang="zh-CN" altLang="en-US" dirty="0">
+                <a:latin typeface="华文细黑" panose="02010600040101010101" pitchFamily="2" charset="-122"/>
+                <a:ea typeface="华文细黑" panose="02010600040101010101" pitchFamily="2" charset="-122"/>
+              </a:rPr>
+              <a:t>显示特定用户的任务（比如自己的）</a:t>
+            </a:r>
+          </a:p>
+          <a:p>
+            <a:endParaRPr lang="zh-CN" altLang="en-US" dirty="0"/>
           </a:p>
         </p:txBody>
       </p:sp>
       <p:pic>
         <p:nvPicPr>
-          <p:cNvPr id="4" name="图片 3">
+          <p:cNvPr id="6" name="图片 5">
             <a:extLst>
               <a:ext uri="{FF2B5EF4-FFF2-40B4-BE49-F238E27FC236}">
-                <a16:creationId xmlns:a16="http://schemas.microsoft.com/office/drawing/2014/main" id="{2CB5D0AD-652C-4332-B297-777FC533B473}"/>
+                <a16:creationId xmlns:a16="http://schemas.microsoft.com/office/drawing/2014/main" id="{73DA21CB-4738-4B3A-BE4C-E30AC2258C31}"/>
               </a:ext>
             </a:extLst>
           </p:cNvPr>
@@ -13281,234 +13674,486 @@
           </p:cNvPicPr>
           <p:nvPr/>
         </p:nvPicPr>
-        <p:blipFill>
+        <p:blipFill rotWithShape="1">
           <a:blip r:embed="rId3"/>
-          <a:stretch>
-            <a:fillRect/>
-          </a:stretch>
+          <a:srcRect l="-206" t="21770"/>
+          <a:stretch/>
         </p:blipFill>
         <p:spPr>
           <a:xfrm>
-            <a:off x="914279" y="2230347"/>
-            <a:ext cx="6480720" cy="3236232"/>
+            <a:off x="539552" y="2934705"/>
+            <a:ext cx="7962900" cy="566303"/>
           </a:xfrm>
           <a:prstGeom prst="rect">
             <a:avLst/>
           </a:prstGeom>
         </p:spPr>
       </p:pic>
-      <p:sp>
-        <p:nvSpPr>
-          <p:cNvPr id="5" name="矩形 4">
+      <p:pic>
+        <p:nvPicPr>
+          <p:cNvPr id="12" name="图片 11">
             <a:extLst>
               <a:ext uri="{FF2B5EF4-FFF2-40B4-BE49-F238E27FC236}">
-                <a16:creationId xmlns:a16="http://schemas.microsoft.com/office/drawing/2014/main" id="{7840B1DE-0721-4A73-B3B5-6AF8C259F8A3}"/>
+                <a16:creationId xmlns:a16="http://schemas.microsoft.com/office/drawing/2014/main" id="{9CF4F9F5-CC59-4D16-A3B9-8092E3EBD239}"/>
               </a:ext>
             </a:extLst>
           </p:cNvPr>
-          <p:cNvSpPr/>
+          <p:cNvPicPr>
+            <a:picLocks noChangeAspect="1"/>
+          </p:cNvPicPr>
           <p:nvPr/>
-        </p:nvSpPr>
+        </p:nvPicPr>
+        <p:blipFill rotWithShape="1">
+          <a:blip r:embed="rId4"/>
+          <a:srcRect r="5088" b="20833"/>
+          <a:stretch/>
+        </p:blipFill>
         <p:spPr>
           <a:xfrm>
-            <a:off x="555950" y="5513142"/>
-            <a:ext cx="7663861" cy="1323439"/>
+            <a:off x="555951" y="2225873"/>
+            <a:ext cx="7946501" cy="723899"/>
           </a:xfrm>
           <a:prstGeom prst="rect">
             <a:avLst/>
           </a:prstGeom>
         </p:spPr>
-        <p:txBody>
-          <a:bodyPr wrap="square">
+      </p:pic>
+      <p:cxnSp>
+        <p:nvCxnSpPr>
+          <p:cNvPr id="17" name="直接箭头连接符 16">
+            <a:extLst>
+              <a:ext uri="{FF2B5EF4-FFF2-40B4-BE49-F238E27FC236}">
+                <a16:creationId xmlns:a16="http://schemas.microsoft.com/office/drawing/2014/main" id="{DE3F259E-A6CB-47FE-9B6A-2B72F469538F}"/>
+              </a:ext>
+            </a:extLst>
+          </p:cNvPr>
+          <p:cNvCxnSpPr>
+            <a:cxnSpLocks/>
+          </p:cNvCxnSpPr>
+          <p:nvPr/>
+        </p:nvCxnSpPr>
+        <p:spPr>
+          <a:xfrm>
+            <a:off x="2411760" y="5013176"/>
+            <a:ext cx="2952328" cy="0"/>
+          </a:xfrm>
+          <a:prstGeom prst="straightConnector1">
+            <a:avLst/>
+          </a:prstGeom>
+          <a:ln w="19050">
+            <a:solidFill>
+              <a:srgbClr val="FF0000"/>
+            </a:solidFill>
+            <a:tailEnd type="triangle"/>
+          </a:ln>
+        </p:spPr>
+        <p:style>
+          <a:lnRef idx="1">
+            <a:schemeClr val="accent1"/>
+          </a:lnRef>
+          <a:fillRef idx="0">
+            <a:schemeClr val="accent1"/>
+          </a:fillRef>
+          <a:effectRef idx="0">
+            <a:schemeClr val="accent1"/>
+          </a:effectRef>
+          <a:fontRef idx="minor">
+            <a:schemeClr val="tx1"/>
+          </a:fontRef>
+        </p:style>
+      </p:cxnSp>
+      <p:sp>
+        <p:nvSpPr>
+          <p:cNvPr id="18" name="文本框 17">
+            <a:extLst>
+              <a:ext uri="{FF2B5EF4-FFF2-40B4-BE49-F238E27FC236}">
+                <a16:creationId xmlns:a16="http://schemas.microsoft.com/office/drawing/2014/main" id="{C8E3A1E6-074C-4345-BC4C-2BC6C9326952}"/>
+              </a:ext>
+            </a:extLst>
+          </p:cNvPr>
+          <p:cNvSpPr txBox="1"/>
+          <p:nvPr/>
+        </p:nvSpPr>
+        <p:spPr>
+          <a:xfrm>
+            <a:off x="650736" y="4869160"/>
+            <a:ext cx="1617008" cy="288032"/>
+          </a:xfrm>
+          <a:prstGeom prst="rect">
+            <a:avLst/>
+          </a:prstGeom>
+          <a:noFill/>
+          <a:ln w="19050">
+            <a:solidFill>
+              <a:srgbClr val="FF0000"/>
+            </a:solidFill>
+          </a:ln>
+        </p:spPr>
+        <p:txBody>
+          <a:bodyPr wrap="square" rtlCol="0">
             <a:spAutoFit/>
           </a:bodyPr>
           <a:lstStyle/>
           <a:p>
+            <a:endParaRPr lang="zh-CN" altLang="en-US" dirty="0"/>
+          </a:p>
+        </p:txBody>
+      </p:sp>
+      <p:sp>
+        <p:nvSpPr>
+          <p:cNvPr id="20" name="文本框 19">
+            <a:extLst>
+              <a:ext uri="{FF2B5EF4-FFF2-40B4-BE49-F238E27FC236}">
+                <a16:creationId xmlns:a16="http://schemas.microsoft.com/office/drawing/2014/main" id="{BB39A814-8F4B-43FA-BCD8-D894786E0AFA}"/>
+              </a:ext>
+            </a:extLst>
+          </p:cNvPr>
+          <p:cNvSpPr txBox="1"/>
+          <p:nvPr/>
+        </p:nvSpPr>
+        <p:spPr>
+          <a:xfrm>
+            <a:off x="5409659" y="3528295"/>
+            <a:ext cx="3321549" cy="2800767"/>
+          </a:xfrm>
+          <a:prstGeom prst="rect">
+            <a:avLst/>
+          </a:prstGeom>
+          <a:noFill/>
+          <a:ln w="19050">
+            <a:solidFill>
+              <a:srgbClr val="FF0000"/>
+            </a:solidFill>
+          </a:ln>
+        </p:spPr>
+        <p:txBody>
+          <a:bodyPr wrap="square" rtlCol="0">
+            <a:spAutoFit/>
+          </a:bodyPr>
+          <a:lstStyle/>
+          <a:p>
             <a:r>
               <a:rPr lang="en-US" altLang="zh-CN" sz="1600" dirty="0">
-                <a:latin typeface="华文细黑" panose="02010600040101010101" pitchFamily="2" charset="-122"/>
-                <a:ea typeface="华文细黑" panose="02010600040101010101" pitchFamily="2" charset="-122"/>
-              </a:rPr>
-              <a:t>• STATE</a:t>
+                <a:latin typeface="Times New Roman" panose="02020603050405020304" pitchFamily="18" charset="0"/>
+                <a:ea typeface="华文细黑" panose="02010600040101010101" pitchFamily="2" charset="-122"/>
+                <a:cs typeface="Times New Roman" panose="02020603050405020304" pitchFamily="18" charset="0"/>
+              </a:rPr>
+              <a:t>– PD</a:t>
             </a:r>
             <a:r>
               <a:rPr lang="zh-CN" altLang="en-US" sz="1600" dirty="0">
-                <a:latin typeface="华文细黑" panose="02010600040101010101" pitchFamily="2" charset="-122"/>
-                <a:ea typeface="华文细黑" panose="02010600040101010101" pitchFamily="2" charset="-122"/>
-              </a:rPr>
-              <a:t>：节点状态，可能的状态包括： </a:t>
+                <a:latin typeface="Times New Roman" panose="02020603050405020304" pitchFamily="18" charset="0"/>
+                <a:ea typeface="华文细黑" panose="02010600040101010101" pitchFamily="2" charset="-122"/>
+                <a:cs typeface="Times New Roman" panose="02020603050405020304" pitchFamily="18" charset="0"/>
+              </a:rPr>
+              <a:t>：排队中，</a:t>
+            </a:r>
+            <a:r>
+              <a:rPr lang="en-US" altLang="zh-CN" sz="1600" dirty="0">
+                <a:latin typeface="Times New Roman" panose="02020603050405020304" pitchFamily="18" charset="0"/>
+                <a:ea typeface="华文细黑" panose="02010600040101010101" pitchFamily="2" charset="-122"/>
+                <a:cs typeface="Times New Roman" panose="02020603050405020304" pitchFamily="18" charset="0"/>
+              </a:rPr>
+              <a:t>PENDING</a:t>
+            </a:r>
+          </a:p>
+          <a:p>
+            <a:r>
+              <a:rPr lang="en-US" altLang="zh-CN" sz="1600" dirty="0">
+                <a:latin typeface="Times New Roman" panose="02020603050405020304" pitchFamily="18" charset="0"/>
+                <a:ea typeface="华文细黑" panose="02010600040101010101" pitchFamily="2" charset="-122"/>
+                <a:cs typeface="Times New Roman" panose="02020603050405020304" pitchFamily="18" charset="0"/>
+              </a:rPr>
+              <a:t>– R</a:t>
+            </a:r>
+            <a:r>
+              <a:rPr lang="zh-CN" altLang="en-US" sz="1600" dirty="0">
+                <a:latin typeface="Times New Roman" panose="02020603050405020304" pitchFamily="18" charset="0"/>
+                <a:ea typeface="华文细黑" panose="02010600040101010101" pitchFamily="2" charset="-122"/>
+                <a:cs typeface="Times New Roman" panose="02020603050405020304" pitchFamily="18" charset="0"/>
+              </a:rPr>
+              <a:t>：运行中，</a:t>
+            </a:r>
+            <a:r>
+              <a:rPr lang="en-US" altLang="zh-CN" sz="1600" dirty="0">
+                <a:latin typeface="Times New Roman" panose="02020603050405020304" pitchFamily="18" charset="0"/>
+                <a:ea typeface="华文细黑" panose="02010600040101010101" pitchFamily="2" charset="-122"/>
+                <a:cs typeface="Times New Roman" panose="02020603050405020304" pitchFamily="18" charset="0"/>
+              </a:rPr>
+              <a:t>RUNNING</a:t>
+            </a:r>
+            <a:r>
+              <a:rPr lang="zh-CN" altLang="en-US" sz="1600" dirty="0">
+                <a:latin typeface="Times New Roman" panose="02020603050405020304" pitchFamily="18" charset="0"/>
+                <a:ea typeface="华文细黑" panose="02010600040101010101" pitchFamily="2" charset="-122"/>
+                <a:cs typeface="Times New Roman" panose="02020603050405020304" pitchFamily="18" charset="0"/>
+              </a:rPr>
+              <a:t> </a:t>
             </a:r>
             <a:endParaRPr lang="en-US" altLang="zh-CN" sz="1600" dirty="0">
-              <a:latin typeface="华文细黑" panose="02010600040101010101" pitchFamily="2" charset="-122"/>
+              <a:latin typeface="Times New Roman" panose="02020603050405020304" pitchFamily="18" charset="0"/>
               <a:ea typeface="华文细黑" panose="02010600040101010101" pitchFamily="2" charset="-122"/>
+              <a:cs typeface="Times New Roman" panose="02020603050405020304" pitchFamily="18" charset="0"/>
             </a:endParaRPr>
           </a:p>
           <a:p>
             <a:r>
               <a:rPr lang="en-US" altLang="zh-CN" sz="1600" dirty="0">
-                <a:latin typeface="华文细黑" panose="02010600040101010101" pitchFamily="2" charset="-122"/>
-                <a:ea typeface="华文细黑" panose="02010600040101010101" pitchFamily="2" charset="-122"/>
-              </a:rPr>
-              <a:t>– allocated</a:t>
+                <a:latin typeface="Times New Roman" panose="02020603050405020304" pitchFamily="18" charset="0"/>
+                <a:ea typeface="华文细黑" panose="02010600040101010101" pitchFamily="2" charset="-122"/>
+                <a:cs typeface="Times New Roman" panose="02020603050405020304" pitchFamily="18" charset="0"/>
+              </a:rPr>
+              <a:t>– CA</a:t>
             </a:r>
             <a:r>
               <a:rPr lang="zh-CN" altLang="en-US" sz="1600" dirty="0">
-                <a:latin typeface="华文细黑" panose="02010600040101010101" pitchFamily="2" charset="-122"/>
-                <a:ea typeface="华文细黑" panose="02010600040101010101" pitchFamily="2" charset="-122"/>
-              </a:rPr>
-              <a:t>、</a:t>
-            </a:r>
-            <a:r>
-              <a:rPr lang="en-US" altLang="zh-CN" sz="1600" dirty="0" err="1">
-                <a:latin typeface="华文细黑" panose="02010600040101010101" pitchFamily="2" charset="-122"/>
-                <a:ea typeface="华文细黑" panose="02010600040101010101" pitchFamily="2" charset="-122"/>
-              </a:rPr>
-              <a:t>alloc</a:t>
+                <a:latin typeface="Times New Roman" panose="02020603050405020304" pitchFamily="18" charset="0"/>
+                <a:ea typeface="华文细黑" panose="02010600040101010101" pitchFamily="2" charset="-122"/>
+                <a:cs typeface="Times New Roman" panose="02020603050405020304" pitchFamily="18" charset="0"/>
+              </a:rPr>
+              <a:t>：已取消，</a:t>
+            </a:r>
+            <a:r>
+              <a:rPr lang="en-US" altLang="zh-CN" sz="1600" dirty="0">
+                <a:latin typeface="Times New Roman" panose="02020603050405020304" pitchFamily="18" charset="0"/>
+                <a:ea typeface="华文细黑" panose="02010600040101010101" pitchFamily="2" charset="-122"/>
+                <a:cs typeface="Times New Roman" panose="02020603050405020304" pitchFamily="18" charset="0"/>
+              </a:rPr>
+              <a:t>CANCELLED</a:t>
+            </a:r>
+          </a:p>
+          <a:p>
+            <a:r>
+              <a:rPr lang="en-US" altLang="zh-CN" sz="1600" dirty="0">
+                <a:latin typeface="Times New Roman" panose="02020603050405020304" pitchFamily="18" charset="0"/>
+                <a:ea typeface="华文细黑" panose="02010600040101010101" pitchFamily="2" charset="-122"/>
+                <a:cs typeface="Times New Roman" panose="02020603050405020304" pitchFamily="18" charset="0"/>
+              </a:rPr>
+              <a:t>– CF</a:t>
             </a:r>
             <a:r>
               <a:rPr lang="zh-CN" altLang="en-US" sz="1600" dirty="0">
-                <a:latin typeface="华文细黑" panose="02010600040101010101" pitchFamily="2" charset="-122"/>
-                <a:ea typeface="华文细黑" panose="02010600040101010101" pitchFamily="2" charset="-122"/>
-              </a:rPr>
-              <a:t>：已分配                            </a:t>
+                <a:latin typeface="Times New Roman" panose="02020603050405020304" pitchFamily="18" charset="0"/>
+                <a:ea typeface="华文细黑" panose="02010600040101010101" pitchFamily="2" charset="-122"/>
+                <a:cs typeface="Times New Roman" panose="02020603050405020304" pitchFamily="18" charset="0"/>
+              </a:rPr>
+              <a:t>：配置中，</a:t>
             </a:r>
             <a:r>
               <a:rPr lang="en-US" altLang="zh-CN" sz="1600" dirty="0">
-                <a:latin typeface="华文细黑" panose="02010600040101010101" pitchFamily="2" charset="-122"/>
-                <a:ea typeface="华文细黑" panose="02010600040101010101" pitchFamily="2" charset="-122"/>
-              </a:rPr>
-              <a:t>– down</a:t>
+                <a:latin typeface="Times New Roman" panose="02020603050405020304" pitchFamily="18" charset="0"/>
+                <a:ea typeface="华文细黑" panose="02010600040101010101" pitchFamily="2" charset="-122"/>
+                <a:cs typeface="Times New Roman" panose="02020603050405020304" pitchFamily="18" charset="0"/>
+              </a:rPr>
+              <a:t>CONFIGURING</a:t>
+            </a:r>
+          </a:p>
+          <a:p>
+            <a:r>
+              <a:rPr lang="en-US" altLang="zh-CN" sz="1600" dirty="0">
+                <a:latin typeface="Times New Roman" panose="02020603050405020304" pitchFamily="18" charset="0"/>
+                <a:ea typeface="华文细黑" panose="02010600040101010101" pitchFamily="2" charset="-122"/>
+                <a:cs typeface="Times New Roman" panose="02020603050405020304" pitchFamily="18" charset="0"/>
+              </a:rPr>
+              <a:t>– CG</a:t>
             </a:r>
             <a:r>
               <a:rPr lang="zh-CN" altLang="en-US" sz="1600" dirty="0">
-                <a:latin typeface="华文细黑" panose="02010600040101010101" pitchFamily="2" charset="-122"/>
-                <a:ea typeface="华文细黑" panose="02010600040101010101" pitchFamily="2" charset="-122"/>
-              </a:rPr>
-              <a:t>：宕机                                          </a:t>
+                <a:latin typeface="Times New Roman" panose="02020603050405020304" pitchFamily="18" charset="0"/>
+                <a:ea typeface="华文细黑" panose="02010600040101010101" pitchFamily="2" charset="-122"/>
+                <a:cs typeface="Times New Roman" panose="02020603050405020304" pitchFamily="18" charset="0"/>
+              </a:rPr>
+              <a:t>：完成中，</a:t>
+            </a:r>
+            <a:r>
+              <a:rPr lang="en-US" altLang="zh-CN" sz="1600" dirty="0">
+                <a:latin typeface="Times New Roman" panose="02020603050405020304" pitchFamily="18" charset="0"/>
+                <a:ea typeface="华文细黑" panose="02010600040101010101" pitchFamily="2" charset="-122"/>
+                <a:cs typeface="Times New Roman" panose="02020603050405020304" pitchFamily="18" charset="0"/>
+              </a:rPr>
+              <a:t>COMPLETING</a:t>
+            </a:r>
+          </a:p>
+          <a:p>
+            <a:r>
+              <a:rPr lang="en-US" altLang="zh-CN" sz="1600" dirty="0">
+                <a:latin typeface="Times New Roman" panose="02020603050405020304" pitchFamily="18" charset="0"/>
+                <a:ea typeface="华文细黑" panose="02010600040101010101" pitchFamily="2" charset="-122"/>
+                <a:cs typeface="Times New Roman" panose="02020603050405020304" pitchFamily="18" charset="0"/>
+              </a:rPr>
+              <a:t>– CD</a:t>
+            </a:r>
+            <a:r>
+              <a:rPr lang="zh-CN" altLang="en-US" sz="1600" dirty="0">
+                <a:latin typeface="Times New Roman" panose="02020603050405020304" pitchFamily="18" charset="0"/>
+                <a:ea typeface="华文细黑" panose="02010600040101010101" pitchFamily="2" charset="-122"/>
+                <a:cs typeface="Times New Roman" panose="02020603050405020304" pitchFamily="18" charset="0"/>
+              </a:rPr>
+              <a:t>：已完成，</a:t>
+            </a:r>
+            <a:r>
+              <a:rPr lang="en-US" altLang="zh-CN" sz="1600" dirty="0">
+                <a:latin typeface="Times New Roman" panose="02020603050405020304" pitchFamily="18" charset="0"/>
+                <a:ea typeface="华文细黑" panose="02010600040101010101" pitchFamily="2" charset="-122"/>
+                <a:cs typeface="Times New Roman" panose="02020603050405020304" pitchFamily="18" charset="0"/>
+              </a:rPr>
+              <a:t>COMPLETED</a:t>
+            </a:r>
+            <a:r>
+              <a:rPr lang="zh-CN" altLang="en-US" sz="1600" dirty="0">
+                <a:latin typeface="Times New Roman" panose="02020603050405020304" pitchFamily="18" charset="0"/>
+                <a:ea typeface="华文细黑" panose="02010600040101010101" pitchFamily="2" charset="-122"/>
+                <a:cs typeface="Times New Roman" panose="02020603050405020304" pitchFamily="18" charset="0"/>
+              </a:rPr>
+              <a:t> </a:t>
             </a:r>
             <a:endParaRPr lang="en-US" altLang="zh-CN" sz="1600" dirty="0">
-              <a:latin typeface="华文细黑" panose="02010600040101010101" pitchFamily="2" charset="-122"/>
+              <a:latin typeface="Times New Roman" panose="02020603050405020304" pitchFamily="18" charset="0"/>
               <a:ea typeface="华文细黑" panose="02010600040101010101" pitchFamily="2" charset="-122"/>
+              <a:cs typeface="Times New Roman" panose="02020603050405020304" pitchFamily="18" charset="0"/>
             </a:endParaRPr>
           </a:p>
           <a:p>
             <a:r>
               <a:rPr lang="en-US" altLang="zh-CN" sz="1600" dirty="0">
-                <a:latin typeface="华文细黑" panose="02010600040101010101" pitchFamily="2" charset="-122"/>
-                <a:ea typeface="华文细黑" panose="02010600040101010101" pitchFamily="2" charset="-122"/>
-              </a:rPr>
-              <a:t>– idle</a:t>
+                <a:latin typeface="Times New Roman" panose="02020603050405020304" pitchFamily="18" charset="0"/>
+                <a:ea typeface="华文细黑" panose="02010600040101010101" pitchFamily="2" charset="-122"/>
+                <a:cs typeface="Times New Roman" panose="02020603050405020304" pitchFamily="18" charset="0"/>
+              </a:rPr>
+              <a:t>– F</a:t>
             </a:r>
             <a:r>
               <a:rPr lang="zh-CN" altLang="en-US" sz="1600" dirty="0">
-                <a:latin typeface="华文细黑" panose="02010600040101010101" pitchFamily="2" charset="-122"/>
-                <a:ea typeface="华文细黑" panose="02010600040101010101" pitchFamily="2" charset="-122"/>
-              </a:rPr>
-              <a:t>：空闲，可以接收新作业                          </a:t>
+                <a:latin typeface="Times New Roman" panose="02020603050405020304" pitchFamily="18" charset="0"/>
+                <a:ea typeface="华文细黑" panose="02010600040101010101" pitchFamily="2" charset="-122"/>
+                <a:cs typeface="Times New Roman" panose="02020603050405020304" pitchFamily="18" charset="0"/>
+              </a:rPr>
+              <a:t>：已失败，</a:t>
             </a:r>
             <a:r>
               <a:rPr lang="en-US" altLang="zh-CN" sz="1600" dirty="0">
-                <a:latin typeface="华文细黑" panose="02010600040101010101" pitchFamily="2" charset="-122"/>
-                <a:ea typeface="华文细黑" panose="02010600040101010101" pitchFamily="2" charset="-122"/>
-              </a:rPr>
-              <a:t>– drained</a:t>
+                <a:latin typeface="Times New Roman" panose="02020603050405020304" pitchFamily="18" charset="0"/>
+                <a:ea typeface="华文细黑" panose="02010600040101010101" pitchFamily="2" charset="-122"/>
+                <a:cs typeface="Times New Roman" panose="02020603050405020304" pitchFamily="18" charset="0"/>
+              </a:rPr>
+              <a:t>FAILED</a:t>
             </a:r>
             <a:r>
               <a:rPr lang="zh-CN" altLang="en-US" sz="1600" dirty="0">
-                <a:latin typeface="华文细黑" panose="02010600040101010101" pitchFamily="2" charset="-122"/>
-                <a:ea typeface="华文细黑" panose="02010600040101010101" pitchFamily="2" charset="-122"/>
-              </a:rPr>
-              <a:t>、</a:t>
-            </a:r>
+                <a:latin typeface="Times New Roman" panose="02020603050405020304" pitchFamily="18" charset="0"/>
+                <a:ea typeface="华文细黑" panose="02010600040101010101" pitchFamily="2" charset="-122"/>
+                <a:cs typeface="Times New Roman" panose="02020603050405020304" pitchFamily="18" charset="0"/>
+              </a:rPr>
+              <a:t> </a:t>
+            </a:r>
+            <a:endParaRPr lang="en-US" altLang="zh-CN" sz="1600" dirty="0">
+              <a:latin typeface="Times New Roman" panose="02020603050405020304" pitchFamily="18" charset="0"/>
+              <a:ea typeface="华文细黑" panose="02010600040101010101" pitchFamily="2" charset="-122"/>
+              <a:cs typeface="Times New Roman" panose="02020603050405020304" pitchFamily="18" charset="0"/>
+            </a:endParaRPr>
+          </a:p>
+          <a:p>
             <a:r>
               <a:rPr lang="en-US" altLang="zh-CN" sz="1600" dirty="0">
-                <a:latin typeface="华文细黑" panose="02010600040101010101" pitchFamily="2" charset="-122"/>
-                <a:ea typeface="华文细黑" panose="02010600040101010101" pitchFamily="2" charset="-122"/>
-              </a:rPr>
-              <a:t>drain</a:t>
+                <a:latin typeface="Times New Roman" panose="02020603050405020304" pitchFamily="18" charset="0"/>
+                <a:ea typeface="华文细黑" panose="02010600040101010101" pitchFamily="2" charset="-122"/>
+                <a:cs typeface="Times New Roman" panose="02020603050405020304" pitchFamily="18" charset="0"/>
+              </a:rPr>
+              <a:t>– TO</a:t>
             </a:r>
             <a:r>
               <a:rPr lang="zh-CN" altLang="en-US" sz="1600" dirty="0">
-                <a:latin typeface="华文细黑" panose="02010600040101010101" pitchFamily="2" charset="-122"/>
-                <a:ea typeface="华文细黑" panose="02010600040101010101" pitchFamily="2" charset="-122"/>
-              </a:rPr>
-              <a:t>：已失去活力 </a:t>
+                <a:latin typeface="Times New Roman" panose="02020603050405020304" pitchFamily="18" charset="0"/>
+                <a:ea typeface="华文细黑" panose="02010600040101010101" pitchFamily="2" charset="-122"/>
+                <a:cs typeface="Times New Roman" panose="02020603050405020304" pitchFamily="18" charset="0"/>
+              </a:rPr>
+              <a:t>：超时，</a:t>
+            </a:r>
+            <a:r>
+              <a:rPr lang="en-US" altLang="zh-CN" sz="1600" dirty="0">
+                <a:latin typeface="Times New Roman" panose="02020603050405020304" pitchFamily="18" charset="0"/>
+                <a:ea typeface="华文细黑" panose="02010600040101010101" pitchFamily="2" charset="-122"/>
+                <a:cs typeface="Times New Roman" panose="02020603050405020304" pitchFamily="18" charset="0"/>
+              </a:rPr>
+              <a:t>TIMEOUT</a:t>
+            </a:r>
+          </a:p>
+          <a:p>
+            <a:r>
+              <a:rPr lang="en-US" altLang="zh-CN" sz="1600" dirty="0">
+                <a:latin typeface="Times New Roman" panose="02020603050405020304" pitchFamily="18" charset="0"/>
+                <a:ea typeface="华文细黑" panose="02010600040101010101" pitchFamily="2" charset="-122"/>
+                <a:cs typeface="Times New Roman" panose="02020603050405020304" pitchFamily="18" charset="0"/>
+              </a:rPr>
+              <a:t>– NF</a:t>
+            </a:r>
+            <a:r>
+              <a:rPr lang="zh-CN" altLang="en-US" sz="1600" dirty="0">
+                <a:latin typeface="Times New Roman" panose="02020603050405020304" pitchFamily="18" charset="0"/>
+                <a:ea typeface="华文细黑" panose="02010600040101010101" pitchFamily="2" charset="-122"/>
+                <a:cs typeface="Times New Roman" panose="02020603050405020304" pitchFamily="18" charset="0"/>
+              </a:rPr>
+              <a:t>：节点失效，</a:t>
+            </a:r>
+            <a:r>
+              <a:rPr lang="en-US" altLang="zh-CN" sz="1600" dirty="0">
+                <a:latin typeface="Times New Roman" panose="02020603050405020304" pitchFamily="18" charset="0"/>
+                <a:ea typeface="华文细黑" panose="02010600040101010101" pitchFamily="2" charset="-122"/>
+                <a:cs typeface="Times New Roman" panose="02020603050405020304" pitchFamily="18" charset="0"/>
+              </a:rPr>
+              <a:t>NODE FAILURE</a:t>
+            </a:r>
+            <a:r>
+              <a:rPr lang="zh-CN" altLang="en-US" sz="1600" dirty="0">
+                <a:latin typeface="Times New Roman" panose="02020603050405020304" pitchFamily="18" charset="0"/>
+                <a:ea typeface="华文细黑" panose="02010600040101010101" pitchFamily="2" charset="-122"/>
+                <a:cs typeface="Times New Roman" panose="02020603050405020304" pitchFamily="18" charset="0"/>
+              </a:rPr>
+              <a:t> </a:t>
             </a:r>
             <a:endParaRPr lang="en-US" altLang="zh-CN" sz="1600" dirty="0">
-              <a:latin typeface="华文细黑" panose="02010600040101010101" pitchFamily="2" charset="-122"/>
+              <a:latin typeface="Times New Roman" panose="02020603050405020304" pitchFamily="18" charset="0"/>
               <a:ea typeface="华文细黑" panose="02010600040101010101" pitchFamily="2" charset="-122"/>
+              <a:cs typeface="Times New Roman" panose="02020603050405020304" pitchFamily="18" charset="0"/>
             </a:endParaRPr>
           </a:p>
           <a:p>
             <a:r>
               <a:rPr lang="en-US" altLang="zh-CN" sz="1600" dirty="0">
-                <a:latin typeface="华文细黑" panose="02010600040101010101" pitchFamily="2" charset="-122"/>
-                <a:ea typeface="华文细黑" panose="02010600040101010101" pitchFamily="2" charset="-122"/>
-              </a:rPr>
-              <a:t>– mixed</a:t>
+                <a:latin typeface="Times New Roman" panose="02020603050405020304" pitchFamily="18" charset="0"/>
+                <a:ea typeface="华文细黑" panose="02010600040101010101" pitchFamily="2" charset="-122"/>
+                <a:cs typeface="Times New Roman" panose="02020603050405020304" pitchFamily="18" charset="0"/>
+              </a:rPr>
+              <a:t>– SE</a:t>
             </a:r>
             <a:r>
               <a:rPr lang="zh-CN" altLang="en-US" sz="1600" dirty="0">
-                <a:latin typeface="华文细黑" panose="02010600040101010101" pitchFamily="2" charset="-122"/>
-                <a:ea typeface="华文细黑" panose="02010600040101010101" pitchFamily="2" charset="-122"/>
-              </a:rPr>
-              <a:t>：混合，节点在运行作业，但有些空闲</a:t>
+                <a:latin typeface="Times New Roman" panose="02020603050405020304" pitchFamily="18" charset="0"/>
+                <a:ea typeface="华文细黑" panose="02010600040101010101" pitchFamily="2" charset="-122"/>
+                <a:cs typeface="Times New Roman" panose="02020603050405020304" pitchFamily="18" charset="0"/>
+              </a:rPr>
+              <a:t>：特殊退出状态，</a:t>
             </a:r>
             <a:r>
               <a:rPr lang="en-US" altLang="zh-CN" sz="1600" dirty="0">
-                <a:latin typeface="华文细黑" panose="02010600040101010101" pitchFamily="2" charset="-122"/>
-                <a:ea typeface="华文细黑" panose="02010600040101010101" pitchFamily="2" charset="-122"/>
-              </a:rPr>
-              <a:t>CPU</a:t>
-            </a:r>
-            <a:r>
-              <a:rPr lang="zh-CN" altLang="en-US" sz="1600" dirty="0">
-                <a:latin typeface="华文细黑" panose="02010600040101010101" pitchFamily="2" charset="-122"/>
-                <a:ea typeface="华文细黑" panose="02010600040101010101" pitchFamily="2" charset="-122"/>
-              </a:rPr>
-              <a:t>核，可接受新作业。 </a:t>
-            </a:r>
-            <a:endParaRPr lang="en-US" altLang="zh-CN" sz="1600" dirty="0">
-              <a:latin typeface="华文细黑" panose="02010600040101010101" pitchFamily="2" charset="-122"/>
+                <a:latin typeface="Times New Roman" panose="02020603050405020304" pitchFamily="18" charset="0"/>
+                <a:ea typeface="华文细黑" panose="02010600040101010101" pitchFamily="2" charset="-122"/>
+                <a:cs typeface="Times New Roman" panose="02020603050405020304" pitchFamily="18" charset="0"/>
+              </a:rPr>
+              <a:t>SPECIAL EXIT STATE</a:t>
+            </a:r>
+            <a:endParaRPr lang="zh-CN" altLang="en-US" sz="1600" dirty="0">
+              <a:latin typeface="Times New Roman" panose="02020603050405020304" pitchFamily="18" charset="0"/>
               <a:ea typeface="华文细黑" panose="02010600040101010101" pitchFamily="2" charset="-122"/>
+              <a:cs typeface="Times New Roman" panose="02020603050405020304" pitchFamily="18" charset="0"/>
             </a:endParaRPr>
-          </a:p>
-          <a:p>
-            <a:r>
-              <a:rPr lang="en-US" altLang="zh-CN" sz="1600" dirty="0">
-                <a:latin typeface="华文细黑" panose="02010600040101010101" pitchFamily="2" charset="-122"/>
-                <a:ea typeface="华文细黑" panose="02010600040101010101" pitchFamily="2" charset="-122"/>
-              </a:rPr>
-              <a:t>– reserved</a:t>
-            </a:r>
-            <a:r>
-              <a:rPr lang="zh-CN" altLang="en-US" sz="1600" dirty="0">
-                <a:latin typeface="华文细黑" panose="02010600040101010101" pitchFamily="2" charset="-122"/>
-                <a:ea typeface="华文细黑" panose="02010600040101010101" pitchFamily="2" charset="-122"/>
-              </a:rPr>
-              <a:t>、</a:t>
-            </a:r>
-            <a:r>
-              <a:rPr lang="en-US" altLang="zh-CN" sz="1600" dirty="0" err="1">
-                <a:latin typeface="华文细黑" panose="02010600040101010101" pitchFamily="2" charset="-122"/>
-                <a:ea typeface="华文细黑" panose="02010600040101010101" pitchFamily="2" charset="-122"/>
-              </a:rPr>
-              <a:t>resv</a:t>
-            </a:r>
-            <a:r>
-              <a:rPr lang="zh-CN" altLang="en-US" sz="1600" dirty="0">
-                <a:latin typeface="华文细黑" panose="02010600040101010101" pitchFamily="2" charset="-122"/>
-                <a:ea typeface="华文细黑" panose="02010600040101010101" pitchFamily="2" charset="-122"/>
-              </a:rPr>
-              <a:t>：预留。</a:t>
-            </a:r>
           </a:p>
         </p:txBody>
       </p:sp>
     </p:spTree>
     <p:extLst>
       <p:ext uri="{BB962C8B-B14F-4D97-AF65-F5344CB8AC3E}">
-        <p14:creationId xmlns:p14="http://schemas.microsoft.com/office/powerpoint/2010/main" val="3740979773"/>
+        <p14:creationId xmlns:p14="http://schemas.microsoft.com/office/powerpoint/2010/main" val="1644306769"/>
       </p:ext>
     </p:extLst>
   </p:cSld>
@@ -13670,7 +14315,7 @@
         <p:spPr>
           <a:xfrm>
             <a:off x="1826288" y="344811"/>
-            <a:ext cx="2954655" cy="830997"/>
+            <a:ext cx="2031325" cy="830997"/>
           </a:xfrm>
           <a:prstGeom prst="rect">
             <a:avLst/>
@@ -13690,7 +14335,7 @@
                 <a:latin typeface="微软雅黑" panose="020B0503020204020204" pitchFamily="34" charset="-122"/>
                 <a:ea typeface="微软雅黑" panose="020B0503020204020204" pitchFamily="34" charset="-122"/>
               </a:rPr>
-              <a:t>查看队列，节点信息</a:t>
+              <a:t>查看作业信息</a:t>
             </a:r>
           </a:p>
           <a:p>
@@ -13706,10 +14351,10 @@
       </p:sp>
       <p:sp>
         <p:nvSpPr>
-          <p:cNvPr id="16" name="内容占位符 2">
+          <p:cNvPr id="11" name="内容占位符 2">
             <a:extLst>
               <a:ext uri="{FF2B5EF4-FFF2-40B4-BE49-F238E27FC236}">
-                <a16:creationId xmlns:a16="http://schemas.microsoft.com/office/drawing/2014/main" id="{3ADD7548-5671-4E1E-AAB7-A8CA35721C6A}"/>
+                <a16:creationId xmlns:a16="http://schemas.microsoft.com/office/drawing/2014/main" id="{51AA7A39-4937-4A11-9A5D-19BC347E29BC}"/>
               </a:ext>
             </a:extLst>
           </p:cNvPr>
@@ -13720,8 +14365,8 @@
         </p:nvSpPr>
         <p:spPr>
           <a:xfrm>
-            <a:off x="467545" y="1117776"/>
-            <a:ext cx="6192688" cy="943072"/>
+            <a:off x="578728" y="1288909"/>
+            <a:ext cx="1273642" cy="642176"/>
           </a:xfrm>
           <a:prstGeom prst="rect">
             <a:avLst/>
@@ -13870,7 +14515,7 @@
             <a:pPr marL="0" indent="0">
               <a:buNone/>
             </a:pPr>
-            <a:endParaRPr lang="zh-CN" altLang="en-US" sz="1600" dirty="0">
+            <a:endParaRPr lang="zh-CN" altLang="en-US" sz="2400" b="1" dirty="0">
               <a:latin typeface="微软雅黑" panose="020B0503020204020204" pitchFamily="34" charset="-122"/>
               <a:ea typeface="微软雅黑" panose="020B0503020204020204" pitchFamily="34" charset="-122"/>
             </a:endParaRPr>
@@ -13879,10 +14524,40 @@
       </p:sp>
       <p:sp>
         <p:nvSpPr>
-          <p:cNvPr id="13" name="矩形 12">
+          <p:cNvPr id="3" name="灯片编号占位符 2">
             <a:extLst>
               <a:ext uri="{FF2B5EF4-FFF2-40B4-BE49-F238E27FC236}">
-                <a16:creationId xmlns:a16="http://schemas.microsoft.com/office/drawing/2014/main" id="{1B53A0E7-49C9-487F-BC4F-9049EFB0BF75}"/>
+                <a16:creationId xmlns:a16="http://schemas.microsoft.com/office/drawing/2014/main" id="{EFF62842-4BEC-463D-B518-7616E9CA91A8}"/>
+              </a:ext>
+            </a:extLst>
+          </p:cNvPr>
+          <p:cNvSpPr>
+            <a:spLocks noGrp="1"/>
+          </p:cNvSpPr>
+          <p:nvPr>
+            <p:ph type="sldNum" sz="quarter" idx="12"/>
+          </p:nvPr>
+        </p:nvSpPr>
+        <p:spPr/>
+        <p:txBody>
+          <a:bodyPr/>
+          <a:lstStyle/>
+          <a:p>
+            <a:fld id="{6A5AA6DB-FE8F-44FC-AB8C-B3ACDBB5B927}" type="slidenum">
+              <a:rPr lang="zh-CN" altLang="en-US" smtClean="0"/>
+              <a:pPr/>
+              <a:t>8</a:t>
+            </a:fld>
+            <a:endParaRPr lang="zh-CN" altLang="en-US"/>
+          </a:p>
+        </p:txBody>
+      </p:sp>
+      <p:sp>
+        <p:nvSpPr>
+          <p:cNvPr id="2" name="矩形 1">
+            <a:extLst>
+              <a:ext uri="{FF2B5EF4-FFF2-40B4-BE49-F238E27FC236}">
+                <a16:creationId xmlns:a16="http://schemas.microsoft.com/office/drawing/2014/main" id="{370C4EBA-200B-4F4F-8797-7FC7587E8398}"/>
               </a:ext>
             </a:extLst>
           </p:cNvPr>
@@ -13892,14 +14567,14 @@
         <p:spPr>
           <a:xfrm>
             <a:off x="555950" y="948277"/>
-            <a:ext cx="4572000" cy="707886"/>
+            <a:ext cx="6968378" cy="707886"/>
           </a:xfrm>
           <a:prstGeom prst="rect">
             <a:avLst/>
           </a:prstGeom>
         </p:spPr>
         <p:txBody>
-          <a:bodyPr>
+          <a:bodyPr wrap="square">
             <a:spAutoFit/>
           </a:bodyPr>
           <a:lstStyle/>
@@ -13909,23 +14584,8 @@
                 <a:latin typeface="华文细黑" panose="02010600040101010101" pitchFamily="2" charset="-122"/>
                 <a:ea typeface="华文细黑" panose="02010600040101010101" pitchFamily="2" charset="-122"/>
               </a:rPr>
-              <a:t>查看账户关联用户及</a:t>
-            </a:r>
-            <a:r>
-              <a:rPr lang="en-US" altLang="zh-CN" sz="2000" b="1" dirty="0">
-                <a:latin typeface="华文细黑" panose="02010600040101010101" pitchFamily="2" charset="-122"/>
-                <a:ea typeface="华文细黑" panose="02010600040101010101" pitchFamily="2" charset="-122"/>
-              </a:rPr>
-              <a:t>QOS</a:t>
-            </a:r>
-            <a:r>
-              <a:rPr lang="zh-CN" altLang="en-US" sz="2000" b="1" dirty="0">
-                <a:latin typeface="华文细黑" panose="02010600040101010101" pitchFamily="2" charset="-122"/>
-                <a:ea typeface="华文细黑" panose="02010600040101010101" pitchFamily="2" charset="-122"/>
-              </a:rPr>
-              <a:t>限制</a:t>
-            </a:r>
-            <a:endParaRPr lang="en-US" altLang="zh-CN" sz="2000" b="1" dirty="0"/>
+              <a:t>实时作业详细信息</a:t>
+            </a:r>
           </a:p>
           <a:p>
             <a:r>
@@ -13933,7 +14593,7 @@
                 <a:latin typeface="华文细黑" panose="02010600040101010101" pitchFamily="2" charset="-122"/>
                 <a:ea typeface="华文细黑" panose="02010600040101010101" pitchFamily="2" charset="-122"/>
               </a:rPr>
-              <a:t>命令 </a:t>
+              <a:t>命令  </a:t>
             </a:r>
             <a:r>
               <a:rPr lang="en-US" altLang="zh-CN" sz="2000" b="1" dirty="0" err="1">
@@ -13943,7 +14603,7 @@
                 <a:latin typeface="华文细黑" panose="02010600040101010101" pitchFamily="2" charset="-122"/>
                 <a:ea typeface="华文细黑" panose="02010600040101010101" pitchFamily="2" charset="-122"/>
               </a:rPr>
-              <a:t>sacctmgr</a:t>
+              <a:t>scontrol</a:t>
             </a:r>
             <a:r>
               <a:rPr lang="en-US" altLang="zh-CN" sz="2000" b="1" dirty="0">
@@ -13953,34 +14613,17 @@
                 <a:latin typeface="华文细黑" panose="02010600040101010101" pitchFamily="2" charset="-122"/>
                 <a:ea typeface="华文细黑" panose="02010600040101010101" pitchFamily="2" charset="-122"/>
               </a:rPr>
-              <a:t> list </a:t>
-            </a:r>
-            <a:r>
-              <a:rPr lang="en-US" altLang="zh-CN" sz="2000" b="1" dirty="0" err="1">
-                <a:solidFill>
-                  <a:srgbClr val="FF0000"/>
-                </a:solidFill>
-                <a:latin typeface="华文细黑" panose="02010600040101010101" pitchFamily="2" charset="-122"/>
-                <a:ea typeface="华文细黑" panose="02010600040101010101" pitchFamily="2" charset="-122"/>
-              </a:rPr>
-              <a:t>assoc</a:t>
-            </a:r>
-            <a:endParaRPr lang="en-US" altLang="zh-CN" sz="2000" b="1" dirty="0">
-              <a:solidFill>
-                <a:srgbClr val="FF0000"/>
-              </a:solidFill>
-              <a:latin typeface="华文细黑" panose="02010600040101010101" pitchFamily="2" charset="-122"/>
-              <a:ea typeface="华文细黑" panose="02010600040101010101" pitchFamily="2" charset="-122"/>
-            </a:endParaRPr>
+              <a:t> show job </a:t>
+            </a:r>
           </a:p>
         </p:txBody>
       </p:sp>
       <p:pic>
         <p:nvPicPr>
-          <p:cNvPr id="2" name="图片 1">
+          <p:cNvPr id="5" name="图片 4">
             <a:extLst>
               <a:ext uri="{FF2B5EF4-FFF2-40B4-BE49-F238E27FC236}">
-                <a16:creationId xmlns:a16="http://schemas.microsoft.com/office/drawing/2014/main" id="{35232D59-EC51-43D3-8422-BB64FBC23F20}"/>
+                <a16:creationId xmlns:a16="http://schemas.microsoft.com/office/drawing/2014/main" id="{73CC53A3-B76F-44FD-8EBD-F1EB7CAEDFF0}"/>
               </a:ext>
             </a:extLst>
           </p:cNvPr>
@@ -13997,171 +14640,18 @@
         </p:blipFill>
         <p:spPr>
           <a:xfrm>
-            <a:off x="0" y="2187307"/>
-            <a:ext cx="9144000" cy="3545633"/>
+            <a:off x="1073845" y="1677594"/>
+            <a:ext cx="6447433" cy="4854943"/>
           </a:xfrm>
           <a:prstGeom prst="rect">
             <a:avLst/>
           </a:prstGeom>
         </p:spPr>
       </p:pic>
-      <p:sp>
-        <p:nvSpPr>
-          <p:cNvPr id="12" name="文本框 11">
-            <a:extLst>
-              <a:ext uri="{FF2B5EF4-FFF2-40B4-BE49-F238E27FC236}">
-                <a16:creationId xmlns:a16="http://schemas.microsoft.com/office/drawing/2014/main" id="{A73DEF02-EEF1-41A7-B545-B979C50B2D4A}"/>
-              </a:ext>
-            </a:extLst>
-          </p:cNvPr>
-          <p:cNvSpPr txBox="1"/>
-          <p:nvPr/>
-        </p:nvSpPr>
-        <p:spPr>
-          <a:xfrm>
-            <a:off x="4644008" y="5769272"/>
-            <a:ext cx="1224136" cy="338554"/>
-          </a:xfrm>
-          <a:prstGeom prst="rect">
-            <a:avLst/>
-          </a:prstGeom>
-          <a:noFill/>
-        </p:spPr>
-        <p:txBody>
-          <a:bodyPr wrap="square" rtlCol="0">
-            <a:spAutoFit/>
-          </a:bodyPr>
-          <a:lstStyle/>
-          <a:p>
-            <a:r>
-              <a:rPr lang="zh-CN" altLang="en-US" sz="1600" dirty="0">
-                <a:solidFill>
-                  <a:srgbClr val="FF0000"/>
-                </a:solidFill>
-                <a:latin typeface="华文细黑" panose="02010600040101010101" pitchFamily="2" charset="-122"/>
-                <a:ea typeface="华文细黑" panose="02010600040101010101" pitchFamily="2" charset="-122"/>
-              </a:rPr>
-              <a:t>时间限制</a:t>
-            </a:r>
-          </a:p>
-        </p:txBody>
-      </p:sp>
-      <p:sp>
-        <p:nvSpPr>
-          <p:cNvPr id="14" name="文本框 13">
-            <a:extLst>
-              <a:ext uri="{FF2B5EF4-FFF2-40B4-BE49-F238E27FC236}">
-                <a16:creationId xmlns:a16="http://schemas.microsoft.com/office/drawing/2014/main" id="{C6C3D901-92BA-46B4-8526-19E7070ECD94}"/>
-              </a:ext>
-            </a:extLst>
-          </p:cNvPr>
-          <p:cNvSpPr txBox="1"/>
-          <p:nvPr/>
-        </p:nvSpPr>
-        <p:spPr>
-          <a:xfrm>
-            <a:off x="6372200" y="5740446"/>
-            <a:ext cx="1763216" cy="338554"/>
-          </a:xfrm>
-          <a:prstGeom prst="rect">
-            <a:avLst/>
-          </a:prstGeom>
-          <a:noFill/>
-        </p:spPr>
-        <p:txBody>
-          <a:bodyPr wrap="square" rtlCol="0">
-            <a:spAutoFit/>
-          </a:bodyPr>
-          <a:lstStyle/>
-          <a:p>
-            <a:r>
-              <a:rPr lang="zh-CN" altLang="en-US" sz="1600" dirty="0">
-                <a:solidFill>
-                  <a:srgbClr val="FF0000"/>
-                </a:solidFill>
-                <a:latin typeface="华文细黑" panose="02010600040101010101" pitchFamily="2" charset="-122"/>
-                <a:ea typeface="华文细黑" panose="02010600040101010101" pitchFamily="2" charset="-122"/>
-              </a:rPr>
-              <a:t>最大运行任务数</a:t>
-            </a:r>
-          </a:p>
-        </p:txBody>
-      </p:sp>
-      <p:sp>
-        <p:nvSpPr>
-          <p:cNvPr id="15" name="文本框 14">
-            <a:extLst>
-              <a:ext uri="{FF2B5EF4-FFF2-40B4-BE49-F238E27FC236}">
-                <a16:creationId xmlns:a16="http://schemas.microsoft.com/office/drawing/2014/main" id="{8FEA9614-2D1F-48ED-9FA5-151DA9C88D4B}"/>
-              </a:ext>
-            </a:extLst>
-          </p:cNvPr>
-          <p:cNvSpPr txBox="1"/>
-          <p:nvPr/>
-        </p:nvSpPr>
-        <p:spPr>
-          <a:xfrm>
-            <a:off x="107504" y="5769272"/>
-            <a:ext cx="1224136" cy="338554"/>
-          </a:xfrm>
-          <a:prstGeom prst="rect">
-            <a:avLst/>
-          </a:prstGeom>
-          <a:noFill/>
-        </p:spPr>
-        <p:txBody>
-          <a:bodyPr wrap="square" rtlCol="0">
-            <a:spAutoFit/>
-          </a:bodyPr>
-          <a:lstStyle/>
-          <a:p>
-            <a:r>
-              <a:rPr lang="zh-CN" altLang="en-US" sz="1600" dirty="0">
-                <a:solidFill>
-                  <a:srgbClr val="FF0000"/>
-                </a:solidFill>
-                <a:latin typeface="华文细黑" panose="02010600040101010101" pitchFamily="2" charset="-122"/>
-                <a:ea typeface="华文细黑" panose="02010600040101010101" pitchFamily="2" charset="-122"/>
-              </a:rPr>
-              <a:t>优先级</a:t>
-            </a:r>
-          </a:p>
-        </p:txBody>
-      </p:sp>
-      <p:sp>
-        <p:nvSpPr>
-          <p:cNvPr id="6" name="灯片编号占位符 5">
-            <a:extLst>
-              <a:ext uri="{FF2B5EF4-FFF2-40B4-BE49-F238E27FC236}">
-                <a16:creationId xmlns:a16="http://schemas.microsoft.com/office/drawing/2014/main" id="{D05A9567-8EE5-4886-AA9E-D6EE023C9906}"/>
-              </a:ext>
-            </a:extLst>
-          </p:cNvPr>
-          <p:cNvSpPr>
-            <a:spLocks noGrp="1"/>
-          </p:cNvSpPr>
-          <p:nvPr>
-            <p:ph type="sldNum" sz="quarter" idx="12"/>
-          </p:nvPr>
-        </p:nvSpPr>
-        <p:spPr/>
-        <p:txBody>
-          <a:bodyPr/>
-          <a:lstStyle/>
-          <a:p>
-            <a:fld id="{6A5AA6DB-FE8F-44FC-AB8C-B3ACDBB5B927}" type="slidenum">
-              <a:rPr lang="zh-CN" altLang="en-US" smtClean="0"/>
-              <a:pPr/>
-              <a:t>8</a:t>
-            </a:fld>
-            <a:endParaRPr lang="zh-CN" altLang="en-US"/>
-          </a:p>
-        </p:txBody>
-      </p:sp>
     </p:spTree>
     <p:extLst>
       <p:ext uri="{BB962C8B-B14F-4D97-AF65-F5344CB8AC3E}">
-        <p14:creationId xmlns:p14="http://schemas.microsoft.com/office/powerpoint/2010/main" val="1144680012"/>
+        <p14:creationId xmlns:p14="http://schemas.microsoft.com/office/powerpoint/2010/main" val="3031085894"/>
       </p:ext>
     </p:extLst>
   </p:cSld>
@@ -14323,7 +14813,7 @@
         <p:spPr>
           <a:xfrm>
             <a:off x="1826288" y="344811"/>
-            <a:ext cx="2954655" cy="830997"/>
+            <a:ext cx="2031325" cy="830997"/>
           </a:xfrm>
           <a:prstGeom prst="rect">
             <a:avLst/>
@@ -14343,7 +14833,7 @@
                 <a:latin typeface="微软雅黑" panose="020B0503020204020204" pitchFamily="34" charset="-122"/>
                 <a:ea typeface="微软雅黑" panose="020B0503020204020204" pitchFamily="34" charset="-122"/>
               </a:rPr>
-              <a:t>查看队列，节点信息</a:t>
+              <a:t>查看作业信息</a:t>
             </a:r>
           </a:p>
           <a:p>
@@ -14359,10 +14849,213 @@
       </p:sp>
       <p:sp>
         <p:nvSpPr>
-          <p:cNvPr id="13" name="矩形 12">
+          <p:cNvPr id="11" name="内容占位符 2">
             <a:extLst>
               <a:ext uri="{FF2B5EF4-FFF2-40B4-BE49-F238E27FC236}">
-                <a16:creationId xmlns:a16="http://schemas.microsoft.com/office/drawing/2014/main" id="{1B53A0E7-49C9-487F-BC4F-9049EFB0BF75}"/>
+                <a16:creationId xmlns:a16="http://schemas.microsoft.com/office/drawing/2014/main" id="{51AA7A39-4937-4A11-9A5D-19BC347E29BC}"/>
+              </a:ext>
+            </a:extLst>
+          </p:cNvPr>
+          <p:cNvSpPr txBox="1">
+            <a:spLocks/>
+          </p:cNvSpPr>
+          <p:nvPr/>
+        </p:nvSpPr>
+        <p:spPr>
+          <a:xfrm>
+            <a:off x="578728" y="1288909"/>
+            <a:ext cx="1273642" cy="642176"/>
+          </a:xfrm>
+          <a:prstGeom prst="rect">
+            <a:avLst/>
+          </a:prstGeom>
+        </p:spPr>
+        <p:txBody>
+          <a:bodyPr/>
+          <a:lstStyle>
+            <a:lvl1pPr marL="342900" indent="-342900" algn="l" defTabSz="914400" rtl="0" eaLnBrk="1" latinLnBrk="0" hangingPunct="1">
+              <a:spcBef>
+                <a:spcPct val="20000"/>
+              </a:spcBef>
+              <a:buFont typeface="Arial" pitchFamily="34" charset="0"/>
+              <a:buChar char="•"/>
+              <a:defRPr sz="3200" kern="1200">
+                <a:solidFill>
+                  <a:schemeClr val="tx1"/>
+                </a:solidFill>
+                <a:latin typeface="+mn-lt"/>
+                <a:ea typeface="+mn-ea"/>
+                <a:cs typeface="+mn-cs"/>
+              </a:defRPr>
+            </a:lvl1pPr>
+            <a:lvl2pPr marL="742950" indent="-285750" algn="l" defTabSz="914400" rtl="0" eaLnBrk="1" latinLnBrk="0" hangingPunct="1">
+              <a:spcBef>
+                <a:spcPct val="20000"/>
+              </a:spcBef>
+              <a:buFont typeface="Arial" pitchFamily="34" charset="0"/>
+              <a:buChar char="–"/>
+              <a:defRPr sz="2800" kern="1200">
+                <a:solidFill>
+                  <a:schemeClr val="tx1"/>
+                </a:solidFill>
+                <a:latin typeface="+mn-lt"/>
+                <a:ea typeface="+mn-ea"/>
+                <a:cs typeface="+mn-cs"/>
+              </a:defRPr>
+            </a:lvl2pPr>
+            <a:lvl3pPr marL="1143000" indent="-228600" algn="l" defTabSz="914400" rtl="0" eaLnBrk="1" latinLnBrk="0" hangingPunct="1">
+              <a:spcBef>
+                <a:spcPct val="20000"/>
+              </a:spcBef>
+              <a:buFont typeface="Arial" pitchFamily="34" charset="0"/>
+              <a:buChar char="•"/>
+              <a:defRPr sz="2400" kern="1200">
+                <a:solidFill>
+                  <a:schemeClr val="tx1"/>
+                </a:solidFill>
+                <a:latin typeface="+mn-lt"/>
+                <a:ea typeface="+mn-ea"/>
+                <a:cs typeface="+mn-cs"/>
+              </a:defRPr>
+            </a:lvl3pPr>
+            <a:lvl4pPr marL="1600200" indent="-228600" algn="l" defTabSz="914400" rtl="0" eaLnBrk="1" latinLnBrk="0" hangingPunct="1">
+              <a:spcBef>
+                <a:spcPct val="20000"/>
+              </a:spcBef>
+              <a:buFont typeface="Arial" pitchFamily="34" charset="0"/>
+              <a:buChar char="–"/>
+              <a:defRPr sz="2000" kern="1200">
+                <a:solidFill>
+                  <a:schemeClr val="tx1"/>
+                </a:solidFill>
+                <a:latin typeface="+mn-lt"/>
+                <a:ea typeface="+mn-ea"/>
+                <a:cs typeface="+mn-cs"/>
+              </a:defRPr>
+            </a:lvl4pPr>
+            <a:lvl5pPr marL="2057400" indent="-228600" algn="l" defTabSz="914400" rtl="0" eaLnBrk="1" latinLnBrk="0" hangingPunct="1">
+              <a:spcBef>
+                <a:spcPct val="20000"/>
+              </a:spcBef>
+              <a:buFont typeface="Arial" pitchFamily="34" charset="0"/>
+              <a:buChar char="»"/>
+              <a:defRPr sz="2000" kern="1200">
+                <a:solidFill>
+                  <a:schemeClr val="tx1"/>
+                </a:solidFill>
+                <a:latin typeface="+mn-lt"/>
+                <a:ea typeface="+mn-ea"/>
+                <a:cs typeface="+mn-cs"/>
+              </a:defRPr>
+            </a:lvl5pPr>
+            <a:lvl6pPr marL="2514600" indent="-228600" algn="l" defTabSz="914400" rtl="0" eaLnBrk="1" latinLnBrk="0" hangingPunct="1">
+              <a:spcBef>
+                <a:spcPct val="20000"/>
+              </a:spcBef>
+              <a:buFont typeface="Arial" pitchFamily="34" charset="0"/>
+              <a:buChar char="•"/>
+              <a:defRPr sz="2000" kern="1200">
+                <a:solidFill>
+                  <a:schemeClr val="tx1"/>
+                </a:solidFill>
+                <a:latin typeface="+mn-lt"/>
+                <a:ea typeface="+mn-ea"/>
+                <a:cs typeface="+mn-cs"/>
+              </a:defRPr>
+            </a:lvl6pPr>
+            <a:lvl7pPr marL="2971800" indent="-228600" algn="l" defTabSz="914400" rtl="0" eaLnBrk="1" latinLnBrk="0" hangingPunct="1">
+              <a:spcBef>
+                <a:spcPct val="20000"/>
+              </a:spcBef>
+              <a:buFont typeface="Arial" pitchFamily="34" charset="0"/>
+              <a:buChar char="•"/>
+              <a:defRPr sz="2000" kern="1200">
+                <a:solidFill>
+                  <a:schemeClr val="tx1"/>
+                </a:solidFill>
+                <a:latin typeface="+mn-lt"/>
+                <a:ea typeface="+mn-ea"/>
+                <a:cs typeface="+mn-cs"/>
+              </a:defRPr>
+            </a:lvl7pPr>
+            <a:lvl8pPr marL="3429000" indent="-228600" algn="l" defTabSz="914400" rtl="0" eaLnBrk="1" latinLnBrk="0" hangingPunct="1">
+              <a:spcBef>
+                <a:spcPct val="20000"/>
+              </a:spcBef>
+              <a:buFont typeface="Arial" pitchFamily="34" charset="0"/>
+              <a:buChar char="•"/>
+              <a:defRPr sz="2000" kern="1200">
+                <a:solidFill>
+                  <a:schemeClr val="tx1"/>
+                </a:solidFill>
+                <a:latin typeface="+mn-lt"/>
+                <a:ea typeface="+mn-ea"/>
+                <a:cs typeface="+mn-cs"/>
+              </a:defRPr>
+            </a:lvl8pPr>
+            <a:lvl9pPr marL="3886200" indent="-228600" algn="l" defTabSz="914400" rtl="0" eaLnBrk="1" latinLnBrk="0" hangingPunct="1">
+              <a:spcBef>
+                <a:spcPct val="20000"/>
+              </a:spcBef>
+              <a:buFont typeface="Arial" pitchFamily="34" charset="0"/>
+              <a:buChar char="•"/>
+              <a:defRPr sz="2000" kern="1200">
+                <a:solidFill>
+                  <a:schemeClr val="tx1"/>
+                </a:solidFill>
+                <a:latin typeface="+mn-lt"/>
+                <a:ea typeface="+mn-ea"/>
+                <a:cs typeface="+mn-cs"/>
+              </a:defRPr>
+            </a:lvl9pPr>
+          </a:lstStyle>
+          <a:p>
+            <a:pPr marL="0" indent="0">
+              <a:buNone/>
+            </a:pPr>
+            <a:endParaRPr lang="zh-CN" altLang="en-US" sz="2400" b="1" dirty="0">
+              <a:latin typeface="微软雅黑" panose="020B0503020204020204" pitchFamily="34" charset="-122"/>
+              <a:ea typeface="微软雅黑" panose="020B0503020204020204" pitchFamily="34" charset="-122"/>
+            </a:endParaRPr>
+          </a:p>
+        </p:txBody>
+      </p:sp>
+      <p:sp>
+        <p:nvSpPr>
+          <p:cNvPr id="3" name="灯片编号占位符 2">
+            <a:extLst>
+              <a:ext uri="{FF2B5EF4-FFF2-40B4-BE49-F238E27FC236}">
+                <a16:creationId xmlns:a16="http://schemas.microsoft.com/office/drawing/2014/main" id="{EFF62842-4BEC-463D-B518-7616E9CA91A8}"/>
+              </a:ext>
+            </a:extLst>
+          </p:cNvPr>
+          <p:cNvSpPr>
+            <a:spLocks noGrp="1"/>
+          </p:cNvSpPr>
+          <p:nvPr>
+            <p:ph type="sldNum" sz="quarter" idx="12"/>
+          </p:nvPr>
+        </p:nvSpPr>
+        <p:spPr/>
+        <p:txBody>
+          <a:bodyPr/>
+          <a:lstStyle/>
+          <a:p>
+            <a:fld id="{6A5AA6DB-FE8F-44FC-AB8C-B3ACDBB5B927}" type="slidenum">
+              <a:rPr lang="zh-CN" altLang="en-US" smtClean="0"/>
+              <a:pPr/>
+              <a:t>9</a:t>
+            </a:fld>
+            <a:endParaRPr lang="zh-CN" altLang="en-US"/>
+          </a:p>
+        </p:txBody>
+      </p:sp>
+      <p:sp>
+        <p:nvSpPr>
+          <p:cNvPr id="2" name="矩形 1">
+            <a:extLst>
+              <a:ext uri="{FF2B5EF4-FFF2-40B4-BE49-F238E27FC236}">
+                <a16:creationId xmlns:a16="http://schemas.microsoft.com/office/drawing/2014/main" id="{370C4EBA-200B-4F4F-8797-7FC7587E8398}"/>
               </a:ext>
             </a:extLst>
           </p:cNvPr>
@@ -14371,8 +15064,8 @@
         </p:nvSpPr>
         <p:spPr>
           <a:xfrm>
-            <a:off x="555950" y="948277"/>
-            <a:ext cx="7040386" cy="1292662"/>
+            <a:off x="651622" y="1179819"/>
+            <a:ext cx="6968378" cy="400110"/>
           </a:xfrm>
           <a:prstGeom prst="rect">
             <a:avLst/>
@@ -14389,93 +15082,108 @@
                 <a:latin typeface="华文细黑" panose="02010600040101010101" pitchFamily="2" charset="-122"/>
                 <a:ea typeface="华文细黑" panose="02010600040101010101" pitchFamily="2" charset="-122"/>
               </a:rPr>
-              <a:t>查看详细节点信息</a:t>
+              <a:t>小技巧</a:t>
             </a:r>
             <a:endParaRPr lang="en-US" altLang="zh-CN" sz="2000" b="1" dirty="0">
               <a:latin typeface="华文细黑" panose="02010600040101010101" pitchFamily="2" charset="-122"/>
               <a:ea typeface="华文细黑" panose="02010600040101010101" pitchFamily="2" charset="-122"/>
             </a:endParaRPr>
           </a:p>
-          <a:p>
+        </p:txBody>
+      </p:sp>
+      <p:sp>
+        <p:nvSpPr>
+          <p:cNvPr id="12" name="矩形 11">
+            <a:extLst>
+              <a:ext uri="{FF2B5EF4-FFF2-40B4-BE49-F238E27FC236}">
+                <a16:creationId xmlns:a16="http://schemas.microsoft.com/office/drawing/2014/main" id="{A190F483-21BD-4680-89E8-063C8C8F0F3E}"/>
+              </a:ext>
+            </a:extLst>
+          </p:cNvPr>
+          <p:cNvSpPr/>
+          <p:nvPr/>
+        </p:nvSpPr>
+        <p:spPr>
+          <a:xfrm>
+            <a:off x="651622" y="1680832"/>
+            <a:ext cx="6656682" cy="707886"/>
+          </a:xfrm>
+          <a:prstGeom prst="rect">
+            <a:avLst/>
+          </a:prstGeom>
+        </p:spPr>
+        <p:txBody>
+          <a:bodyPr wrap="square">
+            <a:spAutoFit/>
+          </a:bodyPr>
+          <a:lstStyle/>
+          <a:p>
+            <a:pPr marL="342900" indent="-342900">
+              <a:buFont typeface="Arial" panose="020B0604020202020204" pitchFamily="34" charset="0"/>
+              <a:buChar char="•"/>
+            </a:pPr>
             <a:r>
               <a:rPr lang="zh-CN" altLang="en-US" sz="2000" dirty="0">
                 <a:latin typeface="华文细黑" panose="02010600040101010101" pitchFamily="2" charset="-122"/>
                 <a:ea typeface="华文细黑" panose="02010600040101010101" pitchFamily="2" charset="-122"/>
               </a:rPr>
-              <a:t>命令 </a:t>
-            </a:r>
-            <a:r>
-              <a:rPr lang="en-US" altLang="zh-CN" sz="2000" b="1" dirty="0" err="1">
-                <a:solidFill>
-                  <a:srgbClr val="FF0000"/>
-                </a:solidFill>
+              <a:t>将以下命令写入 </a:t>
+            </a:r>
+            <a:r>
+              <a:rPr lang="en-US" altLang="zh-CN" sz="2000" dirty="0">
                 <a:latin typeface="华文细黑" panose="02010600040101010101" pitchFamily="2" charset="-122"/>
                 <a:ea typeface="华文细黑" panose="02010600040101010101" pitchFamily="2" charset="-122"/>
               </a:rPr>
-              <a:t>scontrol</a:t>
-            </a:r>
-            <a:r>
-              <a:rPr lang="en-US" altLang="zh-CN" sz="2000" b="1" dirty="0">
-                <a:solidFill>
-                  <a:srgbClr val="FF0000"/>
-                </a:solidFill>
+              <a:t>.</a:t>
+            </a:r>
+            <a:r>
+              <a:rPr lang="en-US" altLang="zh-CN" sz="2000" dirty="0" err="1">
                 <a:latin typeface="华文细黑" panose="02010600040101010101" pitchFamily="2" charset="-122"/>
                 <a:ea typeface="华文细黑" panose="02010600040101010101" pitchFamily="2" charset="-122"/>
               </a:rPr>
-              <a:t> show node</a:t>
-            </a:r>
-          </a:p>
-          <a:p>
-            <a:endParaRPr lang="en-US" altLang="zh-CN" sz="2000" b="1" dirty="0">
-              <a:solidFill>
-                <a:srgbClr val="FF0000"/>
-              </a:solidFill>
+              <a:t>bashrc</a:t>
+            </a:r>
+            <a:r>
+              <a:rPr lang="zh-CN" altLang="en-US" sz="2000" dirty="0">
+                <a:latin typeface="华文细黑" panose="02010600040101010101" pitchFamily="2" charset="-122"/>
+                <a:ea typeface="华文细黑" panose="02010600040101010101" pitchFamily="2" charset="-122"/>
+              </a:rPr>
+              <a:t>文件，然后 </a:t>
+            </a:r>
+            <a:r>
+              <a:rPr lang="en-US" altLang="zh-CN" sz="2000" dirty="0">
+                <a:latin typeface="华文细黑" panose="02010600040101010101" pitchFamily="2" charset="-122"/>
+                <a:ea typeface="华文细黑" panose="02010600040101010101" pitchFamily="2" charset="-122"/>
+              </a:rPr>
+              <a:t>source .</a:t>
+            </a:r>
+            <a:r>
+              <a:rPr lang="en-US" altLang="zh-CN" sz="2000" dirty="0" err="1">
+                <a:latin typeface="华文细黑" panose="02010600040101010101" pitchFamily="2" charset="-122"/>
+                <a:ea typeface="华文细黑" panose="02010600040101010101" pitchFamily="2" charset="-122"/>
+              </a:rPr>
+              <a:t>bashrc</a:t>
+            </a:r>
+            <a:r>
+              <a:rPr lang="zh-CN" altLang="en-US" sz="2000" dirty="0">
+                <a:latin typeface="华文细黑" panose="02010600040101010101" pitchFamily="2" charset="-122"/>
+                <a:ea typeface="华文细黑" panose="02010600040101010101" pitchFamily="2" charset="-122"/>
+              </a:rPr>
+              <a:t>可使命令简化，其他类似。</a:t>
+            </a:r>
+            <a:endParaRPr lang="en-US" altLang="zh-CN" sz="2000" dirty="0">
               <a:latin typeface="华文细黑" panose="02010600040101010101" pitchFamily="2" charset="-122"/>
               <a:ea typeface="华文细黑" panose="02010600040101010101" pitchFamily="2" charset="-122"/>
             </a:endParaRPr>
           </a:p>
-          <a:p>
-            <a:pPr marL="285750" indent="-285750">
-              <a:buFont typeface="Arial" panose="020B0604020202020204" pitchFamily="34" charset="0"/>
-              <a:buChar char="•"/>
-            </a:pPr>
-            <a:r>
-              <a:rPr lang="en-US" altLang="zh-CN" dirty="0" err="1">
-                <a:latin typeface="华文细黑" panose="02010600040101010101" pitchFamily="2" charset="-122"/>
-                <a:ea typeface="华文细黑" panose="02010600040101010101" pitchFamily="2" charset="-122"/>
-              </a:rPr>
-              <a:t>scontrol</a:t>
-            </a:r>
-            <a:r>
-              <a:rPr lang="en-US" altLang="zh-CN" dirty="0">
-                <a:latin typeface="华文细黑" panose="02010600040101010101" pitchFamily="2" charset="-122"/>
-                <a:ea typeface="华文细黑" panose="02010600040101010101" pitchFamily="2" charset="-122"/>
-              </a:rPr>
-              <a:t> show node NODENAME</a:t>
-            </a:r>
-            <a:r>
-              <a:rPr lang="zh-CN" altLang="en-US" dirty="0">
-                <a:latin typeface="华文细黑" panose="02010600040101010101" pitchFamily="2" charset="-122"/>
-                <a:ea typeface="华文细黑" panose="02010600040101010101" pitchFamily="2" charset="-122"/>
-              </a:rPr>
-              <a:t>显示指定节点信息</a:t>
-            </a:r>
-            <a:endParaRPr lang="en-US" altLang="zh-CN" b="1" dirty="0">
-              <a:solidFill>
-                <a:srgbClr val="FF0000"/>
-              </a:solidFill>
-              <a:latin typeface="华文细黑" panose="02010600040101010101" pitchFamily="2" charset="-122"/>
-              <a:ea typeface="华文细黑" panose="02010600040101010101" pitchFamily="2" charset="-122"/>
-            </a:endParaRPr>
-          </a:p>
         </p:txBody>
       </p:sp>
       <p:pic>
         <p:nvPicPr>
-          <p:cNvPr id="3" name="图片 2">
+          <p:cNvPr id="4" name="图片 3">
             <a:extLst>
               <a:ext uri="{FF2B5EF4-FFF2-40B4-BE49-F238E27FC236}">
-                <a16:creationId xmlns:a16="http://schemas.microsoft.com/office/drawing/2014/main" id="{9D8A6CCE-03B6-4A8E-A3DA-1A64D03A73C6}"/>
+                <a16:creationId xmlns:a16="http://schemas.microsoft.com/office/drawing/2014/main" id="{9CA2EB3E-27FF-441C-871F-D8F5C871BDD2}"/>
               </a:ext>
             </a:extLst>
           </p:cNvPr>
@@ -14492,204 +15200,65 @@
         </p:blipFill>
         <p:spPr>
           <a:xfrm>
-            <a:off x="0" y="2368887"/>
-            <a:ext cx="6048375" cy="2943225"/>
+            <a:off x="1215549" y="2638828"/>
+            <a:ext cx="5337651" cy="1093780"/>
           </a:xfrm>
           <a:prstGeom prst="rect">
             <a:avLst/>
           </a:prstGeom>
-          <a:effectLst>
-            <a:glow rad="139700">
-              <a:schemeClr val="accent2">
-                <a:satMod val="175000"/>
-                <a:alpha val="40000"/>
-              </a:schemeClr>
-            </a:glow>
-          </a:effectLst>
         </p:spPr>
       </p:pic>
       <p:sp>
         <p:nvSpPr>
-          <p:cNvPr id="4" name="文本框 3">
+          <p:cNvPr id="13" name="矩形 12">
             <a:extLst>
               <a:ext uri="{FF2B5EF4-FFF2-40B4-BE49-F238E27FC236}">
-                <a16:creationId xmlns:a16="http://schemas.microsoft.com/office/drawing/2014/main" id="{F80DC29E-481E-4CD0-AA3F-609CC6204A76}"/>
+                <a16:creationId xmlns:a16="http://schemas.microsoft.com/office/drawing/2014/main" id="{2DFB229D-26E1-4802-9715-6A4E94124D0B}"/>
               </a:ext>
             </a:extLst>
           </p:cNvPr>
-          <p:cNvSpPr txBox="1"/>
+          <p:cNvSpPr/>
           <p:nvPr/>
         </p:nvSpPr>
         <p:spPr>
           <a:xfrm>
-            <a:off x="1115870" y="2655250"/>
-            <a:ext cx="864096" cy="369332"/>
+            <a:off x="683568" y="4200884"/>
+            <a:ext cx="6656682" cy="400110"/>
           </a:xfrm>
           <a:prstGeom prst="rect">
             <a:avLst/>
           </a:prstGeom>
-          <a:noFill/>
-          <a:ln w="19050">
-            <a:solidFill>
-              <a:srgbClr val="FF0000"/>
-            </a:solidFill>
-          </a:ln>
         </p:spPr>
         <p:txBody>
-          <a:bodyPr wrap="square" rtlCol="0">
+          <a:bodyPr wrap="square">
             <a:spAutoFit/>
           </a:bodyPr>
           <a:lstStyle/>
           <a:p>
-            <a:endParaRPr lang="zh-CN" altLang="en-US" dirty="0"/>
-          </a:p>
-        </p:txBody>
-      </p:sp>
-      <p:sp>
-        <p:nvSpPr>
-          <p:cNvPr id="18" name="文本框 17">
+            <a:pPr marL="342900" indent="-342900">
+              <a:buFont typeface="Arial" panose="020B0604020202020204" pitchFamily="34" charset="0"/>
+              <a:buChar char="•"/>
+            </a:pPr>
+            <a:r>
+              <a:rPr lang="zh-CN" altLang="en-US" sz="2000" dirty="0">
+                <a:latin typeface="华文细黑" panose="02010600040101010101" pitchFamily="2" charset="-122"/>
+                <a:ea typeface="华文细黑" panose="02010600040101010101" pitchFamily="2" charset="-122"/>
+              </a:rPr>
+              <a:t>效果</a:t>
+            </a:r>
+            <a:endParaRPr lang="en-US" altLang="zh-CN" sz="2000" dirty="0">
+              <a:latin typeface="华文细黑" panose="02010600040101010101" pitchFamily="2" charset="-122"/>
+              <a:ea typeface="华文细黑" panose="02010600040101010101" pitchFamily="2" charset="-122"/>
+            </a:endParaRPr>
+          </a:p>
+        </p:txBody>
+      </p:sp>
+      <p:pic>
+        <p:nvPicPr>
+          <p:cNvPr id="5" name="图片 4">
             <a:extLst>
               <a:ext uri="{FF2B5EF4-FFF2-40B4-BE49-F238E27FC236}">
-                <a16:creationId xmlns:a16="http://schemas.microsoft.com/office/drawing/2014/main" id="{747F784B-3153-4C88-8B77-5BEB35D8478F}"/>
-              </a:ext>
-            </a:extLst>
-          </p:cNvPr>
-          <p:cNvSpPr txBox="1"/>
-          <p:nvPr/>
-        </p:nvSpPr>
-        <p:spPr>
-          <a:xfrm>
-            <a:off x="1556093" y="4354654"/>
-            <a:ext cx="993117" cy="369332"/>
-          </a:xfrm>
-          <a:prstGeom prst="rect">
-            <a:avLst/>
-          </a:prstGeom>
-          <a:noFill/>
-          <a:ln w="19050">
-            <a:solidFill>
-              <a:srgbClr val="FF0000"/>
-            </a:solidFill>
-          </a:ln>
-        </p:spPr>
-        <p:txBody>
-          <a:bodyPr wrap="square" rtlCol="0">
-            <a:spAutoFit/>
-          </a:bodyPr>
-          <a:lstStyle/>
-          <a:p>
-            <a:endParaRPr lang="zh-CN" altLang="en-US" dirty="0"/>
-          </a:p>
-        </p:txBody>
-      </p:sp>
-      <p:sp>
-        <p:nvSpPr>
-          <p:cNvPr id="20" name="文本框 19">
-            <a:extLst>
-              <a:ext uri="{FF2B5EF4-FFF2-40B4-BE49-F238E27FC236}">
-                <a16:creationId xmlns:a16="http://schemas.microsoft.com/office/drawing/2014/main" id="{31466DA7-053F-4208-A613-2E7A37505E6D}"/>
-              </a:ext>
-            </a:extLst>
-          </p:cNvPr>
-          <p:cNvSpPr txBox="1"/>
-          <p:nvPr/>
-        </p:nvSpPr>
-        <p:spPr>
-          <a:xfrm>
-            <a:off x="2929376" y="2700457"/>
-            <a:ext cx="864096" cy="338554"/>
-          </a:xfrm>
-          <a:prstGeom prst="rect">
-            <a:avLst/>
-          </a:prstGeom>
-          <a:noFill/>
-        </p:spPr>
-        <p:txBody>
-          <a:bodyPr wrap="square" rtlCol="0">
-            <a:spAutoFit/>
-          </a:bodyPr>
-          <a:lstStyle/>
-          <a:p>
-            <a:r>
-              <a:rPr lang="en-US" altLang="zh-CN" sz="1600" dirty="0">
-                <a:solidFill>
-                  <a:srgbClr val="FF0000"/>
-                </a:solidFill>
-                <a:latin typeface="华文细黑" panose="02010600040101010101" pitchFamily="2" charset="-122"/>
-                <a:ea typeface="华文细黑" panose="02010600040101010101" pitchFamily="2" charset="-122"/>
-              </a:rPr>
-              <a:t>36</a:t>
-            </a:r>
-            <a:r>
-              <a:rPr lang="zh-CN" altLang="en-US" sz="1600" dirty="0">
-                <a:solidFill>
-                  <a:srgbClr val="FF0000"/>
-                </a:solidFill>
-                <a:latin typeface="华文细黑" panose="02010600040101010101" pitchFamily="2" charset="-122"/>
-                <a:ea typeface="华文细黑" panose="02010600040101010101" pitchFamily="2" charset="-122"/>
-              </a:rPr>
-              <a:t>个核</a:t>
-            </a:r>
-          </a:p>
-        </p:txBody>
-      </p:sp>
-      <p:sp>
-        <p:nvSpPr>
-          <p:cNvPr id="21" name="文本框 20">
-            <a:extLst>
-              <a:ext uri="{FF2B5EF4-FFF2-40B4-BE49-F238E27FC236}">
-                <a16:creationId xmlns:a16="http://schemas.microsoft.com/office/drawing/2014/main" id="{73AFBF19-31C0-4B14-A3D0-BED31CCA6472}"/>
-              </a:ext>
-            </a:extLst>
-          </p:cNvPr>
-          <p:cNvSpPr txBox="1"/>
-          <p:nvPr/>
-        </p:nvSpPr>
-        <p:spPr>
-          <a:xfrm>
-            <a:off x="2749356" y="4539320"/>
-            <a:ext cx="1224136" cy="338554"/>
-          </a:xfrm>
-          <a:prstGeom prst="rect">
-            <a:avLst/>
-          </a:prstGeom>
-          <a:noFill/>
-        </p:spPr>
-        <p:txBody>
-          <a:bodyPr wrap="square" rtlCol="0">
-            <a:spAutoFit/>
-          </a:bodyPr>
-          <a:lstStyle/>
-          <a:p>
-            <a:r>
-              <a:rPr lang="en-US" altLang="zh-CN" sz="1600" dirty="0">
-                <a:solidFill>
-                  <a:srgbClr val="FF0000"/>
-                </a:solidFill>
-                <a:latin typeface="华文细黑" panose="02010600040101010101" pitchFamily="2" charset="-122"/>
-                <a:ea typeface="华文细黑" panose="02010600040101010101" pitchFamily="2" charset="-122"/>
-              </a:rPr>
-              <a:t>192G </a:t>
-            </a:r>
-            <a:r>
-              <a:rPr lang="zh-CN" altLang="en-US" sz="1600" dirty="0">
-                <a:solidFill>
-                  <a:srgbClr val="FF0000"/>
-                </a:solidFill>
-                <a:latin typeface="华文细黑" panose="02010600040101010101" pitchFamily="2" charset="-122"/>
-                <a:ea typeface="华文细黑" panose="02010600040101010101" pitchFamily="2" charset="-122"/>
-              </a:rPr>
-              <a:t>内存</a:t>
-            </a:r>
-          </a:p>
-        </p:txBody>
-      </p:sp>
-      <p:pic>
-        <p:nvPicPr>
-          <p:cNvPr id="6" name="图片 5">
-            <a:extLst>
-              <a:ext uri="{FF2B5EF4-FFF2-40B4-BE49-F238E27FC236}">
-                <a16:creationId xmlns:a16="http://schemas.microsoft.com/office/drawing/2014/main" id="{4F741D5C-AC8B-4F9B-9A80-A90FDF6E8C07}"/>
+                <a16:creationId xmlns:a16="http://schemas.microsoft.com/office/drawing/2014/main" id="{15044345-FA47-423F-AFAB-CB03AA9F9F8D}"/>
               </a:ext>
             </a:extLst>
           </p:cNvPr>
@@ -14700,444 +15269,23 @@
         </p:nvPicPr>
         <p:blipFill rotWithShape="1">
           <a:blip r:embed="rId4"/>
-          <a:srcRect r="16476"/>
+          <a:srcRect t="5606"/>
           <a:stretch/>
         </p:blipFill>
         <p:spPr>
           <a:xfrm>
-            <a:off x="4211495" y="2859229"/>
-            <a:ext cx="4932505" cy="2990850"/>
-          </a:xfrm>
-          <a:prstGeom prst="rect">
-            <a:avLst/>
-          </a:prstGeom>
-          <a:ln>
-            <a:noFill/>
-          </a:ln>
-          <a:effectLst>
-            <a:glow rad="177800">
-              <a:srgbClr val="0070C0">
-                <a:alpha val="40000"/>
-              </a:srgbClr>
-            </a:glow>
-          </a:effectLst>
-        </p:spPr>
-      </p:pic>
-      <p:sp>
-        <p:nvSpPr>
-          <p:cNvPr id="22" name="文本框 21">
-            <a:extLst>
-              <a:ext uri="{FF2B5EF4-FFF2-40B4-BE49-F238E27FC236}">
-                <a16:creationId xmlns:a16="http://schemas.microsoft.com/office/drawing/2014/main" id="{8565CD5D-9E85-44B0-9362-3B18D27A7447}"/>
-              </a:ext>
-            </a:extLst>
-          </p:cNvPr>
-          <p:cNvSpPr txBox="1"/>
-          <p:nvPr/>
-        </p:nvSpPr>
-        <p:spPr>
-          <a:xfrm>
-            <a:off x="7194692" y="3090446"/>
-            <a:ext cx="1224136" cy="338554"/>
-          </a:xfrm>
-          <a:prstGeom prst="rect">
-            <a:avLst/>
-          </a:prstGeom>
-          <a:noFill/>
-        </p:spPr>
-        <p:txBody>
-          <a:bodyPr wrap="square" rtlCol="0">
-            <a:spAutoFit/>
-          </a:bodyPr>
-          <a:lstStyle/>
-          <a:p>
-            <a:r>
-              <a:rPr lang="en-US" altLang="zh-CN" sz="1600" dirty="0">
-                <a:solidFill>
-                  <a:srgbClr val="FF0000"/>
-                </a:solidFill>
-                <a:latin typeface="华文细黑" panose="02010600040101010101" pitchFamily="2" charset="-122"/>
-                <a:ea typeface="华文细黑" panose="02010600040101010101" pitchFamily="2" charset="-122"/>
-              </a:rPr>
-              <a:t>72</a:t>
-            </a:r>
-            <a:r>
-              <a:rPr lang="zh-CN" altLang="en-US" sz="1600" dirty="0">
-                <a:solidFill>
-                  <a:srgbClr val="FF0000"/>
-                </a:solidFill>
-                <a:latin typeface="华文细黑" panose="02010600040101010101" pitchFamily="2" charset="-122"/>
-                <a:ea typeface="华文细黑" panose="02010600040101010101" pitchFamily="2" charset="-122"/>
-              </a:rPr>
-              <a:t>个核</a:t>
-            </a:r>
-          </a:p>
-        </p:txBody>
-      </p:sp>
-      <p:sp>
-        <p:nvSpPr>
-          <p:cNvPr id="23" name="文本框 22">
-            <a:extLst>
-              <a:ext uri="{FF2B5EF4-FFF2-40B4-BE49-F238E27FC236}">
-                <a16:creationId xmlns:a16="http://schemas.microsoft.com/office/drawing/2014/main" id="{74BF9799-272D-41C7-9757-87CFE4558559}"/>
-              </a:ext>
-            </a:extLst>
-          </p:cNvPr>
-          <p:cNvSpPr txBox="1"/>
-          <p:nvPr/>
-        </p:nvSpPr>
-        <p:spPr>
-          <a:xfrm>
-            <a:off x="7473079" y="4780453"/>
-            <a:ext cx="1224136" cy="338554"/>
-          </a:xfrm>
-          <a:prstGeom prst="rect">
-            <a:avLst/>
-          </a:prstGeom>
-          <a:noFill/>
-        </p:spPr>
-        <p:txBody>
-          <a:bodyPr wrap="square" rtlCol="0">
-            <a:spAutoFit/>
-          </a:bodyPr>
-          <a:lstStyle/>
-          <a:p>
-            <a:r>
-              <a:rPr lang="en-US" altLang="zh-CN" sz="1600" dirty="0">
-                <a:solidFill>
-                  <a:srgbClr val="FF0000"/>
-                </a:solidFill>
-                <a:latin typeface="华文细黑" panose="02010600040101010101" pitchFamily="2" charset="-122"/>
-                <a:ea typeface="华文细黑" panose="02010600040101010101" pitchFamily="2" charset="-122"/>
-              </a:rPr>
-              <a:t>1T</a:t>
-            </a:r>
-            <a:r>
-              <a:rPr lang="zh-CN" altLang="en-US" sz="1600" dirty="0">
-                <a:solidFill>
-                  <a:srgbClr val="FF0000"/>
-                </a:solidFill>
-                <a:latin typeface="华文细黑" panose="02010600040101010101" pitchFamily="2" charset="-122"/>
-                <a:ea typeface="华文细黑" panose="02010600040101010101" pitchFamily="2" charset="-122"/>
-              </a:rPr>
-              <a:t>内存</a:t>
-            </a:r>
-          </a:p>
-        </p:txBody>
-      </p:sp>
-      <p:sp>
-        <p:nvSpPr>
-          <p:cNvPr id="24" name="文本框 23">
-            <a:extLst>
-              <a:ext uri="{FF2B5EF4-FFF2-40B4-BE49-F238E27FC236}">
-                <a16:creationId xmlns:a16="http://schemas.microsoft.com/office/drawing/2014/main" id="{0A880BEC-6450-4BB5-A510-AB2254D30A9C}"/>
-              </a:ext>
-            </a:extLst>
-          </p:cNvPr>
-          <p:cNvSpPr txBox="1"/>
-          <p:nvPr/>
-        </p:nvSpPr>
-        <p:spPr>
-          <a:xfrm>
-            <a:off x="5325389" y="3084147"/>
-            <a:ext cx="864096" cy="369332"/>
-          </a:xfrm>
-          <a:prstGeom prst="rect">
-            <a:avLst/>
-          </a:prstGeom>
-          <a:noFill/>
-          <a:ln w="19050">
-            <a:solidFill>
-              <a:srgbClr val="FF0000"/>
-            </a:solidFill>
-          </a:ln>
-        </p:spPr>
-        <p:txBody>
-          <a:bodyPr wrap="square" rtlCol="0">
-            <a:spAutoFit/>
-          </a:bodyPr>
-          <a:lstStyle/>
-          <a:p>
-            <a:endParaRPr lang="zh-CN" altLang="en-US" dirty="0"/>
-          </a:p>
-        </p:txBody>
-      </p:sp>
-      <p:sp>
-        <p:nvSpPr>
-          <p:cNvPr id="25" name="文本框 24">
-            <a:extLst>
-              <a:ext uri="{FF2B5EF4-FFF2-40B4-BE49-F238E27FC236}">
-                <a16:creationId xmlns:a16="http://schemas.microsoft.com/office/drawing/2014/main" id="{C5C3F802-03E1-428E-8098-3F3CDFE9294A}"/>
-              </a:ext>
-            </a:extLst>
-          </p:cNvPr>
-          <p:cNvSpPr txBox="1"/>
-          <p:nvPr/>
-        </p:nvSpPr>
-        <p:spPr>
-          <a:xfrm>
-            <a:off x="5813651" y="4780453"/>
-            <a:ext cx="864096" cy="369332"/>
-          </a:xfrm>
-          <a:prstGeom prst="rect">
-            <a:avLst/>
-          </a:prstGeom>
-          <a:noFill/>
-          <a:ln w="19050">
-            <a:solidFill>
-              <a:srgbClr val="FF0000"/>
-            </a:solidFill>
-          </a:ln>
-        </p:spPr>
-        <p:txBody>
-          <a:bodyPr wrap="square" rtlCol="0">
-            <a:spAutoFit/>
-          </a:bodyPr>
-          <a:lstStyle/>
-          <a:p>
-            <a:endParaRPr lang="zh-CN" altLang="en-US" dirty="0"/>
-          </a:p>
-        </p:txBody>
-      </p:sp>
-      <p:sp>
-        <p:nvSpPr>
-          <p:cNvPr id="27" name="内容占位符 2">
-            <a:extLst>
-              <a:ext uri="{FF2B5EF4-FFF2-40B4-BE49-F238E27FC236}">
-                <a16:creationId xmlns:a16="http://schemas.microsoft.com/office/drawing/2014/main" id="{F33EDE7F-9396-4750-B8E9-2074E36BBE21}"/>
-              </a:ext>
-            </a:extLst>
-          </p:cNvPr>
-          <p:cNvSpPr txBox="1">
-            <a:spLocks/>
-          </p:cNvSpPr>
-          <p:nvPr/>
-        </p:nvSpPr>
-        <p:spPr>
-          <a:xfrm>
-            <a:off x="539552" y="6104845"/>
-            <a:ext cx="8064895" cy="727048"/>
+            <a:off x="0" y="4926915"/>
+            <a:ext cx="9144000" cy="762897"/>
           </a:xfrm>
           <a:prstGeom prst="rect">
             <a:avLst/>
           </a:prstGeom>
         </p:spPr>
-        <p:txBody>
-          <a:bodyPr/>
-          <a:lstStyle>
-            <a:lvl1pPr marL="342900" indent="-342900" algn="l" defTabSz="914400" rtl="0" eaLnBrk="1" latinLnBrk="0" hangingPunct="1">
-              <a:spcBef>
-                <a:spcPct val="20000"/>
-              </a:spcBef>
-              <a:buFont typeface="Arial" pitchFamily="34" charset="0"/>
-              <a:buChar char="•"/>
-              <a:defRPr sz="3200" kern="1200">
-                <a:solidFill>
-                  <a:schemeClr val="tx1"/>
-                </a:solidFill>
-                <a:latin typeface="+mn-lt"/>
-                <a:ea typeface="+mn-ea"/>
-                <a:cs typeface="+mn-cs"/>
-              </a:defRPr>
-            </a:lvl1pPr>
-            <a:lvl2pPr marL="742950" indent="-285750" algn="l" defTabSz="914400" rtl="0" eaLnBrk="1" latinLnBrk="0" hangingPunct="1">
-              <a:spcBef>
-                <a:spcPct val="20000"/>
-              </a:spcBef>
-              <a:buFont typeface="Arial" pitchFamily="34" charset="0"/>
-              <a:buChar char="–"/>
-              <a:defRPr sz="2800" kern="1200">
-                <a:solidFill>
-                  <a:schemeClr val="tx1"/>
-                </a:solidFill>
-                <a:latin typeface="+mn-lt"/>
-                <a:ea typeface="+mn-ea"/>
-                <a:cs typeface="+mn-cs"/>
-              </a:defRPr>
-            </a:lvl2pPr>
-            <a:lvl3pPr marL="1143000" indent="-228600" algn="l" defTabSz="914400" rtl="0" eaLnBrk="1" latinLnBrk="0" hangingPunct="1">
-              <a:spcBef>
-                <a:spcPct val="20000"/>
-              </a:spcBef>
-              <a:buFont typeface="Arial" pitchFamily="34" charset="0"/>
-              <a:buChar char="•"/>
-              <a:defRPr sz="2400" kern="1200">
-                <a:solidFill>
-                  <a:schemeClr val="tx1"/>
-                </a:solidFill>
-                <a:latin typeface="+mn-lt"/>
-                <a:ea typeface="+mn-ea"/>
-                <a:cs typeface="+mn-cs"/>
-              </a:defRPr>
-            </a:lvl3pPr>
-            <a:lvl4pPr marL="1600200" indent="-228600" algn="l" defTabSz="914400" rtl="0" eaLnBrk="1" latinLnBrk="0" hangingPunct="1">
-              <a:spcBef>
-                <a:spcPct val="20000"/>
-              </a:spcBef>
-              <a:buFont typeface="Arial" pitchFamily="34" charset="0"/>
-              <a:buChar char="–"/>
-              <a:defRPr sz="2000" kern="1200">
-                <a:solidFill>
-                  <a:schemeClr val="tx1"/>
-                </a:solidFill>
-                <a:latin typeface="+mn-lt"/>
-                <a:ea typeface="+mn-ea"/>
-                <a:cs typeface="+mn-cs"/>
-              </a:defRPr>
-            </a:lvl4pPr>
-            <a:lvl5pPr marL="2057400" indent="-228600" algn="l" defTabSz="914400" rtl="0" eaLnBrk="1" latinLnBrk="0" hangingPunct="1">
-              <a:spcBef>
-                <a:spcPct val="20000"/>
-              </a:spcBef>
-              <a:buFont typeface="Arial" pitchFamily="34" charset="0"/>
-              <a:buChar char="»"/>
-              <a:defRPr sz="2000" kern="1200">
-                <a:solidFill>
-                  <a:schemeClr val="tx1"/>
-                </a:solidFill>
-                <a:latin typeface="+mn-lt"/>
-                <a:ea typeface="+mn-ea"/>
-                <a:cs typeface="+mn-cs"/>
-              </a:defRPr>
-            </a:lvl5pPr>
-            <a:lvl6pPr marL="2514600" indent="-228600" algn="l" defTabSz="914400" rtl="0" eaLnBrk="1" latinLnBrk="0" hangingPunct="1">
-              <a:spcBef>
-                <a:spcPct val="20000"/>
-              </a:spcBef>
-              <a:buFont typeface="Arial" pitchFamily="34" charset="0"/>
-              <a:buChar char="•"/>
-              <a:defRPr sz="2000" kern="1200">
-                <a:solidFill>
-                  <a:schemeClr val="tx1"/>
-                </a:solidFill>
-                <a:latin typeface="+mn-lt"/>
-                <a:ea typeface="+mn-ea"/>
-                <a:cs typeface="+mn-cs"/>
-              </a:defRPr>
-            </a:lvl6pPr>
-            <a:lvl7pPr marL="2971800" indent="-228600" algn="l" defTabSz="914400" rtl="0" eaLnBrk="1" latinLnBrk="0" hangingPunct="1">
-              <a:spcBef>
-                <a:spcPct val="20000"/>
-              </a:spcBef>
-              <a:buFont typeface="Arial" pitchFamily="34" charset="0"/>
-              <a:buChar char="•"/>
-              <a:defRPr sz="2000" kern="1200">
-                <a:solidFill>
-                  <a:schemeClr val="tx1"/>
-                </a:solidFill>
-                <a:latin typeface="+mn-lt"/>
-                <a:ea typeface="+mn-ea"/>
-                <a:cs typeface="+mn-cs"/>
-              </a:defRPr>
-            </a:lvl7pPr>
-            <a:lvl8pPr marL="3429000" indent="-228600" algn="l" defTabSz="914400" rtl="0" eaLnBrk="1" latinLnBrk="0" hangingPunct="1">
-              <a:spcBef>
-                <a:spcPct val="20000"/>
-              </a:spcBef>
-              <a:buFont typeface="Arial" pitchFamily="34" charset="0"/>
-              <a:buChar char="•"/>
-              <a:defRPr sz="2000" kern="1200">
-                <a:solidFill>
-                  <a:schemeClr val="tx1"/>
-                </a:solidFill>
-                <a:latin typeface="+mn-lt"/>
-                <a:ea typeface="+mn-ea"/>
-                <a:cs typeface="+mn-cs"/>
-              </a:defRPr>
-            </a:lvl8pPr>
-            <a:lvl9pPr marL="3886200" indent="-228600" algn="l" defTabSz="914400" rtl="0" eaLnBrk="1" latinLnBrk="0" hangingPunct="1">
-              <a:spcBef>
-                <a:spcPct val="20000"/>
-              </a:spcBef>
-              <a:buFont typeface="Arial" pitchFamily="34" charset="0"/>
-              <a:buChar char="•"/>
-              <a:defRPr sz="2000" kern="1200">
-                <a:solidFill>
-                  <a:schemeClr val="tx1"/>
-                </a:solidFill>
-                <a:latin typeface="+mn-lt"/>
-                <a:ea typeface="+mn-ea"/>
-                <a:cs typeface="+mn-cs"/>
-              </a:defRPr>
-            </a:lvl9pPr>
-          </a:lstStyle>
-          <a:p>
-            <a:r>
-              <a:rPr lang="zh-CN" altLang="en-US" sz="1800" dirty="0">
-                <a:latin typeface="华文细黑" panose="02010600040101010101" pitchFamily="2" charset="-122"/>
-                <a:ea typeface="华文细黑" panose="02010600040101010101" pitchFamily="2" charset="-122"/>
-              </a:rPr>
-              <a:t>了解计算节点详细信息可以指导脚本相关参数的填写，如 </a:t>
-            </a:r>
-            <a:r>
-              <a:rPr lang="en-US" altLang="zh-CN" sz="1800" dirty="0">
-                <a:latin typeface="Times New Roman" panose="02020603050405020304" pitchFamily="18" charset="0"/>
-                <a:ea typeface="华文细黑" panose="02010600040101010101" pitchFamily="2" charset="-122"/>
-                <a:cs typeface="Times New Roman" panose="02020603050405020304" pitchFamily="18" charset="0"/>
-              </a:rPr>
-              <a:t>--</a:t>
-            </a:r>
-            <a:r>
-              <a:rPr lang="en-US" altLang="zh-CN" sz="1800" dirty="0" err="1">
-                <a:latin typeface="Times New Roman" panose="02020603050405020304" pitchFamily="18" charset="0"/>
-                <a:cs typeface="Times New Roman" panose="02020603050405020304" pitchFamily="18" charset="0"/>
-              </a:rPr>
-              <a:t>ntasks</a:t>
-            </a:r>
-            <a:r>
-              <a:rPr lang="en-US" altLang="zh-CN" sz="1800" dirty="0">
-                <a:latin typeface="Times New Roman" panose="02020603050405020304" pitchFamily="18" charset="0"/>
-                <a:cs typeface="Times New Roman" panose="02020603050405020304" pitchFamily="18" charset="0"/>
-              </a:rPr>
-              <a:t>-per-node</a:t>
-            </a:r>
-          </a:p>
-          <a:p>
-            <a:r>
-              <a:rPr lang="zh-CN" altLang="en-US" sz="1800" dirty="0">
-                <a:latin typeface="Times New Roman" panose="02020603050405020304" pitchFamily="18" charset="0"/>
-                <a:ea typeface="华文细黑" panose="02010600040101010101" pitchFamily="2" charset="-122"/>
-                <a:cs typeface="Times New Roman" panose="02020603050405020304" pitchFamily="18" charset="0"/>
-              </a:rPr>
-              <a:t>选择适合的节点提交任务</a:t>
-            </a:r>
-          </a:p>
-        </p:txBody>
-      </p:sp>
-      <p:sp>
-        <p:nvSpPr>
-          <p:cNvPr id="11" name="灯片编号占位符 10">
-            <a:extLst>
-              <a:ext uri="{FF2B5EF4-FFF2-40B4-BE49-F238E27FC236}">
-                <a16:creationId xmlns:a16="http://schemas.microsoft.com/office/drawing/2014/main" id="{74AD3CA1-2912-4F27-B4F6-8C13A110392A}"/>
-              </a:ext>
-            </a:extLst>
-          </p:cNvPr>
-          <p:cNvSpPr>
-            <a:spLocks noGrp="1"/>
-          </p:cNvSpPr>
-          <p:nvPr>
-            <p:ph type="sldNum" sz="quarter" idx="12"/>
-          </p:nvPr>
-        </p:nvSpPr>
-        <p:spPr/>
-        <p:txBody>
-          <a:bodyPr/>
-          <a:lstStyle/>
-          <a:p>
-            <a:fld id="{6A5AA6DB-FE8F-44FC-AB8C-B3ACDBB5B927}" type="slidenum">
-              <a:rPr lang="zh-CN" altLang="en-US" smtClean="0"/>
-              <a:pPr/>
-              <a:t>9</a:t>
-            </a:fld>
-            <a:endParaRPr lang="zh-CN" altLang="en-US"/>
-          </a:p>
-        </p:txBody>
-      </p:sp>
+      </p:pic>
     </p:spTree>
     <p:extLst>
       <p:ext uri="{BB962C8B-B14F-4D97-AF65-F5344CB8AC3E}">
-        <p14:creationId xmlns:p14="http://schemas.microsoft.com/office/powerpoint/2010/main" val="2032619620"/>
+        <p14:creationId xmlns:p14="http://schemas.microsoft.com/office/powerpoint/2010/main" val="2436681239"/>
       </p:ext>
     </p:extLst>
   </p:cSld>

--- a/05_SSLAB_HPC_usage/HPC-Slurm.pptx
+++ b/05_SSLAB_HPC_usage/HPC-Slurm.pptx
@@ -12169,18 +12169,11 @@
               <a:buAutoNum type="arabicPeriod"/>
             </a:pPr>
             <a:r>
-              <a:rPr lang="en-US" altLang="zh-CN" dirty="0" err="1">
-                <a:latin typeface="Times New Roman" panose="02020603050405020304" pitchFamily="18" charset="0"/>
-                <a:cs typeface="Times New Roman" panose="02020603050405020304" pitchFamily="18" charset="0"/>
-              </a:rPr>
-              <a:t>gitclone</a:t>
-            </a:r>
-            <a:r>
               <a:rPr lang="en-US" altLang="zh-CN" dirty="0">
                 <a:latin typeface="Times New Roman" panose="02020603050405020304" pitchFamily="18" charset="0"/>
                 <a:cs typeface="Times New Roman" panose="02020603050405020304" pitchFamily="18" charset="0"/>
               </a:rPr>
-              <a:t>  </a:t>
+              <a:t>git clone  </a:t>
             </a:r>
             <a:r>
               <a:rPr lang="en-US" altLang="zh-CN" dirty="0">
@@ -12213,7 +12206,7 @@
                 <a:latin typeface="Times New Roman" panose="02020603050405020304" pitchFamily="18" charset="0"/>
                 <a:cs typeface="Times New Roman" panose="02020603050405020304" pitchFamily="18" charset="0"/>
               </a:rPr>
-              <a:t>cd   2019_workshop/05_SSLAB_HPC_usage/si-128/</a:t>
+              <a:t>cd   2019_workshop/05_SSLAB_HPC_usage/Si-128/</a:t>
             </a:r>
           </a:p>
           <a:p>
@@ -12270,7 +12263,35 @@
                 <a:latin typeface="华文细黑" panose="02010600040101010101" pitchFamily="2" charset="-122"/>
                 <a:ea typeface="华文细黑" panose="02010600040101010101" pitchFamily="2" charset="-122"/>
               </a:rPr>
-              <a:t>在我演示的同时，大家也可进行操作</a:t>
+              <a:t>在</a:t>
+            </a:r>
+            <a:r>
+              <a:rPr lang="zh-CN" altLang="en-US">
+                <a:latin typeface="华文细黑" panose="02010600040101010101" pitchFamily="2" charset="-122"/>
+                <a:ea typeface="华文细黑" panose="02010600040101010101" pitchFamily="2" charset="-122"/>
+              </a:rPr>
+              <a:t>我演示时</a:t>
+            </a:r>
+            <a:r>
+              <a:rPr lang="zh-CN" altLang="en-US" dirty="0">
+                <a:latin typeface="华文细黑" panose="02010600040101010101" pitchFamily="2" charset="-122"/>
+                <a:ea typeface="华文细黑" panose="02010600040101010101" pitchFamily="2" charset="-122"/>
+              </a:rPr>
+              <a:t>，大家</a:t>
+            </a:r>
+            <a:r>
+              <a:rPr lang="zh-CN" altLang="en-US">
+                <a:latin typeface="华文细黑" panose="02010600040101010101" pitchFamily="2" charset="-122"/>
+                <a:ea typeface="华文细黑" panose="02010600040101010101" pitchFamily="2" charset="-122"/>
+              </a:rPr>
+              <a:t>也可同时进行</a:t>
+            </a:r>
+            <a:r>
+              <a:rPr lang="zh-CN" altLang="en-US" dirty="0">
+                <a:latin typeface="华文细黑" panose="02010600040101010101" pitchFamily="2" charset="-122"/>
+                <a:ea typeface="华文细黑" panose="02010600040101010101" pitchFamily="2" charset="-122"/>
+              </a:rPr>
+              <a:t>操作</a:t>
             </a:r>
             <a:endParaRPr lang="en-US" altLang="zh-CN" dirty="0">
               <a:latin typeface="华文细黑" panose="02010600040101010101" pitchFamily="2" charset="-122"/>
@@ -12931,7 +12952,7 @@
             </a:pPr>
             <a:r>
               <a:rPr lang="zh-CN" altLang="en-US" dirty="0"/>
-              <a:t>注意：节点数并不是提交的越多，算得越快。节点间过度并行通信可能会导致运行速度变慢！</a:t>
+              <a:t>注意：节点数并不是提交的越多，算得越快。节点间过度并行通信可能会导致运行速度变慢！（按体系大小，设置节点数）</a:t>
             </a:r>
           </a:p>
         </p:txBody>
